--- a/Documentation/Examples.pptx
+++ b/Documentation/Examples.pptx
@@ -8,14 +8,14 @@
     <p:sldId id="256" r:id="rId2"/>
     <p:sldId id="257" r:id="rId3"/>
   </p:sldIdLst>
-  <p:sldSz cx="9144000" cy="6858000" type="screen4x3"/>
+  <p:sldSz cx="12801600" cy="9601200" type="A3"/>
   <p:notesSz cx="6858000" cy="9144000"/>
   <p:defaultTextStyle>
     <a:defPPr>
       <a:defRPr lang="en-US"/>
     </a:defPPr>
-    <a:lvl1pPr marL="0" algn="l" defTabSz="914400" rtl="0" eaLnBrk="1" latinLnBrk="0" hangingPunct="1">
-      <a:defRPr sz="1800" kern="1200">
+    <a:lvl1pPr marL="0" algn="l" defTabSz="1280023" rtl="0" eaLnBrk="1" latinLnBrk="0" hangingPunct="1">
+      <a:defRPr sz="2500" kern="1200">
         <a:solidFill>
           <a:schemeClr val="tx1"/>
         </a:solidFill>
@@ -24,8 +24,8 @@
         <a:cs typeface="+mn-cs"/>
       </a:defRPr>
     </a:lvl1pPr>
-    <a:lvl2pPr marL="457200" algn="l" defTabSz="914400" rtl="0" eaLnBrk="1" latinLnBrk="0" hangingPunct="1">
-      <a:defRPr sz="1800" kern="1200">
+    <a:lvl2pPr marL="640011" algn="l" defTabSz="1280023" rtl="0" eaLnBrk="1" latinLnBrk="0" hangingPunct="1">
+      <a:defRPr sz="2500" kern="1200">
         <a:solidFill>
           <a:schemeClr val="tx1"/>
         </a:solidFill>
@@ -34,8 +34,8 @@
         <a:cs typeface="+mn-cs"/>
       </a:defRPr>
     </a:lvl2pPr>
-    <a:lvl3pPr marL="914400" algn="l" defTabSz="914400" rtl="0" eaLnBrk="1" latinLnBrk="0" hangingPunct="1">
-      <a:defRPr sz="1800" kern="1200">
+    <a:lvl3pPr marL="1280023" algn="l" defTabSz="1280023" rtl="0" eaLnBrk="1" latinLnBrk="0" hangingPunct="1">
+      <a:defRPr sz="2500" kern="1200">
         <a:solidFill>
           <a:schemeClr val="tx1"/>
         </a:solidFill>
@@ -44,8 +44,8 @@
         <a:cs typeface="+mn-cs"/>
       </a:defRPr>
     </a:lvl3pPr>
-    <a:lvl4pPr marL="1371600" algn="l" defTabSz="914400" rtl="0" eaLnBrk="1" latinLnBrk="0" hangingPunct="1">
-      <a:defRPr sz="1800" kern="1200">
+    <a:lvl4pPr marL="1920034" algn="l" defTabSz="1280023" rtl="0" eaLnBrk="1" latinLnBrk="0" hangingPunct="1">
+      <a:defRPr sz="2500" kern="1200">
         <a:solidFill>
           <a:schemeClr val="tx1"/>
         </a:solidFill>
@@ -54,8 +54,8 @@
         <a:cs typeface="+mn-cs"/>
       </a:defRPr>
     </a:lvl4pPr>
-    <a:lvl5pPr marL="1828800" algn="l" defTabSz="914400" rtl="0" eaLnBrk="1" latinLnBrk="0" hangingPunct="1">
-      <a:defRPr sz="1800" kern="1200">
+    <a:lvl5pPr marL="2560046" algn="l" defTabSz="1280023" rtl="0" eaLnBrk="1" latinLnBrk="0" hangingPunct="1">
+      <a:defRPr sz="2500" kern="1200">
         <a:solidFill>
           <a:schemeClr val="tx1"/>
         </a:solidFill>
@@ -64,8 +64,8 @@
         <a:cs typeface="+mn-cs"/>
       </a:defRPr>
     </a:lvl5pPr>
-    <a:lvl6pPr marL="2286000" algn="l" defTabSz="914400" rtl="0" eaLnBrk="1" latinLnBrk="0" hangingPunct="1">
-      <a:defRPr sz="1800" kern="1200">
+    <a:lvl6pPr marL="3200057" algn="l" defTabSz="1280023" rtl="0" eaLnBrk="1" latinLnBrk="0" hangingPunct="1">
+      <a:defRPr sz="2500" kern="1200">
         <a:solidFill>
           <a:schemeClr val="tx1"/>
         </a:solidFill>
@@ -74,8 +74,8 @@
         <a:cs typeface="+mn-cs"/>
       </a:defRPr>
     </a:lvl6pPr>
-    <a:lvl7pPr marL="2743200" algn="l" defTabSz="914400" rtl="0" eaLnBrk="1" latinLnBrk="0" hangingPunct="1">
-      <a:defRPr sz="1800" kern="1200">
+    <a:lvl7pPr marL="3840068" algn="l" defTabSz="1280023" rtl="0" eaLnBrk="1" latinLnBrk="0" hangingPunct="1">
+      <a:defRPr sz="2500" kern="1200">
         <a:solidFill>
           <a:schemeClr val="tx1"/>
         </a:solidFill>
@@ -84,8 +84,8 @@
         <a:cs typeface="+mn-cs"/>
       </a:defRPr>
     </a:lvl7pPr>
-    <a:lvl8pPr marL="3200400" algn="l" defTabSz="914400" rtl="0" eaLnBrk="1" latinLnBrk="0" hangingPunct="1">
-      <a:defRPr sz="1800" kern="1200">
+    <a:lvl8pPr marL="4480080" algn="l" defTabSz="1280023" rtl="0" eaLnBrk="1" latinLnBrk="0" hangingPunct="1">
+      <a:defRPr sz="2500" kern="1200">
         <a:solidFill>
           <a:schemeClr val="tx1"/>
         </a:solidFill>
@@ -94,8 +94,8 @@
         <a:cs typeface="+mn-cs"/>
       </a:defRPr>
     </a:lvl8pPr>
-    <a:lvl9pPr marL="3657600" algn="l" defTabSz="914400" rtl="0" eaLnBrk="1" latinLnBrk="0" hangingPunct="1">
-      <a:defRPr sz="1800" kern="1200">
+    <a:lvl9pPr marL="5120091" algn="l" defTabSz="1280023" rtl="0" eaLnBrk="1" latinLnBrk="0" hangingPunct="1">
+      <a:defRPr sz="2500" kern="1200">
         <a:solidFill>
           <a:schemeClr val="tx1"/>
         </a:solidFill>
@@ -137,8 +137,8 @@
         </p:nvSpPr>
         <p:spPr>
           <a:xfrm>
-            <a:off x="685800" y="1371600"/>
-            <a:ext cx="7848600" cy="1927225"/>
+            <a:off x="960120" y="1920244"/>
+            <a:ext cx="10988040" cy="2698115"/>
           </a:xfrm>
         </p:spPr>
         <p:txBody>
@@ -147,7 +147,7 @@
           </a:bodyPr>
           <a:lstStyle>
             <a:lvl1pPr>
-              <a:defRPr sz="5400" cap="all" baseline="0"/>
+              <a:defRPr sz="7600" cap="all" baseline="0"/>
             </a:lvl1pPr>
           </a:lstStyle>
           <a:p>
@@ -171,8 +171,8 @@
         </p:nvSpPr>
         <p:spPr>
           <a:xfrm>
-            <a:off x="685800" y="3505200"/>
-            <a:ext cx="6400800" cy="1752600"/>
+            <a:off x="960120" y="4907280"/>
+            <a:ext cx="8961120" cy="2453640"/>
           </a:xfrm>
         </p:spPr>
         <p:txBody>
@@ -189,7 +189,7 @@
                 </a:solidFill>
               </a:defRPr>
             </a:lvl1pPr>
-            <a:lvl2pPr marL="457200" indent="0" algn="ctr">
+            <a:lvl2pPr marL="640011" indent="0" algn="ctr">
               <a:buNone/>
               <a:defRPr>
                 <a:solidFill>
@@ -199,7 +199,7 @@
                 </a:solidFill>
               </a:defRPr>
             </a:lvl2pPr>
-            <a:lvl3pPr marL="914400" indent="0" algn="ctr">
+            <a:lvl3pPr marL="1280023" indent="0" algn="ctr">
               <a:buNone/>
               <a:defRPr>
                 <a:solidFill>
@@ -209,7 +209,7 @@
                 </a:solidFill>
               </a:defRPr>
             </a:lvl3pPr>
-            <a:lvl4pPr marL="1371600" indent="0" algn="ctr">
+            <a:lvl4pPr marL="1920034" indent="0" algn="ctr">
               <a:buNone/>
               <a:defRPr>
                 <a:solidFill>
@@ -219,7 +219,7 @@
                 </a:solidFill>
               </a:defRPr>
             </a:lvl4pPr>
-            <a:lvl5pPr marL="1828800" indent="0" algn="ctr">
+            <a:lvl5pPr marL="2560046" indent="0" algn="ctr">
               <a:buNone/>
               <a:defRPr>
                 <a:solidFill>
@@ -229,7 +229,7 @@
                 </a:solidFill>
               </a:defRPr>
             </a:lvl5pPr>
-            <a:lvl6pPr marL="2286000" indent="0" algn="ctr">
+            <a:lvl6pPr marL="3200057" indent="0" algn="ctr">
               <a:buNone/>
               <a:defRPr>
                 <a:solidFill>
@@ -239,7 +239,7 @@
                 </a:solidFill>
               </a:defRPr>
             </a:lvl6pPr>
-            <a:lvl7pPr marL="2743200" indent="0" algn="ctr">
+            <a:lvl7pPr marL="3840068" indent="0" algn="ctr">
               <a:buNone/>
               <a:defRPr>
                 <a:solidFill>
@@ -249,7 +249,7 @@
                 </a:solidFill>
               </a:defRPr>
             </a:lvl7pPr>
-            <a:lvl8pPr marL="3200400" indent="0" algn="ctr">
+            <a:lvl8pPr marL="4480080" indent="0" algn="ctr">
               <a:buNone/>
               <a:defRPr>
                 <a:solidFill>
@@ -259,7 +259,7 @@
                 </a:solidFill>
               </a:defRPr>
             </a:lvl8pPr>
-            <a:lvl9pPr marL="3657600" indent="0" algn="ctr">
+            <a:lvl9pPr marL="5120091" indent="0" algn="ctr">
               <a:buNone/>
               <a:defRPr>
                 <a:solidFill>
@@ -296,7 +296,7 @@
           <a:p>
             <a:fld id="{79D5CEDA-5258-4BCF-9580-C98C883E3AFE}" type="datetimeFigureOut">
               <a:rPr lang="en-US" smtClean="0"/>
-              <a:t>12/12/2013</a:t>
+              <a:t>12/13/2013</a:t>
             </a:fld>
             <a:endParaRPr lang="en-US"/>
           </a:p>
@@ -352,8 +352,8 @@
         </p:nvCxnSpPr>
         <p:spPr>
           <a:xfrm>
-            <a:off x="685800" y="3398520"/>
-            <a:ext cx="7848600" cy="1588"/>
+            <a:off x="960120" y="4757930"/>
+            <a:ext cx="10988040" cy="2223"/>
           </a:xfrm>
           <a:prstGeom prst="line">
             <a:avLst/>
@@ -496,7 +496,7 @@
           <a:p>
             <a:fld id="{79D5CEDA-5258-4BCF-9580-C98C883E3AFE}" type="datetimeFigureOut">
               <a:rPr lang="en-US" smtClean="0"/>
-              <a:t>12/12/2013</a:t>
+              <a:t>12/13/2013</a:t>
             </a:fld>
             <a:endParaRPr lang="en-US"/>
           </a:p>
@@ -581,8 +581,8 @@
         </p:nvSpPr>
         <p:spPr>
           <a:xfrm>
-            <a:off x="6629400" y="609600"/>
-            <a:ext cx="2057400" cy="5867400"/>
+            <a:off x="9281160" y="853440"/>
+            <a:ext cx="2880360" cy="8214360"/>
           </a:xfrm>
         </p:spPr>
         <p:txBody>
@@ -609,8 +609,8 @@
         </p:nvSpPr>
         <p:spPr>
           <a:xfrm>
-            <a:off x="457200" y="609600"/>
-            <a:ext cx="6019800" cy="5867400"/>
+            <a:off x="640080" y="853440"/>
+            <a:ext cx="8427720" cy="8214360"/>
           </a:xfrm>
         </p:spPr>
         <p:txBody>
@@ -671,7 +671,7 @@
           <a:p>
             <a:fld id="{79D5CEDA-5258-4BCF-9580-C98C883E3AFE}" type="datetimeFigureOut">
               <a:rPr lang="en-US" smtClean="0"/>
-              <a:t>12/12/2013</a:t>
+              <a:t>12/13/2013</a:t>
             </a:fld>
             <a:endParaRPr lang="en-US"/>
           </a:p>
@@ -836,7 +836,7 @@
           <a:p>
             <a:fld id="{79D5CEDA-5258-4BCF-9580-C98C883E3AFE}" type="datetimeFigureOut">
               <a:rPr lang="en-US" smtClean="0"/>
-              <a:t>12/12/2013</a:t>
+              <a:t>12/13/2013</a:t>
             </a:fld>
             <a:endParaRPr lang="en-US"/>
           </a:p>
@@ -926,8 +926,8 @@
         </p:nvSpPr>
         <p:spPr>
           <a:xfrm>
-            <a:off x="722313" y="2362200"/>
-            <a:ext cx="7772400" cy="2200275"/>
+            <a:off x="1011239" y="3307082"/>
+            <a:ext cx="10881360" cy="3080385"/>
           </a:xfrm>
         </p:spPr>
         <p:txBody>
@@ -936,7 +936,7 @@
           </a:bodyPr>
           <a:lstStyle>
             <a:lvl1pPr algn="l">
-              <a:defRPr sz="4800" b="0" cap="all"/>
+              <a:defRPr sz="6700" b="0" cap="all"/>
             </a:lvl1pPr>
           </a:lstStyle>
           <a:p>
@@ -960,8 +960,8 @@
         </p:nvSpPr>
         <p:spPr>
           <a:xfrm>
-            <a:off x="722313" y="4626864"/>
-            <a:ext cx="7772400" cy="1500187"/>
+            <a:off x="1011239" y="6477612"/>
+            <a:ext cx="10881360" cy="2100262"/>
           </a:xfrm>
         </p:spPr>
         <p:txBody>
@@ -971,15 +971,15 @@
           <a:lstStyle>
             <a:lvl1pPr marL="0" indent="0">
               <a:buNone/>
-              <a:defRPr sz="2400">
+              <a:defRPr sz="3400">
                 <a:solidFill>
                   <a:schemeClr val="tx2"/>
                 </a:solidFill>
               </a:defRPr>
             </a:lvl1pPr>
-            <a:lvl2pPr marL="457200" indent="0">
+            <a:lvl2pPr marL="640011" indent="0">
               <a:buNone/>
-              <a:defRPr sz="1800">
+              <a:defRPr sz="2500">
                 <a:solidFill>
                   <a:schemeClr val="tx1">
                     <a:tint val="75000"/>
@@ -987,9 +987,9 @@
                 </a:solidFill>
               </a:defRPr>
             </a:lvl2pPr>
-            <a:lvl3pPr marL="914400" indent="0">
+            <a:lvl3pPr marL="1280023" indent="0">
               <a:buNone/>
-              <a:defRPr sz="1600">
+              <a:defRPr sz="2200">
                 <a:solidFill>
                   <a:schemeClr val="tx1">
                     <a:tint val="75000"/>
@@ -997,9 +997,9 @@
                 </a:solidFill>
               </a:defRPr>
             </a:lvl3pPr>
-            <a:lvl4pPr marL="1371600" indent="0">
+            <a:lvl4pPr marL="1920034" indent="0">
               <a:buNone/>
-              <a:defRPr sz="1400">
+              <a:defRPr sz="2000">
                 <a:solidFill>
                   <a:schemeClr val="tx1">
                     <a:tint val="75000"/>
@@ -1007,9 +1007,9 @@
                 </a:solidFill>
               </a:defRPr>
             </a:lvl4pPr>
-            <a:lvl5pPr marL="1828800" indent="0">
+            <a:lvl5pPr marL="2560046" indent="0">
               <a:buNone/>
-              <a:defRPr sz="1400">
+              <a:defRPr sz="2000">
                 <a:solidFill>
                   <a:schemeClr val="tx1">
                     <a:tint val="75000"/>
@@ -1017,9 +1017,9 @@
                 </a:solidFill>
               </a:defRPr>
             </a:lvl5pPr>
-            <a:lvl6pPr marL="2286000" indent="0">
+            <a:lvl6pPr marL="3200057" indent="0">
               <a:buNone/>
-              <a:defRPr sz="1400">
+              <a:defRPr sz="2000">
                 <a:solidFill>
                   <a:schemeClr val="tx1">
                     <a:tint val="75000"/>
@@ -1027,9 +1027,9 @@
                 </a:solidFill>
               </a:defRPr>
             </a:lvl6pPr>
-            <a:lvl7pPr marL="2743200" indent="0">
+            <a:lvl7pPr marL="3840068" indent="0">
               <a:buNone/>
-              <a:defRPr sz="1400">
+              <a:defRPr sz="2000">
                 <a:solidFill>
                   <a:schemeClr val="tx1">
                     <a:tint val="75000"/>
@@ -1037,9 +1037,9 @@
                 </a:solidFill>
               </a:defRPr>
             </a:lvl7pPr>
-            <a:lvl8pPr marL="3200400" indent="0">
+            <a:lvl8pPr marL="4480080" indent="0">
               <a:buNone/>
-              <a:defRPr sz="1400">
+              <a:defRPr sz="2000">
                 <a:solidFill>
                   <a:schemeClr val="tx1">
                     <a:tint val="75000"/>
@@ -1047,9 +1047,9 @@
                 </a:solidFill>
               </a:defRPr>
             </a:lvl8pPr>
-            <a:lvl9pPr marL="3657600" indent="0">
+            <a:lvl9pPr marL="5120091" indent="0">
               <a:buNone/>
-              <a:defRPr sz="1400">
+              <a:defRPr sz="2000">
                 <a:solidFill>
                   <a:schemeClr val="tx1">
                     <a:tint val="75000"/>
@@ -1084,7 +1084,7 @@
           <a:p>
             <a:fld id="{79D5CEDA-5258-4BCF-9580-C98C883E3AFE}" type="datetimeFigureOut">
               <a:rPr lang="en-US" smtClean="0"/>
-              <a:t>12/12/2013</a:t>
+              <a:t>12/13/2013</a:t>
             </a:fld>
             <a:endParaRPr lang="en-US"/>
           </a:p>
@@ -1140,8 +1140,8 @@
         </p:nvCxnSpPr>
         <p:spPr>
           <a:xfrm>
-            <a:off x="731520" y="4599432"/>
-            <a:ext cx="7848600" cy="1588"/>
+            <a:off x="1024128" y="6439205"/>
+            <a:ext cx="10988040" cy="2223"/>
           </a:xfrm>
           <a:prstGeom prst="line">
             <a:avLst/>
@@ -1227,39 +1227,39 @@
         </p:nvSpPr>
         <p:spPr>
           <a:xfrm>
-            <a:off x="457200" y="1673352"/>
-            <a:ext cx="4038600" cy="4718304"/>
+            <a:off x="640080" y="2342694"/>
+            <a:ext cx="5654040" cy="6605626"/>
           </a:xfrm>
         </p:spPr>
         <p:txBody>
           <a:bodyPr/>
           <a:lstStyle>
             <a:lvl1pPr>
-              <a:defRPr sz="2800"/>
+              <a:defRPr sz="3900"/>
             </a:lvl1pPr>
             <a:lvl2pPr>
-              <a:defRPr sz="2400"/>
+              <a:defRPr sz="3400"/>
             </a:lvl2pPr>
             <a:lvl3pPr>
-              <a:defRPr sz="2000"/>
+              <a:defRPr sz="2800"/>
             </a:lvl3pPr>
             <a:lvl4pPr>
-              <a:defRPr sz="1800"/>
+              <a:defRPr sz="2500"/>
             </a:lvl4pPr>
             <a:lvl5pPr>
-              <a:defRPr sz="1800"/>
+              <a:defRPr sz="2500"/>
             </a:lvl5pPr>
             <a:lvl6pPr>
-              <a:defRPr sz="1800"/>
+              <a:defRPr sz="2500"/>
             </a:lvl6pPr>
             <a:lvl7pPr>
-              <a:defRPr sz="1800"/>
+              <a:defRPr sz="2500"/>
             </a:lvl7pPr>
             <a:lvl8pPr>
-              <a:defRPr sz="1800"/>
+              <a:defRPr sz="2500"/>
             </a:lvl8pPr>
             <a:lvl9pPr>
-              <a:defRPr sz="1800"/>
+              <a:defRPr sz="2500"/>
             </a:lvl9pPr>
           </a:lstStyle>
           <a:p>
@@ -1312,39 +1312,39 @@
         </p:nvSpPr>
         <p:spPr>
           <a:xfrm>
-            <a:off x="4648200" y="1673352"/>
-            <a:ext cx="4038600" cy="4718304"/>
+            <a:off x="6507480" y="2342694"/>
+            <a:ext cx="5654040" cy="6605626"/>
           </a:xfrm>
         </p:spPr>
         <p:txBody>
           <a:bodyPr/>
           <a:lstStyle>
             <a:lvl1pPr>
-              <a:defRPr sz="2800"/>
+              <a:defRPr sz="3900"/>
             </a:lvl1pPr>
             <a:lvl2pPr>
-              <a:defRPr sz="2400"/>
+              <a:defRPr sz="3400"/>
             </a:lvl2pPr>
             <a:lvl3pPr>
-              <a:defRPr sz="2000"/>
+              <a:defRPr sz="2800"/>
             </a:lvl3pPr>
             <a:lvl4pPr>
-              <a:defRPr sz="1800"/>
+              <a:defRPr sz="2500"/>
             </a:lvl4pPr>
             <a:lvl5pPr>
-              <a:defRPr sz="1800"/>
+              <a:defRPr sz="2500"/>
             </a:lvl5pPr>
             <a:lvl6pPr>
-              <a:defRPr sz="1800"/>
+              <a:defRPr sz="2500"/>
             </a:lvl6pPr>
             <a:lvl7pPr>
-              <a:defRPr sz="1800"/>
+              <a:defRPr sz="2500"/>
             </a:lvl7pPr>
             <a:lvl8pPr>
-              <a:defRPr sz="1800"/>
+              <a:defRPr sz="2500"/>
             </a:lvl8pPr>
             <a:lvl9pPr>
-              <a:defRPr sz="1800"/>
+              <a:defRPr sz="2500"/>
             </a:lvl9pPr>
           </a:lstStyle>
           <a:p>
@@ -1402,7 +1402,7 @@
           <a:p>
             <a:fld id="{79D5CEDA-5258-4BCF-9580-C98C883E3AFE}" type="datetimeFigureOut">
               <a:rPr lang="en-US" smtClean="0"/>
-              <a:t>12/12/2013</a:t>
+              <a:t>12/13/2013</a:t>
             </a:fld>
             <a:endParaRPr lang="en-US"/>
           </a:p>
@@ -1514,8 +1514,8 @@
         </p:nvSpPr>
         <p:spPr>
           <a:xfrm>
-            <a:off x="457200" y="1676400"/>
-            <a:ext cx="3931920" cy="639762"/>
+            <a:off x="640080" y="2346961"/>
+            <a:ext cx="5504688" cy="895667"/>
           </a:xfrm>
           <a:noFill/>
           <a:ln>
@@ -1542,43 +1542,43 @@
           <a:lstStyle>
             <a:lvl1pPr marL="0" indent="0" algn="ctr">
               <a:buNone/>
-              <a:defRPr sz="2000" b="0">
+              <a:defRPr sz="2800" b="0">
                 <a:solidFill>
                   <a:schemeClr val="tx2"/>
                 </a:solidFill>
               </a:defRPr>
             </a:lvl1pPr>
-            <a:lvl2pPr marL="457200" indent="0">
+            <a:lvl2pPr marL="640011" indent="0">
               <a:buNone/>
-              <a:defRPr sz="2000" b="1"/>
+              <a:defRPr sz="2800" b="1"/>
             </a:lvl2pPr>
-            <a:lvl3pPr marL="914400" indent="0">
+            <a:lvl3pPr marL="1280023" indent="0">
               <a:buNone/>
-              <a:defRPr sz="1800" b="1"/>
+              <a:defRPr sz="2500" b="1"/>
             </a:lvl3pPr>
-            <a:lvl4pPr marL="1371600" indent="0">
+            <a:lvl4pPr marL="1920034" indent="0">
               <a:buNone/>
-              <a:defRPr sz="1600" b="1"/>
+              <a:defRPr sz="2200" b="1"/>
             </a:lvl4pPr>
-            <a:lvl5pPr marL="1828800" indent="0">
+            <a:lvl5pPr marL="2560046" indent="0">
               <a:buNone/>
-              <a:defRPr sz="1600" b="1"/>
+              <a:defRPr sz="2200" b="1"/>
             </a:lvl5pPr>
-            <a:lvl6pPr marL="2286000" indent="0">
+            <a:lvl6pPr marL="3200057" indent="0">
               <a:buNone/>
-              <a:defRPr sz="1600" b="1"/>
+              <a:defRPr sz="2200" b="1"/>
             </a:lvl6pPr>
-            <a:lvl7pPr marL="2743200" indent="0">
+            <a:lvl7pPr marL="3840068" indent="0">
               <a:buNone/>
-              <a:defRPr sz="1600" b="1"/>
+              <a:defRPr sz="2200" b="1"/>
             </a:lvl7pPr>
-            <a:lvl8pPr marL="3200400" indent="0">
+            <a:lvl8pPr marL="4480080" indent="0">
               <a:buNone/>
-              <a:defRPr sz="1600" b="1"/>
+              <a:defRPr sz="2200" b="1"/>
             </a:lvl8pPr>
-            <a:lvl9pPr marL="3657600" indent="0">
+            <a:lvl9pPr marL="5120091" indent="0">
               <a:buNone/>
-              <a:defRPr sz="1600" b="1"/>
+              <a:defRPr sz="2200" b="1"/>
             </a:lvl9pPr>
           </a:lstStyle>
           <a:p>
@@ -1602,39 +1602,39 @@
         </p:nvSpPr>
         <p:spPr>
           <a:xfrm>
-            <a:off x="457200" y="2438400"/>
-            <a:ext cx="3931920" cy="3951288"/>
+            <a:off x="640080" y="3413761"/>
+            <a:ext cx="5504688" cy="5531804"/>
           </a:xfrm>
         </p:spPr>
         <p:txBody>
           <a:bodyPr/>
           <a:lstStyle>
             <a:lvl1pPr>
-              <a:defRPr sz="2400"/>
+              <a:defRPr sz="3400"/>
             </a:lvl1pPr>
             <a:lvl2pPr>
-              <a:defRPr sz="2000"/>
+              <a:defRPr sz="2800"/>
             </a:lvl2pPr>
             <a:lvl3pPr>
-              <a:defRPr sz="1800"/>
+              <a:defRPr sz="2500"/>
             </a:lvl3pPr>
             <a:lvl4pPr>
-              <a:defRPr sz="1600"/>
+              <a:defRPr sz="2200"/>
             </a:lvl4pPr>
             <a:lvl5pPr>
-              <a:defRPr sz="1600"/>
+              <a:defRPr sz="2200"/>
             </a:lvl5pPr>
             <a:lvl6pPr>
-              <a:defRPr sz="1600"/>
+              <a:defRPr sz="2200"/>
             </a:lvl6pPr>
             <a:lvl7pPr>
-              <a:defRPr sz="1600"/>
+              <a:defRPr sz="2200"/>
             </a:lvl7pPr>
             <a:lvl8pPr>
-              <a:defRPr sz="1600"/>
+              <a:defRPr sz="2200"/>
             </a:lvl8pPr>
             <a:lvl9pPr>
-              <a:defRPr sz="1600"/>
+              <a:defRPr sz="2200"/>
             </a:lvl9pPr>
           </a:lstStyle>
           <a:p>
@@ -1687,8 +1687,8 @@
         </p:nvSpPr>
         <p:spPr>
           <a:xfrm>
-            <a:off x="4754880" y="1676400"/>
-            <a:ext cx="3931920" cy="639762"/>
+            <a:off x="6656832" y="2346961"/>
+            <a:ext cx="5504688" cy="895667"/>
           </a:xfrm>
           <a:noFill/>
           <a:ln>
@@ -1715,7 +1715,7 @@
           <a:lstStyle>
             <a:lvl1pPr marL="0" indent="0" algn="ctr">
               <a:buNone/>
-              <a:defRPr lang="en-US" sz="2000" b="0" kern="1200" dirty="0" smtClean="0">
+              <a:defRPr lang="en-US" sz="2800" b="0" kern="1200" dirty="0" smtClean="0">
                 <a:solidFill>
                   <a:schemeClr val="tx2"/>
                 </a:solidFill>
@@ -1724,37 +1724,37 @@
                 <a:cs typeface="+mn-cs"/>
               </a:defRPr>
             </a:lvl1pPr>
-            <a:lvl2pPr marL="457200" indent="0">
+            <a:lvl2pPr marL="640011" indent="0">
               <a:buNone/>
-              <a:defRPr sz="2000" b="1"/>
+              <a:defRPr sz="2800" b="1"/>
             </a:lvl2pPr>
-            <a:lvl3pPr marL="914400" indent="0">
+            <a:lvl3pPr marL="1280023" indent="0">
               <a:buNone/>
-              <a:defRPr sz="1800" b="1"/>
+              <a:defRPr sz="2500" b="1"/>
             </a:lvl3pPr>
-            <a:lvl4pPr marL="1371600" indent="0">
+            <a:lvl4pPr marL="1920034" indent="0">
               <a:buNone/>
-              <a:defRPr sz="1600" b="1"/>
+              <a:defRPr sz="2200" b="1"/>
             </a:lvl4pPr>
-            <a:lvl5pPr marL="1828800" indent="0">
+            <a:lvl5pPr marL="2560046" indent="0">
               <a:buNone/>
-              <a:defRPr sz="1600" b="1"/>
+              <a:defRPr sz="2200" b="1"/>
             </a:lvl5pPr>
-            <a:lvl6pPr marL="2286000" indent="0">
+            <a:lvl6pPr marL="3200057" indent="0">
               <a:buNone/>
-              <a:defRPr sz="1600" b="1"/>
+              <a:defRPr sz="2200" b="1"/>
             </a:lvl6pPr>
-            <a:lvl7pPr marL="2743200" indent="0">
+            <a:lvl7pPr marL="3840068" indent="0">
               <a:buNone/>
-              <a:defRPr sz="1600" b="1"/>
+              <a:defRPr sz="2200" b="1"/>
             </a:lvl7pPr>
-            <a:lvl8pPr marL="3200400" indent="0">
+            <a:lvl8pPr marL="4480080" indent="0">
               <a:buNone/>
-              <a:defRPr sz="1600" b="1"/>
+              <a:defRPr sz="2200" b="1"/>
             </a:lvl8pPr>
-            <a:lvl9pPr marL="3657600" indent="0">
+            <a:lvl9pPr marL="5120091" indent="0">
               <a:buNone/>
-              <a:defRPr sz="1600" b="1"/>
+              <a:defRPr sz="2200" b="1"/>
             </a:lvl9pPr>
           </a:lstStyle>
           <a:p>
@@ -1778,39 +1778,39 @@
         </p:nvSpPr>
         <p:spPr>
           <a:xfrm>
-            <a:off x="4754880" y="2438400"/>
-            <a:ext cx="3931920" cy="3951288"/>
+            <a:off x="6656832" y="3413761"/>
+            <a:ext cx="5504688" cy="5531804"/>
           </a:xfrm>
         </p:spPr>
         <p:txBody>
           <a:bodyPr/>
           <a:lstStyle>
             <a:lvl1pPr>
-              <a:defRPr sz="2400"/>
+              <a:defRPr sz="3400"/>
             </a:lvl1pPr>
             <a:lvl2pPr>
-              <a:defRPr sz="2000"/>
+              <a:defRPr sz="2800"/>
             </a:lvl2pPr>
             <a:lvl3pPr>
-              <a:defRPr sz="1800"/>
+              <a:defRPr sz="2500"/>
             </a:lvl3pPr>
             <a:lvl4pPr>
-              <a:defRPr sz="1600"/>
+              <a:defRPr sz="2200"/>
             </a:lvl4pPr>
             <a:lvl5pPr>
-              <a:defRPr sz="1600"/>
+              <a:defRPr sz="2200"/>
             </a:lvl5pPr>
             <a:lvl6pPr>
-              <a:defRPr sz="1600"/>
+              <a:defRPr sz="2200"/>
             </a:lvl6pPr>
             <a:lvl7pPr>
-              <a:defRPr sz="1600"/>
+              <a:defRPr sz="2200"/>
             </a:lvl7pPr>
             <a:lvl8pPr>
-              <a:defRPr sz="1600"/>
+              <a:defRPr sz="2200"/>
             </a:lvl8pPr>
             <a:lvl9pPr>
-              <a:defRPr sz="1600"/>
+              <a:defRPr sz="2200"/>
             </a:lvl9pPr>
           </a:lstStyle>
           <a:p>
@@ -1868,7 +1868,7 @@
           <a:p>
             <a:fld id="{79D5CEDA-5258-4BCF-9580-C98C883E3AFE}" type="datetimeFigureOut">
               <a:rPr lang="en-US" smtClean="0"/>
-              <a:t>12/12/2013</a:t>
+              <a:t>12/13/2013</a:t>
             </a:fld>
             <a:endParaRPr lang="en-US"/>
           </a:p>
@@ -1924,8 +1924,8 @@
         </p:nvCxnSpPr>
         <p:spPr>
           <a:xfrm rot="5400000">
-            <a:off x="2217817" y="4045823"/>
-            <a:ext cx="4709160" cy="794"/>
+            <a:off x="3104944" y="5664152"/>
+            <a:ext cx="6592824" cy="1112"/>
           </a:xfrm>
           <a:prstGeom prst="line">
             <a:avLst/>
@@ -2016,7 +2016,7 @@
           <a:p>
             <a:fld id="{79D5CEDA-5258-4BCF-9580-C98C883E3AFE}" type="datetimeFigureOut">
               <a:rPr lang="en-US" smtClean="0"/>
-              <a:t>12/12/2013</a:t>
+              <a:t>12/13/2013</a:t>
             </a:fld>
             <a:endParaRPr lang="en-US"/>
           </a:p>
@@ -2106,7 +2106,7 @@
           <a:p>
             <a:fld id="{79D5CEDA-5258-4BCF-9580-C98C883E3AFE}" type="datetimeFigureOut">
               <a:rPr lang="en-US" smtClean="0"/>
-              <a:t>12/12/2013</a:t>
+              <a:t>12/13/2013</a:t>
             </a:fld>
             <a:endParaRPr lang="en-US"/>
           </a:p>
@@ -2191,8 +2191,8 @@
         </p:nvSpPr>
         <p:spPr>
           <a:xfrm>
-            <a:off x="457200" y="792080"/>
-            <a:ext cx="2139696" cy="1261872"/>
+            <a:off x="640082" y="1108913"/>
+            <a:ext cx="2995575" cy="1766621"/>
           </a:xfrm>
         </p:spPr>
         <p:txBody>
@@ -2201,7 +2201,7 @@
           </a:bodyPr>
           <a:lstStyle>
             <a:lvl1pPr algn="l">
-              <a:defRPr sz="2400" b="0"/>
+              <a:defRPr sz="3400" b="0"/>
             </a:lvl1pPr>
           </a:lstStyle>
           <a:p>
@@ -2225,39 +2225,39 @@
         </p:nvSpPr>
         <p:spPr>
           <a:xfrm>
-            <a:off x="2971800" y="792080"/>
-            <a:ext cx="5715000" cy="5577840"/>
+            <a:off x="4160520" y="1108913"/>
+            <a:ext cx="8001000" cy="7808976"/>
           </a:xfrm>
         </p:spPr>
         <p:txBody>
           <a:bodyPr/>
           <a:lstStyle>
             <a:lvl1pPr>
-              <a:defRPr sz="3200"/>
+              <a:defRPr sz="4500"/>
             </a:lvl1pPr>
             <a:lvl2pPr>
-              <a:defRPr sz="2800"/>
+              <a:defRPr sz="3900"/>
             </a:lvl2pPr>
             <a:lvl3pPr>
-              <a:defRPr sz="2400"/>
+              <a:defRPr sz="3400"/>
             </a:lvl3pPr>
             <a:lvl4pPr>
-              <a:defRPr sz="2000"/>
+              <a:defRPr sz="2800"/>
             </a:lvl4pPr>
             <a:lvl5pPr>
-              <a:defRPr sz="2000"/>
+              <a:defRPr sz="2800"/>
             </a:lvl5pPr>
             <a:lvl6pPr>
-              <a:defRPr sz="2000"/>
+              <a:defRPr sz="2800"/>
             </a:lvl6pPr>
             <a:lvl7pPr>
-              <a:defRPr sz="2000"/>
+              <a:defRPr sz="2800"/>
             </a:lvl7pPr>
             <a:lvl8pPr>
-              <a:defRPr sz="2000"/>
+              <a:defRPr sz="2800"/>
             </a:lvl8pPr>
             <a:lvl9pPr>
-              <a:defRPr sz="2000"/>
+              <a:defRPr sz="2800"/>
             </a:lvl9pPr>
           </a:lstStyle>
           <a:p>
@@ -2310,8 +2310,8 @@
         </p:nvSpPr>
         <p:spPr>
           <a:xfrm>
-            <a:off x="457201" y="2130552"/>
-            <a:ext cx="2139696" cy="4243615"/>
+            <a:off x="640083" y="2982776"/>
+            <a:ext cx="2995575" cy="5941061"/>
           </a:xfrm>
         </p:spPr>
         <p:txBody>
@@ -2319,39 +2319,39 @@
           <a:lstStyle>
             <a:lvl1pPr marL="0" indent="0">
               <a:buNone/>
+              <a:defRPr sz="2000"/>
+            </a:lvl1pPr>
+            <a:lvl2pPr marL="640011" indent="0">
+              <a:buNone/>
+              <a:defRPr sz="1700"/>
+            </a:lvl2pPr>
+            <a:lvl3pPr marL="1280023" indent="0">
+              <a:buNone/>
               <a:defRPr sz="1400"/>
-            </a:lvl1pPr>
-            <a:lvl2pPr marL="457200" indent="0">
+            </a:lvl3pPr>
+            <a:lvl4pPr marL="1920034" indent="0">
               <a:buNone/>
-              <a:defRPr sz="1200"/>
-            </a:lvl2pPr>
-            <a:lvl3pPr marL="914400" indent="0">
+              <a:defRPr sz="1300"/>
+            </a:lvl4pPr>
+            <a:lvl5pPr marL="2560046" indent="0">
               <a:buNone/>
-              <a:defRPr sz="1000"/>
-            </a:lvl3pPr>
-            <a:lvl4pPr marL="1371600" indent="0">
+              <a:defRPr sz="1300"/>
+            </a:lvl5pPr>
+            <a:lvl6pPr marL="3200057" indent="0">
               <a:buNone/>
-              <a:defRPr sz="900"/>
-            </a:lvl4pPr>
-            <a:lvl5pPr marL="1828800" indent="0">
+              <a:defRPr sz="1300"/>
+            </a:lvl6pPr>
+            <a:lvl7pPr marL="3840068" indent="0">
               <a:buNone/>
-              <a:defRPr sz="900"/>
-            </a:lvl5pPr>
-            <a:lvl6pPr marL="2286000" indent="0">
+              <a:defRPr sz="1300"/>
+            </a:lvl7pPr>
+            <a:lvl8pPr marL="4480080" indent="0">
               <a:buNone/>
-              <a:defRPr sz="900"/>
-            </a:lvl6pPr>
-            <a:lvl7pPr marL="2743200" indent="0">
+              <a:defRPr sz="1300"/>
+            </a:lvl8pPr>
+            <a:lvl9pPr marL="5120091" indent="0">
               <a:buNone/>
-              <a:defRPr sz="900"/>
-            </a:lvl7pPr>
-            <a:lvl8pPr marL="3200400" indent="0">
-              <a:buNone/>
-              <a:defRPr sz="900"/>
-            </a:lvl8pPr>
-            <a:lvl9pPr marL="3657600" indent="0">
-              <a:buNone/>
-              <a:defRPr sz="900"/>
+              <a:defRPr sz="1300"/>
             </a:lvl9pPr>
           </a:lstStyle>
           <a:p>
@@ -2380,7 +2380,7 @@
           <a:p>
             <a:fld id="{79D5CEDA-5258-4BCF-9580-C98C883E3AFE}" type="datetimeFigureOut">
               <a:rPr lang="en-US" smtClean="0"/>
-              <a:t>12/12/2013</a:t>
+              <a:t>12/13/2013</a:t>
             </a:fld>
             <a:endParaRPr lang="en-US"/>
           </a:p>
@@ -2436,8 +2436,8 @@
         </p:nvCxnSpPr>
         <p:spPr>
           <a:xfrm rot="5400000">
-            <a:off x="-13116" y="3580206"/>
-            <a:ext cx="5577840" cy="1588"/>
+            <a:off x="-18363" y="5012290"/>
+            <a:ext cx="7808976" cy="2223"/>
           </a:xfrm>
           <a:prstGeom prst="line">
             <a:avLst/>
@@ -2500,8 +2500,8 @@
         </p:nvSpPr>
         <p:spPr>
           <a:xfrm>
-            <a:off x="457200" y="792480"/>
-            <a:ext cx="2142680" cy="1264920"/>
+            <a:off x="640080" y="1109472"/>
+            <a:ext cx="2999752" cy="1770888"/>
           </a:xfrm>
         </p:spPr>
         <p:txBody>
@@ -2510,7 +2510,7 @@
           </a:bodyPr>
           <a:lstStyle>
             <a:lvl1pPr algn="l">
-              <a:defRPr sz="2400" b="0"/>
+              <a:defRPr sz="3400" b="0"/>
             </a:lvl1pPr>
           </a:lstStyle>
           <a:p>
@@ -2534,8 +2534,8 @@
         </p:nvSpPr>
         <p:spPr>
           <a:xfrm>
-            <a:off x="2858610" y="838201"/>
-            <a:ext cx="5904390" cy="5500456"/>
+            <a:off x="4002056" y="1173483"/>
+            <a:ext cx="8266147" cy="7700638"/>
           </a:xfrm>
           <a:solidFill>
             <a:schemeClr val="bg2"/>
@@ -2559,39 +2559,39 @@
           <a:lstStyle>
             <a:lvl1pPr marL="0" indent="0">
               <a:buNone/>
-              <a:defRPr sz="3200"/>
+              <a:defRPr sz="4500"/>
             </a:lvl1pPr>
-            <a:lvl2pPr marL="457200" indent="0">
+            <a:lvl2pPr marL="640011" indent="0">
+              <a:buNone/>
+              <a:defRPr sz="3900"/>
+            </a:lvl2pPr>
+            <a:lvl3pPr marL="1280023" indent="0">
+              <a:buNone/>
+              <a:defRPr sz="3400"/>
+            </a:lvl3pPr>
+            <a:lvl4pPr marL="1920034" indent="0">
               <a:buNone/>
               <a:defRPr sz="2800"/>
-            </a:lvl2pPr>
-            <a:lvl3pPr marL="914400" indent="0">
+            </a:lvl4pPr>
+            <a:lvl5pPr marL="2560046" indent="0">
               <a:buNone/>
-              <a:defRPr sz="2400"/>
-            </a:lvl3pPr>
-            <a:lvl4pPr marL="1371600" indent="0">
+              <a:defRPr sz="2800"/>
+            </a:lvl5pPr>
+            <a:lvl6pPr marL="3200057" indent="0">
               <a:buNone/>
-              <a:defRPr sz="2000"/>
-            </a:lvl4pPr>
-            <a:lvl5pPr marL="1828800" indent="0">
+              <a:defRPr sz="2800"/>
+            </a:lvl6pPr>
+            <a:lvl7pPr marL="3840068" indent="0">
               <a:buNone/>
-              <a:defRPr sz="2000"/>
-            </a:lvl5pPr>
-            <a:lvl6pPr marL="2286000" indent="0">
+              <a:defRPr sz="2800"/>
+            </a:lvl7pPr>
+            <a:lvl8pPr marL="4480080" indent="0">
               <a:buNone/>
-              <a:defRPr sz="2000"/>
-            </a:lvl6pPr>
-            <a:lvl7pPr marL="2743200" indent="0">
+              <a:defRPr sz="2800"/>
+            </a:lvl8pPr>
+            <a:lvl9pPr marL="5120091" indent="0">
               <a:buNone/>
-              <a:defRPr sz="2000"/>
-            </a:lvl7pPr>
-            <a:lvl8pPr marL="3200400" indent="0">
-              <a:buNone/>
-              <a:defRPr sz="2000"/>
-            </a:lvl8pPr>
-            <a:lvl9pPr marL="3657600" indent="0">
-              <a:buNone/>
-              <a:defRPr sz="2000"/>
+              <a:defRPr sz="2800"/>
             </a:lvl9pPr>
           </a:lstStyle>
           <a:p>
@@ -2615,8 +2615,8 @@
         </p:nvSpPr>
         <p:spPr>
           <a:xfrm>
-            <a:off x="457200" y="2133600"/>
-            <a:ext cx="2139696" cy="4242816"/>
+            <a:off x="640082" y="2987041"/>
+            <a:ext cx="2995575" cy="5939942"/>
           </a:xfrm>
         </p:spPr>
         <p:txBody>
@@ -2624,39 +2624,39 @@
           <a:lstStyle>
             <a:lvl1pPr marL="0" indent="0">
               <a:buNone/>
+              <a:defRPr sz="2000"/>
+            </a:lvl1pPr>
+            <a:lvl2pPr marL="640011" indent="0">
+              <a:buNone/>
+              <a:defRPr sz="1700"/>
+            </a:lvl2pPr>
+            <a:lvl3pPr marL="1280023" indent="0">
+              <a:buNone/>
               <a:defRPr sz="1400"/>
-            </a:lvl1pPr>
-            <a:lvl2pPr marL="457200" indent="0">
+            </a:lvl3pPr>
+            <a:lvl4pPr marL="1920034" indent="0">
               <a:buNone/>
-              <a:defRPr sz="1200"/>
-            </a:lvl2pPr>
-            <a:lvl3pPr marL="914400" indent="0">
+              <a:defRPr sz="1300"/>
+            </a:lvl4pPr>
+            <a:lvl5pPr marL="2560046" indent="0">
               <a:buNone/>
-              <a:defRPr sz="1000"/>
-            </a:lvl3pPr>
-            <a:lvl4pPr marL="1371600" indent="0">
+              <a:defRPr sz="1300"/>
+            </a:lvl5pPr>
+            <a:lvl6pPr marL="3200057" indent="0">
               <a:buNone/>
-              <a:defRPr sz="900"/>
-            </a:lvl4pPr>
-            <a:lvl5pPr marL="1828800" indent="0">
+              <a:defRPr sz="1300"/>
+            </a:lvl6pPr>
+            <a:lvl7pPr marL="3840068" indent="0">
               <a:buNone/>
-              <a:defRPr sz="900"/>
-            </a:lvl5pPr>
-            <a:lvl6pPr marL="2286000" indent="0">
+              <a:defRPr sz="1300"/>
+            </a:lvl7pPr>
+            <a:lvl8pPr marL="4480080" indent="0">
               <a:buNone/>
-              <a:defRPr sz="900"/>
-            </a:lvl6pPr>
-            <a:lvl7pPr marL="2743200" indent="0">
+              <a:defRPr sz="1300"/>
+            </a:lvl8pPr>
+            <a:lvl9pPr marL="5120091" indent="0">
               <a:buNone/>
-              <a:defRPr sz="900"/>
-            </a:lvl7pPr>
-            <a:lvl8pPr marL="3200400" indent="0">
-              <a:buNone/>
-              <a:defRPr sz="900"/>
-            </a:lvl8pPr>
-            <a:lvl9pPr marL="3657600" indent="0">
-              <a:buNone/>
-              <a:defRPr sz="900"/>
+              <a:defRPr sz="1300"/>
             </a:lvl9pPr>
           </a:lstStyle>
           <a:p>
@@ -2685,7 +2685,7 @@
           <a:p>
             <a:fld id="{79D5CEDA-5258-4BCF-9580-C98C883E3AFE}" type="datetimeFigureOut">
               <a:rPr lang="en-US" smtClean="0"/>
-              <a:t>12/12/2013</a:t>
+              <a:t>12/13/2013</a:t>
             </a:fld>
             <a:endParaRPr lang="en-US"/>
           </a:p>
@@ -2771,8 +2771,8 @@
         </p:nvSpPr>
         <p:spPr>
           <a:xfrm>
-            <a:off x="0" y="220786"/>
-            <a:ext cx="9144000" cy="228600"/>
+            <a:off x="0" y="309100"/>
+            <a:ext cx="12801600" cy="320040"/>
           </a:xfrm>
           <a:prstGeom prst="rect">
             <a:avLst/>
@@ -2801,7 +2801,7 @@
           </a:fontRef>
         </p:style>
         <p:txBody>
-          <a:bodyPr rtlCol="0" anchor="ctr"/>
+          <a:bodyPr lIns="128002" tIns="64001" rIns="128002" bIns="64001" rtlCol="0" anchor="ctr"/>
           <a:lstStyle/>
           <a:p>
             <a:pPr algn="ctr"/>
@@ -2821,15 +2821,15 @@
         </p:nvSpPr>
         <p:spPr>
           <a:xfrm>
-            <a:off x="457200" y="533400"/>
-            <a:ext cx="8229600" cy="990600"/>
+            <a:off x="640080" y="746760"/>
+            <a:ext cx="11521440" cy="1386840"/>
           </a:xfrm>
           <a:prstGeom prst="rect">
             <a:avLst/>
           </a:prstGeom>
         </p:spPr>
         <p:txBody>
-          <a:bodyPr vert="horz" lIns="91440" tIns="45720" rIns="91440" bIns="45720" rtlCol="0" anchor="ctr">
+          <a:bodyPr vert="horz" lIns="128002" tIns="64001" rIns="128002" bIns="64001" rtlCol="0" anchor="ctr">
             <a:normAutofit/>
           </a:bodyPr>
           <a:lstStyle/>
@@ -2854,15 +2854,15 @@
         </p:nvSpPr>
         <p:spPr>
           <a:xfrm>
-            <a:off x="457200" y="1600200"/>
-            <a:ext cx="8229600" cy="4876800"/>
+            <a:off x="640080" y="2240280"/>
+            <a:ext cx="11521440" cy="6827520"/>
           </a:xfrm>
           <a:prstGeom prst="rect">
             <a:avLst/>
           </a:prstGeom>
         </p:spPr>
         <p:txBody>
-          <a:bodyPr vert="horz" lIns="91440" tIns="45720" rIns="91440" bIns="45720" rtlCol="0">
+          <a:bodyPr vert="horz" lIns="128002" tIns="64001" rIns="128002" bIns="64001" rtlCol="0">
             <a:normAutofit/>
           </a:bodyPr>
           <a:lstStyle/>
@@ -2913,7 +2913,7 @@
         <p:spPr>
           <a:xfrm>
             <a:off x="0" y="0"/>
-            <a:ext cx="9144000" cy="365760"/>
+            <a:ext cx="12801600" cy="512064"/>
           </a:xfrm>
           <a:prstGeom prst="rect">
             <a:avLst/>
@@ -2942,7 +2942,7 @@
           </a:fontRef>
         </p:style>
         <p:txBody>
-          <a:bodyPr rtlCol="0" anchor="ctr"/>
+          <a:bodyPr lIns="128002" tIns="64001" rIns="128002" bIns="64001" rtlCol="0" anchor="ctr"/>
           <a:lstStyle/>
           <a:p>
             <a:pPr algn="ctr"/>
@@ -2962,18 +2962,18 @@
         </p:nvSpPr>
         <p:spPr>
           <a:xfrm>
-            <a:off x="457200" y="18288"/>
-            <a:ext cx="2895600" cy="329184"/>
+            <a:off x="640080" y="25605"/>
+            <a:ext cx="4053840" cy="460858"/>
           </a:xfrm>
           <a:prstGeom prst="rect">
             <a:avLst/>
           </a:prstGeom>
         </p:spPr>
         <p:txBody>
-          <a:bodyPr vert="horz" lIns="91440" tIns="45720" rIns="91440" bIns="45720" rtlCol="0" anchor="ctr"/>
+          <a:bodyPr vert="horz" lIns="128002" tIns="64001" rIns="128002" bIns="64001" rtlCol="0" anchor="ctr"/>
           <a:lstStyle>
             <a:lvl1pPr algn="l">
-              <a:defRPr sz="1200">
+              <a:defRPr sz="1700">
                 <a:solidFill>
                   <a:srgbClr val="FFFFFF"/>
                 </a:solidFill>
@@ -2983,7 +2983,7 @@
           <a:p>
             <a:fld id="{79D5CEDA-5258-4BCF-9580-C98C883E3AFE}" type="datetimeFigureOut">
               <a:rPr lang="en-US" smtClean="0"/>
-              <a:t>12/12/2013</a:t>
+              <a:t>12/13/2013</a:t>
             </a:fld>
             <a:endParaRPr lang="en-US"/>
           </a:p>
@@ -3001,18 +3001,18 @@
         </p:nvSpPr>
         <p:spPr>
           <a:xfrm>
-            <a:off x="3429000" y="18288"/>
-            <a:ext cx="4114800" cy="329184"/>
+            <a:off x="4800600" y="25605"/>
+            <a:ext cx="5760720" cy="460858"/>
           </a:xfrm>
           <a:prstGeom prst="rect">
             <a:avLst/>
           </a:prstGeom>
         </p:spPr>
         <p:txBody>
-          <a:bodyPr vert="horz" lIns="91440" tIns="45720" rIns="91440" bIns="45720" rtlCol="0" anchor="ctr"/>
+          <a:bodyPr vert="horz" lIns="128002" tIns="64001" rIns="128002" bIns="64001" rtlCol="0" anchor="ctr"/>
           <a:lstStyle>
             <a:lvl1pPr algn="ctr">
-              <a:defRPr sz="1200">
+              <a:defRPr sz="1700">
                 <a:solidFill>
                   <a:srgbClr val="FFFFFF"/>
                 </a:solidFill>
@@ -3036,18 +3036,18 @@
         </p:nvSpPr>
         <p:spPr>
           <a:xfrm>
-            <a:off x="7620000" y="18288"/>
-            <a:ext cx="1066800" cy="329184"/>
+            <a:off x="10668000" y="25605"/>
+            <a:ext cx="1493520" cy="460858"/>
           </a:xfrm>
           <a:prstGeom prst="rect">
             <a:avLst/>
           </a:prstGeom>
         </p:spPr>
         <p:txBody>
-          <a:bodyPr vert="horz" lIns="91440" tIns="45720" rIns="91440" bIns="45720" rtlCol="0" anchor="ctr"/>
+          <a:bodyPr vert="horz" lIns="128002" tIns="64001" rIns="128002" bIns="64001" rtlCol="0" anchor="ctr"/>
           <a:lstStyle>
             <a:lvl1pPr algn="l">
-              <a:defRPr sz="1400" b="1">
+              <a:defRPr sz="2000" b="1">
                 <a:solidFill>
                   <a:srgbClr val="FFFFFF"/>
                 </a:solidFill>
@@ -3081,12 +3081,12 @@
   </p:sldLayoutIdLst>
   <p:txStyles>
     <p:titleStyle>
-      <a:lvl1pPr algn="l" defTabSz="914400" rtl="0" eaLnBrk="1" latinLnBrk="0" hangingPunct="1">
+      <a:lvl1pPr algn="l" defTabSz="1280023" rtl="0" eaLnBrk="1" latinLnBrk="0" hangingPunct="1">
         <a:spcBef>
           <a:spcPct val="0"/>
         </a:spcBef>
         <a:buNone/>
-        <a:defRPr sz="4000" kern="1200" spc="-100" baseline="0">
+        <a:defRPr sz="5600" kern="1200" spc="-140" baseline="0">
           <a:solidFill>
             <a:schemeClr val="tx2"/>
           </a:solidFill>
@@ -3097,7 +3097,7 @@
       </a:lvl1pPr>
     </p:titleStyle>
     <p:bodyStyle>
-      <a:lvl1pPr marL="182880" indent="-182880" algn="l" defTabSz="914400" rtl="0" eaLnBrk="1" latinLnBrk="0" hangingPunct="1">
+      <a:lvl1pPr marL="256004" indent="-256004" algn="l" defTabSz="1280023" rtl="0" eaLnBrk="1" latinLnBrk="0" hangingPunct="1">
         <a:spcBef>
           <a:spcPct val="20000"/>
         </a:spcBef>
@@ -3107,7 +3107,7 @@
         <a:buSzPct val="85000"/>
         <a:buFont typeface="Arial" pitchFamily="34" charset="0"/>
         <a:buChar char="•"/>
-        <a:defRPr sz="2400" kern="1200">
+        <a:defRPr sz="3400" kern="1200">
           <a:solidFill>
             <a:schemeClr val="tx1"/>
           </a:solidFill>
@@ -3116,7 +3116,7 @@
           <a:cs typeface="+mn-cs"/>
         </a:defRPr>
       </a:lvl1pPr>
-      <a:lvl2pPr marL="457200" indent="-182880" algn="l" defTabSz="914400" rtl="0" eaLnBrk="1" latinLnBrk="0" hangingPunct="1">
+      <a:lvl2pPr marL="640011" indent="-256004" algn="l" defTabSz="1280023" rtl="0" eaLnBrk="1" latinLnBrk="0" hangingPunct="1">
         <a:spcBef>
           <a:spcPct val="20000"/>
         </a:spcBef>
@@ -3126,7 +3126,7 @@
         <a:buSzPct val="85000"/>
         <a:buFont typeface="Arial" pitchFamily="34" charset="0"/>
         <a:buChar char="•"/>
-        <a:defRPr sz="2000" kern="1200">
+        <a:defRPr sz="2800" kern="1200">
           <a:solidFill>
             <a:schemeClr val="tx1"/>
           </a:solidFill>
@@ -3135,7 +3135,7 @@
           <a:cs typeface="+mn-cs"/>
         </a:defRPr>
       </a:lvl2pPr>
-      <a:lvl3pPr marL="731520" indent="-182880" algn="l" defTabSz="914400" rtl="0" eaLnBrk="1" latinLnBrk="0" hangingPunct="1">
+      <a:lvl3pPr marL="1024019" indent="-256004" algn="l" defTabSz="1280023" rtl="0" eaLnBrk="1" latinLnBrk="0" hangingPunct="1">
         <a:spcBef>
           <a:spcPct val="20000"/>
         </a:spcBef>
@@ -3143,6 +3143,61 @@
           <a:schemeClr val="accent1"/>
         </a:buClr>
         <a:buSzPct val="90000"/>
+        <a:buFont typeface="Arial" pitchFamily="34" charset="0"/>
+        <a:buChar char="•"/>
+        <a:defRPr sz="2500" kern="1200">
+          <a:solidFill>
+            <a:schemeClr val="tx1"/>
+          </a:solidFill>
+          <a:latin typeface="+mn-lt"/>
+          <a:ea typeface="+mn-ea"/>
+          <a:cs typeface="+mn-cs"/>
+        </a:defRPr>
+      </a:lvl3pPr>
+      <a:lvl4pPr marL="1408025" indent="-256004" algn="l" defTabSz="1280023" rtl="0" eaLnBrk="1" latinLnBrk="0" hangingPunct="1">
+        <a:spcBef>
+          <a:spcPct val="20000"/>
+        </a:spcBef>
+        <a:buClr>
+          <a:schemeClr val="accent1"/>
+        </a:buClr>
+        <a:buFont typeface="Arial" pitchFamily="34" charset="0"/>
+        <a:buChar char="•"/>
+        <a:defRPr sz="2200" kern="1200">
+          <a:solidFill>
+            <a:schemeClr val="tx1"/>
+          </a:solidFill>
+          <a:latin typeface="+mn-lt"/>
+          <a:ea typeface="+mn-ea"/>
+          <a:cs typeface="+mn-cs"/>
+        </a:defRPr>
+      </a:lvl4pPr>
+      <a:lvl5pPr marL="1664030" indent="-192003" algn="l" defTabSz="1280023" rtl="0" eaLnBrk="1" latinLnBrk="0" hangingPunct="1">
+        <a:spcBef>
+          <a:spcPct val="20000"/>
+        </a:spcBef>
+        <a:buClr>
+          <a:schemeClr val="accent1"/>
+        </a:buClr>
+        <a:buSzPct val="100000"/>
+        <a:buFont typeface="Arial" pitchFamily="34" charset="0"/>
+        <a:buChar char="•"/>
+        <a:defRPr sz="2000" kern="1200" baseline="0">
+          <a:solidFill>
+            <a:schemeClr val="tx1"/>
+          </a:solidFill>
+          <a:latin typeface="+mn-lt"/>
+          <a:ea typeface="+mn-ea"/>
+          <a:cs typeface="+mn-cs"/>
+        </a:defRPr>
+      </a:lvl5pPr>
+      <a:lvl6pPr marL="1920034" indent="-256004" algn="l" defTabSz="1280023" rtl="0" eaLnBrk="1" latinLnBrk="0" hangingPunct="1">
+        <a:spcBef>
+          <a:spcPct val="20000"/>
+        </a:spcBef>
+        <a:buClr>
+          <a:schemeClr val="accent1"/>
+        </a:buClr>
         <a:buFont typeface="Arial" pitchFamily="34" charset="0"/>
         <a:buChar char="•"/>
         <a:defRPr sz="1800" kern="1200">
@@ -3153,8 +3208,8 @@
           <a:ea typeface="+mn-ea"/>
           <a:cs typeface="+mn-cs"/>
         </a:defRPr>
-      </a:lvl3pPr>
-      <a:lvl4pPr marL="1005840" indent="-182880" algn="l" defTabSz="914400" rtl="0" eaLnBrk="1" latinLnBrk="0" hangingPunct="1">
+      </a:lvl6pPr>
+      <a:lvl7pPr marL="2176040" indent="-256004" algn="l" defTabSz="1280023" rtl="0" eaLnBrk="1" latinLnBrk="0" hangingPunct="1">
         <a:spcBef>
           <a:spcPct val="20000"/>
         </a:spcBef>
@@ -3163,7 +3218,7 @@
         </a:buClr>
         <a:buFont typeface="Arial" pitchFamily="34" charset="0"/>
         <a:buChar char="•"/>
-        <a:defRPr sz="1600" kern="1200">
+        <a:defRPr sz="1800" kern="1200">
           <a:solidFill>
             <a:schemeClr val="tx1"/>
           </a:solidFill>
@@ -3171,27 +3226,8 @@
           <a:ea typeface="+mn-ea"/>
           <a:cs typeface="+mn-cs"/>
         </a:defRPr>
-      </a:lvl4pPr>
-      <a:lvl5pPr marL="1188720" indent="-137160" algn="l" defTabSz="914400" rtl="0" eaLnBrk="1" latinLnBrk="0" hangingPunct="1">
-        <a:spcBef>
-          <a:spcPct val="20000"/>
-        </a:spcBef>
-        <a:buClr>
-          <a:schemeClr val="accent1"/>
-        </a:buClr>
-        <a:buSzPct val="100000"/>
-        <a:buFont typeface="Arial" pitchFamily="34" charset="0"/>
-        <a:buChar char="•"/>
-        <a:defRPr sz="1400" kern="1200" baseline="0">
-          <a:solidFill>
-            <a:schemeClr val="tx1"/>
-          </a:solidFill>
-          <a:latin typeface="+mn-lt"/>
-          <a:ea typeface="+mn-ea"/>
-          <a:cs typeface="+mn-cs"/>
-        </a:defRPr>
-      </a:lvl5pPr>
-      <a:lvl6pPr marL="1371600" indent="-182880" algn="l" defTabSz="914400" rtl="0" eaLnBrk="1" latinLnBrk="0" hangingPunct="1">
+      </a:lvl7pPr>
+      <a:lvl8pPr marL="2432044" indent="-256004" algn="l" defTabSz="1280023" rtl="0" eaLnBrk="1" latinLnBrk="0" hangingPunct="1">
         <a:spcBef>
           <a:spcPct val="20000"/>
         </a:spcBef>
@@ -3200,7 +3236,7 @@
         </a:buClr>
         <a:buFont typeface="Arial" pitchFamily="34" charset="0"/>
         <a:buChar char="•"/>
-        <a:defRPr sz="1300" kern="1200">
+        <a:defRPr sz="1800" kern="1200">
           <a:solidFill>
             <a:schemeClr val="tx1"/>
           </a:solidFill>
@@ -3208,8 +3244,8 @@
           <a:ea typeface="+mn-ea"/>
           <a:cs typeface="+mn-cs"/>
         </a:defRPr>
-      </a:lvl6pPr>
-      <a:lvl7pPr marL="1554480" indent="-182880" algn="l" defTabSz="914400" rtl="0" eaLnBrk="1" latinLnBrk="0" hangingPunct="1">
+      </a:lvl8pPr>
+      <a:lvl9pPr marL="2688048" indent="-256004" algn="l" defTabSz="1280023" rtl="0" eaLnBrk="1" latinLnBrk="0" hangingPunct="1">
         <a:spcBef>
           <a:spcPct val="20000"/>
         </a:spcBef>
@@ -3218,43 +3254,7 @@
         </a:buClr>
         <a:buFont typeface="Arial" pitchFamily="34" charset="0"/>
         <a:buChar char="•"/>
-        <a:defRPr sz="1300" kern="1200">
-          <a:solidFill>
-            <a:schemeClr val="tx1"/>
-          </a:solidFill>
-          <a:latin typeface="+mn-lt"/>
-          <a:ea typeface="+mn-ea"/>
-          <a:cs typeface="+mn-cs"/>
-        </a:defRPr>
-      </a:lvl7pPr>
-      <a:lvl8pPr marL="1737360" indent="-182880" algn="l" defTabSz="914400" rtl="0" eaLnBrk="1" latinLnBrk="0" hangingPunct="1">
-        <a:spcBef>
-          <a:spcPct val="20000"/>
-        </a:spcBef>
-        <a:buClr>
-          <a:schemeClr val="accent1"/>
-        </a:buClr>
-        <a:buFont typeface="Arial" pitchFamily="34" charset="0"/>
-        <a:buChar char="•"/>
-        <a:defRPr sz="1300" kern="1200">
-          <a:solidFill>
-            <a:schemeClr val="tx1"/>
-          </a:solidFill>
-          <a:latin typeface="+mn-lt"/>
-          <a:ea typeface="+mn-ea"/>
-          <a:cs typeface="+mn-cs"/>
-        </a:defRPr>
-      </a:lvl8pPr>
-      <a:lvl9pPr marL="1920240" indent="-182880" algn="l" defTabSz="914400" rtl="0" eaLnBrk="1" latinLnBrk="0" hangingPunct="1">
-        <a:spcBef>
-          <a:spcPct val="20000"/>
-        </a:spcBef>
-        <a:buClr>
-          <a:schemeClr val="accent1"/>
-        </a:buClr>
-        <a:buFont typeface="Arial" pitchFamily="34" charset="0"/>
-        <a:buChar char="•"/>
-        <a:defRPr sz="1300" kern="1200">
+        <a:defRPr sz="1800" kern="1200">
           <a:solidFill>
             <a:schemeClr val="tx1"/>
           </a:solidFill>
@@ -3268,8 +3268,8 @@
       <a:defPPr>
         <a:defRPr lang="en-US"/>
       </a:defPPr>
-      <a:lvl1pPr marL="0" algn="l" defTabSz="914400" rtl="0" eaLnBrk="1" latinLnBrk="0" hangingPunct="1">
-        <a:defRPr sz="1800" kern="1200">
+      <a:lvl1pPr marL="0" algn="l" defTabSz="1280023" rtl="0" eaLnBrk="1" latinLnBrk="0" hangingPunct="1">
+        <a:defRPr sz="2500" kern="1200">
           <a:solidFill>
             <a:schemeClr val="tx1"/>
           </a:solidFill>
@@ -3278,8 +3278,8 @@
           <a:cs typeface="+mn-cs"/>
         </a:defRPr>
       </a:lvl1pPr>
-      <a:lvl2pPr marL="457200" algn="l" defTabSz="914400" rtl="0" eaLnBrk="1" latinLnBrk="0" hangingPunct="1">
-        <a:defRPr sz="1800" kern="1200">
+      <a:lvl2pPr marL="640011" algn="l" defTabSz="1280023" rtl="0" eaLnBrk="1" latinLnBrk="0" hangingPunct="1">
+        <a:defRPr sz="2500" kern="1200">
           <a:solidFill>
             <a:schemeClr val="tx1"/>
           </a:solidFill>
@@ -3288,8 +3288,8 @@
           <a:cs typeface="+mn-cs"/>
         </a:defRPr>
       </a:lvl2pPr>
-      <a:lvl3pPr marL="914400" algn="l" defTabSz="914400" rtl="0" eaLnBrk="1" latinLnBrk="0" hangingPunct="1">
-        <a:defRPr sz="1800" kern="1200">
+      <a:lvl3pPr marL="1280023" algn="l" defTabSz="1280023" rtl="0" eaLnBrk="1" latinLnBrk="0" hangingPunct="1">
+        <a:defRPr sz="2500" kern="1200">
           <a:solidFill>
             <a:schemeClr val="tx1"/>
           </a:solidFill>
@@ -3298,8 +3298,8 @@
           <a:cs typeface="+mn-cs"/>
         </a:defRPr>
       </a:lvl3pPr>
-      <a:lvl4pPr marL="1371600" algn="l" defTabSz="914400" rtl="0" eaLnBrk="1" latinLnBrk="0" hangingPunct="1">
-        <a:defRPr sz="1800" kern="1200">
+      <a:lvl4pPr marL="1920034" algn="l" defTabSz="1280023" rtl="0" eaLnBrk="1" latinLnBrk="0" hangingPunct="1">
+        <a:defRPr sz="2500" kern="1200">
           <a:solidFill>
             <a:schemeClr val="tx1"/>
           </a:solidFill>
@@ -3308,8 +3308,8 @@
           <a:cs typeface="+mn-cs"/>
         </a:defRPr>
       </a:lvl4pPr>
-      <a:lvl5pPr marL="1828800" algn="l" defTabSz="914400" rtl="0" eaLnBrk="1" latinLnBrk="0" hangingPunct="1">
-        <a:defRPr sz="1800" kern="1200">
+      <a:lvl5pPr marL="2560046" algn="l" defTabSz="1280023" rtl="0" eaLnBrk="1" latinLnBrk="0" hangingPunct="1">
+        <a:defRPr sz="2500" kern="1200">
           <a:solidFill>
             <a:schemeClr val="tx1"/>
           </a:solidFill>
@@ -3318,8 +3318,8 @@
           <a:cs typeface="+mn-cs"/>
         </a:defRPr>
       </a:lvl5pPr>
-      <a:lvl6pPr marL="2286000" algn="l" defTabSz="914400" rtl="0" eaLnBrk="1" latinLnBrk="0" hangingPunct="1">
-        <a:defRPr sz="1800" kern="1200">
+      <a:lvl6pPr marL="3200057" algn="l" defTabSz="1280023" rtl="0" eaLnBrk="1" latinLnBrk="0" hangingPunct="1">
+        <a:defRPr sz="2500" kern="1200">
           <a:solidFill>
             <a:schemeClr val="tx1"/>
           </a:solidFill>
@@ -3328,8 +3328,8 @@
           <a:cs typeface="+mn-cs"/>
         </a:defRPr>
       </a:lvl6pPr>
-      <a:lvl7pPr marL="2743200" algn="l" defTabSz="914400" rtl="0" eaLnBrk="1" latinLnBrk="0" hangingPunct="1">
-        <a:defRPr sz="1800" kern="1200">
+      <a:lvl7pPr marL="3840068" algn="l" defTabSz="1280023" rtl="0" eaLnBrk="1" latinLnBrk="0" hangingPunct="1">
+        <a:defRPr sz="2500" kern="1200">
           <a:solidFill>
             <a:schemeClr val="tx1"/>
           </a:solidFill>
@@ -3338,8 +3338,8 @@
           <a:cs typeface="+mn-cs"/>
         </a:defRPr>
       </a:lvl7pPr>
-      <a:lvl8pPr marL="3200400" algn="l" defTabSz="914400" rtl="0" eaLnBrk="1" latinLnBrk="0" hangingPunct="1">
-        <a:defRPr sz="1800" kern="1200">
+      <a:lvl8pPr marL="4480080" algn="l" defTabSz="1280023" rtl="0" eaLnBrk="1" latinLnBrk="0" hangingPunct="1">
+        <a:defRPr sz="2500" kern="1200">
           <a:solidFill>
             <a:schemeClr val="tx1"/>
           </a:solidFill>
@@ -3348,8 +3348,8 @@
           <a:cs typeface="+mn-cs"/>
         </a:defRPr>
       </a:lvl8pPr>
-      <a:lvl9pPr marL="3657600" algn="l" defTabSz="914400" rtl="0" eaLnBrk="1" latinLnBrk="0" hangingPunct="1">
-        <a:defRPr sz="1800" kern="1200">
+      <a:lvl9pPr marL="5120091" algn="l" defTabSz="1280023" rtl="0" eaLnBrk="1" latinLnBrk="0" hangingPunct="1">
+        <a:defRPr sz="2500" kern="1200">
           <a:solidFill>
             <a:schemeClr val="tx1"/>
           </a:solidFill>
@@ -3457,13 +3457,13 @@
       </p:grpSpPr>
       <p:sp>
         <p:nvSpPr>
-          <p:cNvPr id="13" name="Rounded Rectangle 12"/>
+          <p:cNvPr id="148" name="Rounded Rectangle 147"/>
           <p:cNvSpPr/>
           <p:nvPr/>
         </p:nvSpPr>
         <p:spPr>
           <a:xfrm>
-            <a:off x="3857916" y="1136650"/>
+            <a:off x="2257717" y="1428281"/>
             <a:ext cx="5057483" cy="1866900"/>
           </a:xfrm>
           <a:prstGeom prst="roundRect">
@@ -3495,7 +3495,7 @@
           </a:fontRef>
         </p:style>
         <p:txBody>
-          <a:bodyPr rtlCol="0" anchor="ctr"/>
+          <a:bodyPr lIns="91430" tIns="45715" rIns="91430" bIns="45715" rtlCol="0" anchor="ctr"/>
           <a:lstStyle/>
           <a:p>
             <a:pPr algn="ctr"/>
@@ -3505,14 +3505,14 @@
       </p:sp>
       <p:sp>
         <p:nvSpPr>
-          <p:cNvPr id="12" name="TextBox 11"/>
+          <p:cNvPr id="149" name="TextBox 148"/>
           <p:cNvSpPr txBox="1"/>
           <p:nvPr/>
         </p:nvSpPr>
         <p:spPr>
           <a:xfrm>
-            <a:off x="3973021" y="1136650"/>
-            <a:ext cx="4942379" cy="1569660"/>
+            <a:off x="2372820" y="1428279"/>
+            <a:ext cx="4942358" cy="1569650"/>
           </a:xfrm>
           <a:prstGeom prst="rect">
             <a:avLst/>
@@ -3520,68 +3520,68 @@
           <a:noFill/>
         </p:spPr>
         <p:txBody>
-          <a:bodyPr wrap="none" rtlCol="0">
+          <a:bodyPr wrap="none" lIns="91430" tIns="45715" rIns="91430" bIns="45715" rtlCol="0">
             <a:spAutoFit/>
           </a:bodyPr>
           <a:lstStyle/>
           <a:p>
             <a:r>
-              <a:rPr lang="en-US" sz="2400" dirty="0" smtClean="0">
+              <a:rPr lang="en-US" sz="2400" dirty="0">
                 <a:latin typeface="Consolas" pitchFamily="49" charset="0"/>
                 <a:cs typeface="Consolas" pitchFamily="49" charset="0"/>
               </a:rPr>
               <a:t>public </a:t>
             </a:r>
             <a:r>
-              <a:rPr lang="en-US" sz="2400" dirty="0" err="1" smtClean="0">
+              <a:rPr lang="en-US" sz="2400" dirty="0" err="1">
                 <a:latin typeface="Consolas" pitchFamily="49" charset="0"/>
                 <a:cs typeface="Consolas" pitchFamily="49" charset="0"/>
               </a:rPr>
               <a:t>int</a:t>
             </a:r>
             <a:r>
-              <a:rPr lang="en-US" sz="2400" dirty="0" smtClean="0">
+              <a:rPr lang="en-US" sz="2400" dirty="0">
                 <a:latin typeface="Consolas" pitchFamily="49" charset="0"/>
                 <a:cs typeface="Consolas" pitchFamily="49" charset="0"/>
               </a:rPr>
               <a:t> Add(</a:t>
             </a:r>
             <a:r>
-              <a:rPr lang="en-US" sz="2400" dirty="0" err="1" smtClean="0">
+              <a:rPr lang="en-US" sz="2400" dirty="0" err="1">
                 <a:latin typeface="Consolas" pitchFamily="49" charset="0"/>
                 <a:cs typeface="Consolas" pitchFamily="49" charset="0"/>
               </a:rPr>
               <a:t>int</a:t>
             </a:r>
             <a:r>
-              <a:rPr lang="en-US" sz="2400" dirty="0" smtClean="0">
+              <a:rPr lang="en-US" sz="2400" dirty="0">
                 <a:latin typeface="Consolas" pitchFamily="49" charset="0"/>
                 <a:cs typeface="Consolas" pitchFamily="49" charset="0"/>
               </a:rPr>
               <a:t> x, </a:t>
             </a:r>
             <a:r>
-              <a:rPr lang="en-US" sz="2400" dirty="0" err="1" smtClean="0">
+              <a:rPr lang="en-US" sz="2400" dirty="0" err="1">
                 <a:latin typeface="Consolas" pitchFamily="49" charset="0"/>
                 <a:cs typeface="Consolas" pitchFamily="49" charset="0"/>
               </a:rPr>
               <a:t>int</a:t>
             </a:r>
             <a:r>
-              <a:rPr lang="en-US" sz="2400" dirty="0" smtClean="0">
+              <a:rPr lang="en-US" sz="2400" dirty="0">
                 <a:latin typeface="Consolas" pitchFamily="49" charset="0"/>
                 <a:cs typeface="Consolas" pitchFamily="49" charset="0"/>
               </a:rPr>
               <a:t> y)</a:t>
             </a:r>
             <a:br>
-              <a:rPr lang="en-US" sz="2400" dirty="0" smtClean="0">
+              <a:rPr lang="en-US" sz="2400" dirty="0">
                 <a:latin typeface="Consolas" pitchFamily="49" charset="0"/>
                 <a:cs typeface="Consolas" pitchFamily="49" charset="0"/>
               </a:rPr>
             </a:br>
             <a:r>
-              <a:rPr lang="en-US" sz="2400" dirty="0" smtClean="0">
+              <a:rPr lang="en-US" sz="2400" dirty="0">
                 <a:latin typeface="Consolas" pitchFamily="49" charset="0"/>
                 <a:cs typeface="Consolas" pitchFamily="49" charset="0"/>
               </a:rPr>
@@ -3597,7 +3597,7 @@
               <a:t> </a:t>
             </a:r>
             <a:r>
-              <a:rPr lang="en-US" sz="2400" dirty="0" smtClean="0">
+              <a:rPr lang="en-US" sz="2400" dirty="0">
                 <a:latin typeface="Consolas" pitchFamily="49" charset="0"/>
                 <a:cs typeface="Consolas" pitchFamily="49" charset="0"/>
               </a:rPr>
@@ -3617,13 +3617,13 @@
       </p:sp>
       <p:sp>
         <p:nvSpPr>
-          <p:cNvPr id="14" name="Rounded Rectangle 13"/>
+          <p:cNvPr id="150" name="Rounded Rectangle 149"/>
           <p:cNvSpPr/>
           <p:nvPr/>
         </p:nvSpPr>
         <p:spPr>
           <a:xfrm>
-            <a:off x="7609150" y="2660650"/>
+            <a:off x="6008950" y="2952281"/>
             <a:ext cx="1292108" cy="368884"/>
           </a:xfrm>
           <a:prstGeom prst="roundRect">
@@ -3653,12 +3653,12 @@
           </a:fontRef>
         </p:style>
         <p:txBody>
-          <a:bodyPr rtlCol="0" anchor="ctr"/>
+          <a:bodyPr lIns="91430" tIns="45715" rIns="91430" bIns="45715" rtlCol="0" anchor="ctr"/>
           <a:lstStyle/>
           <a:p>
             <a:pPr algn="ctr"/>
             <a:r>
-              <a:rPr lang="en-US" sz="1000" dirty="0" err="1" smtClean="0">
+              <a:rPr lang="en-US" sz="1000" dirty="0" err="1">
                 <a:solidFill>
                   <a:schemeClr val="accent1">
                     <a:lumMod val="75000"/>
@@ -3683,13 +3683,13 @@
       </p:sp>
       <p:sp>
         <p:nvSpPr>
-          <p:cNvPr id="15" name="Rounded Rectangle 14"/>
+          <p:cNvPr id="151" name="Rounded Rectangle 150"/>
           <p:cNvSpPr/>
           <p:nvPr/>
         </p:nvSpPr>
         <p:spPr>
           <a:xfrm>
-            <a:off x="6563821" y="546570"/>
+            <a:off x="4963620" y="838201"/>
             <a:ext cx="914400" cy="1056716"/>
           </a:xfrm>
           <a:prstGeom prst="roundRect">
@@ -3722,7 +3722,7 @@
           </a:fontRef>
         </p:style>
         <p:txBody>
-          <a:bodyPr rtlCol="0" anchor="ctr"/>
+          <a:bodyPr lIns="91430" tIns="45715" rIns="91430" bIns="45715" rtlCol="0" anchor="ctr"/>
           <a:lstStyle/>
           <a:p>
             <a:pPr algn="ctr"/>
@@ -3732,14 +3732,14 @@
       </p:sp>
       <p:sp>
         <p:nvSpPr>
-          <p:cNvPr id="16" name="Rounded Rectangle 15"/>
+          <p:cNvPr id="152" name="Rounded Rectangle 151"/>
           <p:cNvSpPr/>
           <p:nvPr/>
         </p:nvSpPr>
         <p:spPr>
           <a:xfrm>
-            <a:off x="6640021" y="546570"/>
-            <a:ext cx="762000" cy="564102"/>
+            <a:off x="5039820" y="838200"/>
+            <a:ext cx="762000" cy="564103"/>
           </a:xfrm>
           <a:prstGeom prst="roundRect">
             <a:avLst>
@@ -3773,7 +3773,7 @@
           <a:p>
             <a:pPr algn="ctr"/>
             <a:r>
-              <a:rPr lang="en-US" sz="1000" dirty="0" err="1" smtClean="0">
+              <a:rPr lang="en-US" sz="1000" dirty="0" err="1">
                 <a:solidFill>
                   <a:schemeClr val="tx2">
                     <a:lumMod val="75000"/>
@@ -3785,7 +3785,7 @@
               <a:t>Happil</a:t>
             </a:r>
             <a:r>
-              <a:rPr lang="en-US" sz="1000" dirty="0" smtClean="0">
+              <a:rPr lang="en-US" sz="1000" dirty="0">
                 <a:solidFill>
                   <a:schemeClr val="tx2">
                     <a:lumMod val="75000"/>
@@ -3797,7 +3797,7 @@
               <a:t/>
             </a:r>
             <a:br>
-              <a:rPr lang="en-US" sz="1000" dirty="0" smtClean="0">
+              <a:rPr lang="en-US" sz="1000" dirty="0">
                 <a:solidFill>
                   <a:schemeClr val="tx2">
                     <a:lumMod val="75000"/>
@@ -3808,7 +3808,7 @@
               </a:rPr>
             </a:br>
             <a:r>
-              <a:rPr lang="en-US" sz="1000" dirty="0" smtClean="0">
+              <a:rPr lang="en-US" sz="1000" dirty="0">
                 <a:solidFill>
                   <a:schemeClr val="tx2">
                     <a:lumMod val="75000"/>
@@ -3820,7 +3820,7 @@
               <a:t>Argument</a:t>
             </a:r>
             <a:br>
-              <a:rPr lang="en-US" sz="1000" dirty="0" smtClean="0">
+              <a:rPr lang="en-US" sz="1000" dirty="0">
                 <a:solidFill>
                   <a:schemeClr val="tx2">
                     <a:lumMod val="75000"/>
@@ -3831,7 +3831,7 @@
               </a:rPr>
             </a:br>
             <a:r>
-              <a:rPr lang="en-US" sz="1000" dirty="0" smtClean="0">
+              <a:rPr lang="en-US" sz="1000" dirty="0">
                 <a:solidFill>
                   <a:schemeClr val="tx2">
                     <a:lumMod val="75000"/>
@@ -3843,7 +3843,7 @@
               <a:t>&lt;</a:t>
             </a:r>
             <a:r>
-              <a:rPr lang="en-US" sz="1000" dirty="0" err="1" smtClean="0">
+              <a:rPr lang="en-US" sz="1000" dirty="0" err="1">
                 <a:solidFill>
                   <a:schemeClr val="tx2">
                     <a:lumMod val="75000"/>
@@ -3855,7 +3855,7 @@
               <a:t>int</a:t>
             </a:r>
             <a:r>
-              <a:rPr lang="en-US" sz="1000" dirty="0" smtClean="0">
+              <a:rPr lang="en-US" sz="1000" dirty="0">
                 <a:solidFill>
                   <a:schemeClr val="tx2">
                     <a:lumMod val="75000"/>
@@ -3880,13 +3880,13 @@
       </p:sp>
       <p:sp>
         <p:nvSpPr>
-          <p:cNvPr id="17" name="Rounded Rectangle 16"/>
+          <p:cNvPr id="153" name="Rounded Rectangle 152"/>
           <p:cNvSpPr/>
           <p:nvPr/>
         </p:nvSpPr>
         <p:spPr>
           <a:xfrm>
-            <a:off x="7706821" y="546570"/>
+            <a:off x="6106620" y="838201"/>
             <a:ext cx="914400" cy="1056716"/>
           </a:xfrm>
           <a:prstGeom prst="roundRect">
@@ -3919,7 +3919,7 @@
           </a:fontRef>
         </p:style>
         <p:txBody>
-          <a:bodyPr rtlCol="0" anchor="ctr"/>
+          <a:bodyPr lIns="91430" tIns="45715" rIns="91430" bIns="45715" rtlCol="0" anchor="ctr"/>
           <a:lstStyle/>
           <a:p>
             <a:pPr algn="ctr"/>
@@ -3929,14 +3929,14 @@
       </p:sp>
       <p:sp>
         <p:nvSpPr>
-          <p:cNvPr id="19" name="Rounded Rectangle 18"/>
+          <p:cNvPr id="154" name="Rounded Rectangle 153"/>
           <p:cNvSpPr/>
           <p:nvPr/>
         </p:nvSpPr>
         <p:spPr>
           <a:xfrm>
-            <a:off x="7783021" y="546570"/>
-            <a:ext cx="762000" cy="564102"/>
+            <a:off x="6182820" y="838200"/>
+            <a:ext cx="762000" cy="564103"/>
           </a:xfrm>
           <a:prstGeom prst="roundRect">
             <a:avLst>
@@ -3970,7 +3970,7 @@
           <a:p>
             <a:pPr algn="ctr"/>
             <a:r>
-              <a:rPr lang="en-US" sz="1000" dirty="0" err="1" smtClean="0">
+              <a:rPr lang="en-US" sz="1000" dirty="0" err="1">
                 <a:solidFill>
                   <a:schemeClr val="tx2">
                     <a:lumMod val="75000"/>
@@ -3982,7 +3982,7 @@
               <a:t>Happil</a:t>
             </a:r>
             <a:r>
-              <a:rPr lang="en-US" sz="1000" dirty="0" smtClean="0">
+              <a:rPr lang="en-US" sz="1000" dirty="0">
                 <a:solidFill>
                   <a:schemeClr val="tx2">
                     <a:lumMod val="75000"/>
@@ -3994,7 +3994,7 @@
               <a:t/>
             </a:r>
             <a:br>
-              <a:rPr lang="en-US" sz="1000" dirty="0" smtClean="0">
+              <a:rPr lang="en-US" sz="1000" dirty="0">
                 <a:solidFill>
                   <a:schemeClr val="tx2">
                     <a:lumMod val="75000"/>
@@ -4005,7 +4005,7 @@
               </a:rPr>
             </a:br>
             <a:r>
-              <a:rPr lang="en-US" sz="1000" dirty="0" smtClean="0">
+              <a:rPr lang="en-US" sz="1000" dirty="0">
                 <a:solidFill>
                   <a:schemeClr val="tx2">
                     <a:lumMod val="75000"/>
@@ -4017,7 +4017,7 @@
               <a:t>Argument</a:t>
             </a:r>
             <a:br>
-              <a:rPr lang="en-US" sz="1000" dirty="0" smtClean="0">
+              <a:rPr lang="en-US" sz="1000" dirty="0">
                 <a:solidFill>
                   <a:schemeClr val="tx2">
                     <a:lumMod val="75000"/>
@@ -4028,7 +4028,7 @@
               </a:rPr>
             </a:br>
             <a:r>
-              <a:rPr lang="en-US" sz="1000" dirty="0" smtClean="0">
+              <a:rPr lang="en-US" sz="1000" dirty="0">
                 <a:solidFill>
                   <a:schemeClr val="tx2">
                     <a:lumMod val="75000"/>
@@ -4040,7 +4040,7 @@
               <a:t>&lt;</a:t>
             </a:r>
             <a:r>
-              <a:rPr lang="en-US" sz="1000" dirty="0" err="1" smtClean="0">
+              <a:rPr lang="en-US" sz="1000" dirty="0" err="1">
                 <a:solidFill>
                   <a:schemeClr val="tx2">
                     <a:lumMod val="75000"/>
@@ -4052,7 +4052,7 @@
               <a:t>int</a:t>
             </a:r>
             <a:r>
-              <a:rPr lang="en-US" sz="1000" dirty="0" smtClean="0">
+              <a:rPr lang="en-US" sz="1000" dirty="0">
                 <a:solidFill>
                   <a:schemeClr val="tx2">
                     <a:lumMod val="75000"/>
@@ -4077,14 +4077,14 @@
       </p:sp>
       <p:sp>
         <p:nvSpPr>
-          <p:cNvPr id="20" name="Rounded Rectangle 19"/>
+          <p:cNvPr id="155" name="Rounded Rectangle 154"/>
           <p:cNvSpPr/>
           <p:nvPr/>
         </p:nvSpPr>
         <p:spPr>
           <a:xfrm>
-            <a:off x="2144526" y="1898650"/>
-            <a:ext cx="4826332" cy="415946"/>
+            <a:off x="544326" y="2190279"/>
+            <a:ext cx="4826332" cy="415947"/>
           </a:xfrm>
           <a:prstGeom prst="roundRect">
             <a:avLst/>
@@ -4115,7 +4115,7 @@
           </a:fontRef>
         </p:style>
         <p:txBody>
-          <a:bodyPr rtlCol="0" anchor="ctr"/>
+          <a:bodyPr lIns="91430" tIns="45715" rIns="91430" bIns="45715" rtlCol="0" anchor="ctr"/>
           <a:lstStyle/>
           <a:p>
             <a:pPr algn="ctr"/>
@@ -4125,13 +4125,13 @@
       </p:sp>
       <p:sp>
         <p:nvSpPr>
-          <p:cNvPr id="21" name="Rounded Rectangle 20"/>
+          <p:cNvPr id="156" name="Rounded Rectangle 155"/>
           <p:cNvSpPr/>
           <p:nvPr/>
         </p:nvSpPr>
         <p:spPr>
           <a:xfrm>
-            <a:off x="2144526" y="1965597"/>
+            <a:off x="544325" y="2257229"/>
             <a:ext cx="1676400" cy="282051"/>
           </a:xfrm>
           <a:prstGeom prst="roundRect">
@@ -4166,7 +4166,7 @@
           <a:p>
             <a:pPr algn="ctr"/>
             <a:r>
-              <a:rPr lang="en-US" sz="1000" dirty="0" err="1" smtClean="0">
+              <a:rPr lang="en-US" sz="1000" dirty="0" err="1">
                 <a:solidFill>
                   <a:srgbClr val="CC6600"/>
                 </a:solidFill>
@@ -4176,7 +4176,7 @@
               <a:t>ReturnStatement</a:t>
             </a:r>
             <a:r>
-              <a:rPr lang="en-US" sz="1000" dirty="0" smtClean="0">
+              <a:rPr lang="en-US" sz="1000" dirty="0">
                 <a:solidFill>
                   <a:srgbClr val="CC6600"/>
                 </a:solidFill>
@@ -4186,7 +4186,7 @@
               <a:t>&lt;</a:t>
             </a:r>
             <a:r>
-              <a:rPr lang="en-US" sz="1000" dirty="0" err="1" smtClean="0">
+              <a:rPr lang="en-US" sz="1000" dirty="0" err="1">
                 <a:solidFill>
                   <a:srgbClr val="CC6600"/>
                 </a:solidFill>
@@ -4196,7 +4196,7 @@
               <a:t>int</a:t>
             </a:r>
             <a:r>
-              <a:rPr lang="en-US" sz="1000" dirty="0" smtClean="0">
+              <a:rPr lang="en-US" sz="1000" dirty="0">
                 <a:solidFill>
                   <a:srgbClr val="CC6600"/>
                 </a:solidFill>
@@ -4217,13 +4217,13 @@
       </p:sp>
       <p:sp>
         <p:nvSpPr>
-          <p:cNvPr id="22" name="Rounded Rectangle 21"/>
+          <p:cNvPr id="157" name="Rounded Rectangle 156"/>
           <p:cNvSpPr/>
           <p:nvPr/>
         </p:nvSpPr>
         <p:spPr>
           <a:xfrm>
-            <a:off x="5827539" y="1670050"/>
+            <a:off x="4227340" y="1961681"/>
             <a:ext cx="1016319" cy="2667000"/>
           </a:xfrm>
           <a:prstGeom prst="roundRect">
@@ -4255,7 +4255,7 @@
           </a:fontRef>
         </p:style>
         <p:txBody>
-          <a:bodyPr rtlCol="0" anchor="ctr"/>
+          <a:bodyPr lIns="91430" tIns="45715" rIns="91430" bIns="45715" rtlCol="0" anchor="ctr"/>
           <a:lstStyle/>
           <a:p>
             <a:pPr algn="ctr"/>
@@ -4265,13 +4265,13 @@
       </p:sp>
       <p:sp>
         <p:nvSpPr>
-          <p:cNvPr id="23" name="Rounded Rectangle 22"/>
+          <p:cNvPr id="158" name="Rounded Rectangle 157"/>
           <p:cNvSpPr/>
           <p:nvPr/>
         </p:nvSpPr>
         <p:spPr>
           <a:xfrm>
-            <a:off x="5689644" y="1606430"/>
+            <a:off x="4089444" y="1898061"/>
             <a:ext cx="1292108" cy="368884"/>
           </a:xfrm>
           <a:prstGeom prst="roundRect">
@@ -4301,12 +4301,12 @@
           </a:fontRef>
         </p:style>
         <p:txBody>
-          <a:bodyPr rtlCol="0" anchor="ctr"/>
+          <a:bodyPr lIns="91430" tIns="45715" rIns="91430" bIns="45715" rtlCol="0" anchor="ctr"/>
           <a:lstStyle/>
           <a:p>
             <a:pPr algn="ctr"/>
             <a:r>
-              <a:rPr lang="en-US" sz="1000" dirty="0" err="1" smtClean="0">
+              <a:rPr lang="en-US" sz="1000" dirty="0" err="1">
                 <a:solidFill>
                   <a:srgbClr val="0070C0"/>
                 </a:solidFill>
@@ -4327,13 +4327,13 @@
       </p:sp>
       <p:sp>
         <p:nvSpPr>
-          <p:cNvPr id="24" name="Rounded Rectangle 23"/>
+          <p:cNvPr id="159" name="Rounded Rectangle 158"/>
           <p:cNvSpPr/>
           <p:nvPr/>
         </p:nvSpPr>
         <p:spPr>
           <a:xfrm>
-            <a:off x="5611958" y="3669716"/>
+            <a:off x="4011757" y="3961347"/>
             <a:ext cx="1447800" cy="673684"/>
           </a:xfrm>
           <a:prstGeom prst="roundRect">
@@ -4363,12 +4363,12 @@
           </a:fontRef>
         </p:style>
         <p:txBody>
-          <a:bodyPr rtlCol="0" anchor="ctr"/>
+          <a:bodyPr lIns="91430" tIns="45715" rIns="91430" bIns="45715" rtlCol="0" anchor="ctr"/>
           <a:lstStyle/>
           <a:p>
             <a:pPr algn="ctr"/>
             <a:r>
-              <a:rPr lang="en-US" sz="1000" dirty="0" err="1" smtClean="0">
+              <a:rPr lang="en-US" sz="1000" dirty="0" err="1">
                 <a:solidFill>
                   <a:srgbClr val="0070C0"/>
                 </a:solidFill>
@@ -4378,7 +4378,7 @@
               <a:t>Happil</a:t>
             </a:r>
             <a:r>
-              <a:rPr lang="en-US" sz="1000" dirty="0" smtClean="0">
+              <a:rPr lang="en-US" sz="1000" dirty="0">
                 <a:solidFill>
                   <a:srgbClr val="0070C0"/>
                 </a:solidFill>
@@ -4388,7 +4388,7 @@
               <a:t/>
             </a:r>
             <a:br>
-              <a:rPr lang="en-US" sz="1000" dirty="0" smtClean="0">
+              <a:rPr lang="en-US" sz="1000" dirty="0">
                 <a:solidFill>
                   <a:srgbClr val="0070C0"/>
                 </a:solidFill>
@@ -4397,7 +4397,7 @@
               </a:rPr>
             </a:br>
             <a:r>
-              <a:rPr lang="en-US" sz="1000" dirty="0" smtClean="0">
+              <a:rPr lang="en-US" sz="1000" dirty="0">
                 <a:solidFill>
                   <a:srgbClr val="0070C0"/>
                 </a:solidFill>
@@ -4407,7 +4407,7 @@
               <a:t>Binary</a:t>
             </a:r>
             <a:br>
-              <a:rPr lang="en-US" sz="1000" dirty="0" smtClean="0">
+              <a:rPr lang="en-US" sz="1000" dirty="0">
                 <a:solidFill>
                   <a:srgbClr val="0070C0"/>
                 </a:solidFill>
@@ -4416,7 +4416,7 @@
               </a:rPr>
             </a:br>
             <a:r>
-              <a:rPr lang="en-US" sz="1000" dirty="0" smtClean="0">
+              <a:rPr lang="en-US" sz="1000" dirty="0">
                 <a:solidFill>
                   <a:srgbClr val="0070C0"/>
                 </a:solidFill>
@@ -4426,7 +4426,7 @@
               <a:t>Expression</a:t>
             </a:r>
             <a:br>
-              <a:rPr lang="en-US" sz="1000" dirty="0" smtClean="0">
+              <a:rPr lang="en-US" sz="1000" dirty="0">
                 <a:solidFill>
                   <a:srgbClr val="0070C0"/>
                 </a:solidFill>
@@ -4435,7 +4435,7 @@
               </a:rPr>
             </a:br>
             <a:r>
-              <a:rPr lang="en-US" sz="1000" dirty="0" smtClean="0">
+              <a:rPr lang="en-US" sz="1000" dirty="0">
                 <a:solidFill>
                   <a:srgbClr val="0070C0"/>
                 </a:solidFill>
@@ -4445,7 +4445,7 @@
               <a:t>&lt;</a:t>
             </a:r>
             <a:r>
-              <a:rPr lang="en-US" sz="1000" dirty="0" err="1" smtClean="0">
+              <a:rPr lang="en-US" sz="1000" dirty="0" err="1">
                 <a:solidFill>
                   <a:srgbClr val="0070C0"/>
                 </a:solidFill>
@@ -4455,7 +4455,7 @@
               <a:t>int,int,int</a:t>
             </a:r>
             <a:r>
-              <a:rPr lang="en-US" sz="1000" dirty="0" smtClean="0">
+              <a:rPr lang="en-US" sz="1000" dirty="0">
                 <a:solidFill>
                   <a:srgbClr val="0070C0"/>
                 </a:solidFill>
@@ -4476,13 +4476,13 @@
       </p:sp>
       <p:sp>
         <p:nvSpPr>
-          <p:cNvPr id="25" name="Rounded Rectangle 24"/>
+          <p:cNvPr id="160" name="Rounded Rectangle 159"/>
           <p:cNvSpPr/>
           <p:nvPr/>
         </p:nvSpPr>
         <p:spPr>
           <a:xfrm>
-            <a:off x="5878498" y="1974850"/>
+            <a:off x="4278298" y="2266482"/>
             <a:ext cx="279560" cy="444973"/>
           </a:xfrm>
           <a:prstGeom prst="roundRect">
@@ -4515,7 +4515,7 @@
           </a:fontRef>
         </p:style>
         <p:txBody>
-          <a:bodyPr rtlCol="0" anchor="ctr"/>
+          <a:bodyPr lIns="91430" tIns="45715" rIns="91430" bIns="45715" rtlCol="0" anchor="ctr"/>
           <a:lstStyle/>
           <a:p>
             <a:pPr algn="ctr"/>
@@ -4525,16 +4525,15 @@
       </p:sp>
       <p:cxnSp>
         <p:nvCxnSpPr>
-          <p:cNvPr id="27" name="Elbow Connector 26"/>
+          <p:cNvPr id="161" name="Elbow Connector 160"/>
           <p:cNvCxnSpPr>
-            <a:stCxn id="25" idx="2"/>
-            <a:endCxn id="15" idx="2"/>
+            <a:stCxn id="160" idx="2"/>
           </p:cNvCxnSpPr>
           <p:nvPr/>
         </p:nvCxnSpPr>
         <p:spPr>
           <a:xfrm rot="5400000" flipH="1" flipV="1">
-            <a:off x="6111380" y="1510183"/>
+            <a:off x="4511181" y="1801816"/>
             <a:ext cx="816537" cy="1002743"/>
           </a:xfrm>
           <a:prstGeom prst="bentConnector3">
@@ -4560,13 +4559,13 @@
       </p:cxnSp>
       <p:sp>
         <p:nvSpPr>
-          <p:cNvPr id="31" name="Rounded Rectangle 30"/>
+          <p:cNvPr id="162" name="Rounded Rectangle 161"/>
           <p:cNvSpPr/>
           <p:nvPr/>
         </p:nvSpPr>
         <p:spPr>
           <a:xfrm>
-            <a:off x="6519648" y="1975314"/>
+            <a:off x="4919448" y="2266946"/>
             <a:ext cx="279560" cy="444973"/>
           </a:xfrm>
           <a:prstGeom prst="roundRect">
@@ -4599,7 +4598,7 @@
           </a:fontRef>
         </p:style>
         <p:txBody>
-          <a:bodyPr rtlCol="0" anchor="ctr"/>
+          <a:bodyPr lIns="91430" tIns="45715" rIns="91430" bIns="45715" rtlCol="0" anchor="ctr"/>
           <a:lstStyle/>
           <a:p>
             <a:pPr algn="ctr"/>
@@ -4609,16 +4608,15 @@
       </p:sp>
       <p:cxnSp>
         <p:nvCxnSpPr>
-          <p:cNvPr id="32" name="Elbow Connector 31"/>
+          <p:cNvPr id="163" name="Elbow Connector 162"/>
           <p:cNvCxnSpPr>
-            <a:stCxn id="31" idx="2"/>
-            <a:endCxn id="17" idx="2"/>
+            <a:stCxn id="162" idx="2"/>
           </p:cNvCxnSpPr>
           <p:nvPr/>
         </p:nvCxnSpPr>
         <p:spPr>
           <a:xfrm rot="5400000" flipH="1" flipV="1">
-            <a:off x="7003223" y="1259490"/>
+            <a:off x="5403024" y="1551122"/>
             <a:ext cx="817001" cy="1504593"/>
           </a:xfrm>
           <a:prstGeom prst="bentConnector3">
@@ -4644,13 +4642,13 @@
       </p:cxnSp>
       <p:sp>
         <p:nvSpPr>
-          <p:cNvPr id="37" name="Rounded Rectangle 36"/>
+          <p:cNvPr id="164" name="Rounded Rectangle 163"/>
           <p:cNvSpPr/>
           <p:nvPr/>
         </p:nvSpPr>
         <p:spPr>
           <a:xfrm>
-            <a:off x="6201922" y="1975314"/>
+            <a:off x="4601721" y="2266945"/>
             <a:ext cx="279560" cy="1599736"/>
           </a:xfrm>
           <a:prstGeom prst="roundRect">
@@ -4682,7 +4680,7 @@
           </a:fontRef>
         </p:style>
         <p:txBody>
-          <a:bodyPr rtlCol="0" anchor="ctr"/>
+          <a:bodyPr lIns="91430" tIns="45715" rIns="91430" bIns="45715" rtlCol="0" anchor="ctr"/>
           <a:lstStyle/>
           <a:p>
             <a:pPr algn="ctr"/>
@@ -4692,13 +4690,13 @@
       </p:sp>
       <p:sp>
         <p:nvSpPr>
-          <p:cNvPr id="39" name="Rounded Rectangle 38"/>
+          <p:cNvPr id="165" name="Rounded Rectangle 164"/>
           <p:cNvSpPr/>
           <p:nvPr/>
         </p:nvSpPr>
         <p:spPr>
           <a:xfrm rot="16200000">
-            <a:off x="5609696" y="2795677"/>
+            <a:off x="4009495" y="3087309"/>
             <a:ext cx="1466504" cy="282051"/>
           </a:xfrm>
           <a:prstGeom prst="roundRect">
@@ -4733,7 +4731,7 @@
           <a:p>
             <a:pPr algn="ctr"/>
             <a:r>
-              <a:rPr lang="en-US" sz="1000" dirty="0" err="1" smtClean="0">
+              <a:rPr lang="en-US" sz="1000" dirty="0" err="1">
                 <a:solidFill>
                   <a:srgbClr val="009900"/>
                 </a:solidFill>
@@ -4743,7 +4741,7 @@
               <a:t>OperatorAdd</a:t>
             </a:r>
             <a:r>
-              <a:rPr lang="en-US" sz="1000" dirty="0" smtClean="0">
+              <a:rPr lang="en-US" sz="1000" dirty="0">
                 <a:solidFill>
                   <a:srgbClr val="009900"/>
                 </a:solidFill>
@@ -4753,7 +4751,7 @@
               <a:t>&lt;</a:t>
             </a:r>
             <a:r>
-              <a:rPr lang="en-US" sz="1000" dirty="0" err="1" smtClean="0">
+              <a:rPr lang="en-US" sz="1000" dirty="0" err="1">
                 <a:solidFill>
                   <a:srgbClr val="009900"/>
                 </a:solidFill>
@@ -4763,7 +4761,7 @@
               <a:t>int</a:t>
             </a:r>
             <a:r>
-              <a:rPr lang="en-US" sz="1000" dirty="0" smtClean="0">
+              <a:rPr lang="en-US" sz="1000" dirty="0">
                 <a:solidFill>
                   <a:srgbClr val="009900"/>
                 </a:solidFill>
@@ -4784,13 +4782,13 @@
       </p:sp>
       <p:sp>
         <p:nvSpPr>
-          <p:cNvPr id="69" name="Rounded Rectangle 68"/>
+          <p:cNvPr id="166" name="Rounded Rectangle 165"/>
           <p:cNvSpPr/>
           <p:nvPr/>
         </p:nvSpPr>
         <p:spPr>
           <a:xfrm>
-            <a:off x="228600" y="3276600"/>
+            <a:off x="533400" y="5544346"/>
             <a:ext cx="2062282" cy="346075"/>
           </a:xfrm>
           <a:prstGeom prst="roundRect">
@@ -4822,11 +4820,11 @@
           </a:fontRef>
         </p:style>
         <p:txBody>
-          <a:bodyPr rtlCol="0" anchor="ctr"/>
-          <a:lstStyle/>
-          <a:p>
-            <a:r>
-              <a:rPr lang="en-US" sz="1200" b="1" dirty="0" err="1" smtClean="0">
+          <a:bodyPr lIns="91430" tIns="45715" rIns="91430" bIns="45715" rtlCol="0" anchor="ctr"/>
+          <a:lstStyle/>
+          <a:p>
+            <a:r>
+              <a:rPr lang="en-US" sz="1200" b="1" dirty="0" err="1">
                 <a:solidFill>
                   <a:schemeClr val="tx1"/>
                 </a:solidFill>
@@ -4847,13 +4845,13 @@
       </p:sp>
       <p:sp>
         <p:nvSpPr>
-          <p:cNvPr id="70" name="Rounded Rectangle 69"/>
+          <p:cNvPr id="167" name="Rounded Rectangle 166"/>
           <p:cNvSpPr/>
           <p:nvPr/>
         </p:nvSpPr>
         <p:spPr>
           <a:xfrm>
-            <a:off x="733447" y="3727767"/>
+            <a:off x="1038248" y="5995512"/>
             <a:ext cx="1557435" cy="265812"/>
           </a:xfrm>
           <a:prstGeom prst="roundRect">
@@ -4886,11 +4884,11 @@
           </a:fontRef>
         </p:style>
         <p:txBody>
-          <a:bodyPr rtlCol="0" anchor="ctr"/>
-          <a:lstStyle/>
-          <a:p>
-            <a:r>
-              <a:rPr lang="en-US" sz="1200" b="1" dirty="0" smtClean="0">
+          <a:bodyPr lIns="91430" tIns="45715" rIns="91430" bIns="45715" rtlCol="0" anchor="ctr"/>
+          <a:lstStyle/>
+          <a:p>
+            <a:r>
+              <a:rPr lang="en-US" sz="1200" b="1" dirty="0">
                 <a:solidFill>
                   <a:schemeClr val="tx1"/>
                 </a:solidFill>
@@ -4911,13 +4909,13 @@
       </p:sp>
       <p:sp>
         <p:nvSpPr>
-          <p:cNvPr id="72" name="Rounded Rectangle 71"/>
+          <p:cNvPr id="168" name="Rounded Rectangle 167"/>
           <p:cNvSpPr/>
           <p:nvPr/>
         </p:nvSpPr>
         <p:spPr>
           <a:xfrm>
-            <a:off x="1207599" y="4076666"/>
+            <a:off x="1512400" y="6321552"/>
             <a:ext cx="2221151" cy="243052"/>
           </a:xfrm>
           <a:prstGeom prst="roundRect">
@@ -4950,11 +4948,11 @@
           </a:fontRef>
         </p:style>
         <p:txBody>
-          <a:bodyPr rtlCol="0" anchor="ctr"/>
-          <a:lstStyle/>
-          <a:p>
-            <a:r>
-              <a:rPr lang="en-US" sz="1200" b="1" dirty="0" smtClean="0">
+          <a:bodyPr lIns="91430" tIns="45715" rIns="91430" bIns="45715" rtlCol="0" anchor="ctr"/>
+          <a:lstStyle/>
+          <a:p>
+            <a:r>
+              <a:rPr lang="en-US" sz="1200" b="1" dirty="0">
                 <a:solidFill>
                   <a:srgbClr val="C00000"/>
                 </a:solidFill>
@@ -4964,7 +4962,7 @@
               <a:t>x</a:t>
             </a:r>
             <a:r>
-              <a:rPr lang="en-US" sz="1200" dirty="0" smtClean="0">
+              <a:rPr lang="en-US" sz="1200" dirty="0">
                 <a:solidFill>
                   <a:schemeClr val="tx1"/>
                 </a:solidFill>
@@ -4974,7 +4972,7 @@
               <a:t> : </a:t>
             </a:r>
             <a:r>
-              <a:rPr lang="en-US" sz="1200" b="1" dirty="0" err="1" smtClean="0">
+              <a:rPr lang="en-US" sz="1200" b="1" dirty="0" err="1">
                 <a:solidFill>
                   <a:schemeClr val="tx1"/>
                 </a:solidFill>
@@ -4984,7 +4982,7 @@
               <a:t>HappilArgument</a:t>
             </a:r>
             <a:r>
-              <a:rPr lang="en-US" sz="1200" b="1" dirty="0" smtClean="0">
+              <a:rPr lang="en-US" sz="1200" b="1" dirty="0">
                 <a:solidFill>
                   <a:schemeClr val="tx1"/>
                 </a:solidFill>
@@ -4994,7 +4992,7 @@
               <a:t>&lt;</a:t>
             </a:r>
             <a:r>
-              <a:rPr lang="en-US" sz="1200" b="1" dirty="0" err="1" smtClean="0">
+              <a:rPr lang="en-US" sz="1200" b="1" dirty="0" err="1">
                 <a:solidFill>
                   <a:schemeClr val="tx1"/>
                 </a:solidFill>
@@ -5004,7 +5002,7 @@
               <a:t>int</a:t>
             </a:r>
             <a:r>
-              <a:rPr lang="en-US" sz="1200" b="1" dirty="0" smtClean="0">
+              <a:rPr lang="en-US" sz="1200" b="1" dirty="0">
                 <a:solidFill>
                   <a:schemeClr val="tx1"/>
                 </a:solidFill>
@@ -5025,13 +5023,13 @@
       </p:sp>
       <p:sp>
         <p:nvSpPr>
-          <p:cNvPr id="73" name="Rounded Rectangle 72"/>
+          <p:cNvPr id="169" name="Rounded Rectangle 168"/>
           <p:cNvSpPr/>
           <p:nvPr/>
         </p:nvSpPr>
         <p:spPr>
           <a:xfrm>
-            <a:off x="1207598" y="4349310"/>
+            <a:off x="1512399" y="6617056"/>
             <a:ext cx="2221151" cy="243052"/>
           </a:xfrm>
           <a:prstGeom prst="roundRect">
@@ -5064,11 +5062,11 @@
           </a:fontRef>
         </p:style>
         <p:txBody>
-          <a:bodyPr rtlCol="0" anchor="ctr"/>
-          <a:lstStyle/>
-          <a:p>
-            <a:r>
-              <a:rPr lang="en-US" sz="1200" b="1" dirty="0" smtClean="0">
+          <a:bodyPr lIns="91430" tIns="45715" rIns="91430" bIns="45715" rtlCol="0" anchor="ctr"/>
+          <a:lstStyle/>
+          <a:p>
+            <a:r>
+              <a:rPr lang="en-US" sz="1200" b="1" dirty="0">
                 <a:solidFill>
                   <a:srgbClr val="C00000"/>
                 </a:solidFill>
@@ -5078,7 +5076,7 @@
               <a:t>y</a:t>
             </a:r>
             <a:r>
-              <a:rPr lang="en-US" sz="1200" dirty="0" smtClean="0">
+              <a:rPr lang="en-US" sz="1200" dirty="0">
                 <a:solidFill>
                   <a:srgbClr val="C00000"/>
                 </a:solidFill>
@@ -5088,7 +5086,7 @@
               <a:t> </a:t>
             </a:r>
             <a:r>
-              <a:rPr lang="en-US" sz="1200" dirty="0" smtClean="0">
+              <a:rPr lang="en-US" sz="1200" dirty="0">
                 <a:solidFill>
                   <a:schemeClr val="tx1"/>
                 </a:solidFill>
@@ -5098,7 +5096,7 @@
               <a:t>: </a:t>
             </a:r>
             <a:r>
-              <a:rPr lang="en-US" sz="1200" b="1" dirty="0" err="1" smtClean="0">
+              <a:rPr lang="en-US" sz="1200" b="1" dirty="0" err="1">
                 <a:solidFill>
                   <a:schemeClr val="tx1"/>
                 </a:solidFill>
@@ -5108,7 +5106,7 @@
               <a:t>HappilArgument</a:t>
             </a:r>
             <a:r>
-              <a:rPr lang="en-US" sz="1200" b="1" dirty="0" smtClean="0">
+              <a:rPr lang="en-US" sz="1200" b="1" dirty="0">
                 <a:solidFill>
                   <a:schemeClr val="tx1"/>
                 </a:solidFill>
@@ -5118,7 +5116,7 @@
               <a:t>&lt;</a:t>
             </a:r>
             <a:r>
-              <a:rPr lang="en-US" sz="1200" b="1" dirty="0" err="1" smtClean="0">
+              <a:rPr lang="en-US" sz="1200" b="1" dirty="0" err="1">
                 <a:solidFill>
                   <a:schemeClr val="tx1"/>
                 </a:solidFill>
@@ -5128,7 +5126,7 @@
               <a:t>int</a:t>
             </a:r>
             <a:r>
-              <a:rPr lang="en-US" sz="1200" b="1" dirty="0" smtClean="0">
+              <a:rPr lang="en-US" sz="1200" b="1" dirty="0">
                 <a:solidFill>
                   <a:schemeClr val="tx1"/>
                 </a:solidFill>
@@ -5149,13 +5147,13 @@
       </p:sp>
       <p:sp>
         <p:nvSpPr>
-          <p:cNvPr id="74" name="Rounded Rectangle 73"/>
+          <p:cNvPr id="170" name="Rounded Rectangle 169"/>
           <p:cNvSpPr/>
           <p:nvPr/>
         </p:nvSpPr>
         <p:spPr>
           <a:xfrm>
-            <a:off x="741877" y="4689475"/>
+            <a:off x="1046678" y="6957221"/>
             <a:ext cx="1549006" cy="265021"/>
           </a:xfrm>
           <a:prstGeom prst="roundRect">
@@ -5187,11 +5185,11 @@
           </a:fontRef>
         </p:style>
         <p:txBody>
-          <a:bodyPr rtlCol="0" anchor="ctr"/>
-          <a:lstStyle/>
-          <a:p>
-            <a:r>
-              <a:rPr lang="en-US" sz="1200" b="1" dirty="0" smtClean="0">
+          <a:bodyPr lIns="91430" tIns="45715" rIns="91430" bIns="45715" rtlCol="0" anchor="ctr"/>
+          <a:lstStyle/>
+          <a:p>
+            <a:r>
+              <a:rPr lang="en-US" sz="1200" b="1" dirty="0">
                 <a:solidFill>
                   <a:schemeClr val="tx1"/>
                 </a:solidFill>
@@ -5212,13 +5210,13 @@
       </p:sp>
       <p:sp>
         <p:nvSpPr>
-          <p:cNvPr id="75" name="Rounded Rectangle 74"/>
+          <p:cNvPr id="171" name="Rounded Rectangle 170"/>
           <p:cNvSpPr/>
           <p:nvPr/>
         </p:nvSpPr>
         <p:spPr>
           <a:xfrm>
-            <a:off x="1229791" y="5029728"/>
+            <a:off x="1534592" y="7297475"/>
             <a:ext cx="3190285" cy="265021"/>
           </a:xfrm>
           <a:prstGeom prst="roundRect">
@@ -5250,11 +5248,11 @@
           </a:fontRef>
         </p:style>
         <p:txBody>
-          <a:bodyPr rtlCol="0" anchor="ctr"/>
-          <a:lstStyle/>
-          <a:p>
-            <a:r>
-              <a:rPr lang="en-US" sz="1200" b="1" dirty="0" smtClean="0">
+          <a:bodyPr lIns="91430" tIns="45715" rIns="91430" bIns="45715" rtlCol="0" anchor="ctr"/>
+          <a:lstStyle/>
+          <a:p>
+            <a:r>
+              <a:rPr lang="en-US" sz="1200" b="1" dirty="0">
                 <a:solidFill>
                   <a:srgbClr val="C00000"/>
                 </a:solidFill>
@@ -5264,7 +5262,7 @@
               <a:t>return x + y</a:t>
             </a:r>
             <a:r>
-              <a:rPr lang="en-US" sz="1200" dirty="0" smtClean="0">
+              <a:rPr lang="en-US" sz="1200" dirty="0">
                 <a:solidFill>
                   <a:schemeClr val="tx1"/>
                 </a:solidFill>
@@ -5274,7 +5272,7 @@
               <a:t> : </a:t>
             </a:r>
             <a:r>
-              <a:rPr lang="en-US" sz="1200" b="1" dirty="0" err="1" smtClean="0">
+              <a:rPr lang="en-US" sz="1200" b="1" dirty="0" err="1">
                 <a:solidFill>
                   <a:schemeClr val="tx1"/>
                 </a:solidFill>
@@ -5284,7 +5282,7 @@
               <a:t>ReturnStatement</a:t>
             </a:r>
             <a:r>
-              <a:rPr lang="en-US" sz="1200" b="1" dirty="0" smtClean="0">
+              <a:rPr lang="en-US" sz="1200" b="1" dirty="0">
                 <a:solidFill>
                   <a:schemeClr val="tx1"/>
                 </a:solidFill>
@@ -5294,7 +5292,7 @@
               <a:t>&lt;</a:t>
             </a:r>
             <a:r>
-              <a:rPr lang="en-US" sz="1200" b="1" dirty="0" err="1" smtClean="0">
+              <a:rPr lang="en-US" sz="1200" b="1" dirty="0" err="1">
                 <a:solidFill>
                   <a:schemeClr val="tx1"/>
                 </a:solidFill>
@@ -5304,7 +5302,7 @@
               <a:t>int</a:t>
             </a:r>
             <a:r>
-              <a:rPr lang="en-US" sz="1200" b="1" dirty="0" smtClean="0">
+              <a:rPr lang="en-US" sz="1200" b="1" dirty="0">
                 <a:solidFill>
                   <a:schemeClr val="tx1"/>
                 </a:solidFill>
@@ -5325,13 +5323,13 @@
       </p:sp>
       <p:sp>
         <p:nvSpPr>
-          <p:cNvPr id="76" name="Rounded Rectangle 75"/>
+          <p:cNvPr id="172" name="Rounded Rectangle 171"/>
           <p:cNvSpPr/>
           <p:nvPr/>
         </p:nvSpPr>
         <p:spPr>
           <a:xfrm>
-            <a:off x="1788896" y="5384037"/>
+            <a:off x="2093696" y="7651785"/>
             <a:ext cx="4002304" cy="262161"/>
           </a:xfrm>
           <a:prstGeom prst="roundRect">
@@ -5363,11 +5361,11 @@
           </a:fontRef>
         </p:style>
         <p:txBody>
-          <a:bodyPr rtlCol="0" anchor="ctr"/>
-          <a:lstStyle/>
-          <a:p>
-            <a:r>
-              <a:rPr lang="en-US" sz="1200" b="1" dirty="0" smtClean="0">
+          <a:bodyPr lIns="91430" tIns="45715" rIns="91430" bIns="45715" rtlCol="0" anchor="ctr"/>
+          <a:lstStyle/>
+          <a:p>
+            <a:r>
+              <a:rPr lang="en-US" sz="1200" b="1" dirty="0">
                 <a:solidFill>
                   <a:srgbClr val="C00000"/>
                 </a:solidFill>
@@ -5377,7 +5375,7 @@
               <a:t>x + y</a:t>
             </a:r>
             <a:r>
-              <a:rPr lang="en-US" sz="1200" b="1" dirty="0" smtClean="0">
+              <a:rPr lang="en-US" sz="1200" b="1" dirty="0">
                 <a:solidFill>
                   <a:schemeClr val="tx1"/>
                 </a:solidFill>
@@ -5387,7 +5385,7 @@
               <a:t> </a:t>
             </a:r>
             <a:r>
-              <a:rPr lang="en-US" sz="1200" dirty="0" smtClean="0">
+              <a:rPr lang="en-US" sz="1200" dirty="0">
                 <a:solidFill>
                   <a:schemeClr val="tx1"/>
                 </a:solidFill>
@@ -5397,7 +5395,7 @@
               <a:t>: </a:t>
             </a:r>
             <a:r>
-              <a:rPr lang="en-US" sz="1200" b="1" dirty="0" err="1" smtClean="0">
+              <a:rPr lang="en-US" sz="1200" b="1" dirty="0" err="1">
                 <a:solidFill>
                   <a:schemeClr val="tx1"/>
                 </a:solidFill>
@@ -5407,7 +5405,7 @@
               <a:t>HappilBinaryExpression</a:t>
             </a:r>
             <a:r>
-              <a:rPr lang="en-US" sz="1200" b="1" dirty="0" smtClean="0">
+              <a:rPr lang="en-US" sz="1200" b="1" dirty="0">
                 <a:solidFill>
                   <a:schemeClr val="tx1"/>
                 </a:solidFill>
@@ -5417,7 +5415,7 @@
               <a:t>&lt;</a:t>
             </a:r>
             <a:r>
-              <a:rPr lang="en-US" sz="1200" b="1" dirty="0" err="1" smtClean="0">
+              <a:rPr lang="en-US" sz="1200" b="1" dirty="0" err="1">
                 <a:solidFill>
                   <a:schemeClr val="tx1"/>
                 </a:solidFill>
@@ -5427,7 +5425,7 @@
               <a:t>int,int,int</a:t>
             </a:r>
             <a:r>
-              <a:rPr lang="en-US" sz="1200" b="1" dirty="0" smtClean="0">
+              <a:rPr lang="en-US" sz="1200" b="1" dirty="0">
                 <a:solidFill>
                   <a:schemeClr val="tx1"/>
                 </a:solidFill>
@@ -5448,13 +5446,13 @@
       </p:sp>
       <p:sp>
         <p:nvSpPr>
-          <p:cNvPr id="78" name="Rounded Rectangle 77"/>
+          <p:cNvPr id="173" name="Rounded Rectangle 172"/>
           <p:cNvSpPr/>
           <p:nvPr/>
         </p:nvSpPr>
         <p:spPr>
           <a:xfrm>
-            <a:off x="2212243" y="5715000"/>
+            <a:off x="2517044" y="7982746"/>
             <a:ext cx="2435957" cy="243052"/>
           </a:xfrm>
           <a:prstGeom prst="roundRect">
@@ -5487,11 +5485,11 @@
           </a:fontRef>
         </p:style>
         <p:txBody>
-          <a:bodyPr rtlCol="0" anchor="ctr"/>
-          <a:lstStyle/>
-          <a:p>
-            <a:r>
-              <a:rPr lang="en-US" sz="1200" b="1" dirty="0" smtClean="0">
+          <a:bodyPr lIns="91430" tIns="45715" rIns="91430" bIns="45715" rtlCol="0" anchor="ctr"/>
+          <a:lstStyle/>
+          <a:p>
+            <a:r>
+              <a:rPr lang="en-US" sz="1200" b="1" dirty="0">
                 <a:solidFill>
                   <a:srgbClr val="C00000"/>
                 </a:solidFill>
@@ -5501,7 +5499,7 @@
               <a:t>x</a:t>
             </a:r>
             <a:r>
-              <a:rPr lang="en-US" sz="1200" dirty="0" smtClean="0">
+              <a:rPr lang="en-US" sz="1200" dirty="0">
                 <a:solidFill>
                   <a:schemeClr val="tx1"/>
                 </a:solidFill>
@@ -5511,7 +5509,7 @@
               <a:t> : </a:t>
             </a:r>
             <a:r>
-              <a:rPr lang="en-US" sz="1200" b="1" dirty="0" err="1" smtClean="0">
+              <a:rPr lang="en-US" sz="1200" b="1" dirty="0" err="1">
                 <a:solidFill>
                   <a:schemeClr val="tx1"/>
                 </a:solidFill>
@@ -5521,7 +5519,7 @@
               <a:t>HappilArgument</a:t>
             </a:r>
             <a:r>
-              <a:rPr lang="en-US" sz="1200" b="1" dirty="0" smtClean="0">
+              <a:rPr lang="en-US" sz="1200" b="1" dirty="0">
                 <a:solidFill>
                   <a:schemeClr val="tx1"/>
                 </a:solidFill>
@@ -5531,7 +5529,7 @@
               <a:t>&lt;</a:t>
             </a:r>
             <a:r>
-              <a:rPr lang="en-US" sz="1200" b="1" dirty="0" err="1" smtClean="0">
+              <a:rPr lang="en-US" sz="1200" b="1" dirty="0" err="1">
                 <a:solidFill>
                   <a:schemeClr val="tx1"/>
                 </a:solidFill>
@@ -5541,7 +5539,7 @@
               <a:t>int</a:t>
             </a:r>
             <a:r>
-              <a:rPr lang="en-US" sz="1200" b="1" dirty="0" smtClean="0">
+              <a:rPr lang="en-US" sz="1200" b="1" dirty="0">
                 <a:solidFill>
                   <a:schemeClr val="tx1"/>
                 </a:solidFill>
@@ -5562,13 +5560,13 @@
       </p:sp>
       <p:sp>
         <p:nvSpPr>
-          <p:cNvPr id="79" name="Rounded Rectangle 78"/>
+          <p:cNvPr id="174" name="Rounded Rectangle 173"/>
           <p:cNvSpPr/>
           <p:nvPr/>
         </p:nvSpPr>
         <p:spPr>
           <a:xfrm>
-            <a:off x="2198926" y="6328402"/>
+            <a:off x="2503726" y="8596148"/>
             <a:ext cx="2449274" cy="243052"/>
           </a:xfrm>
           <a:prstGeom prst="roundRect">
@@ -5601,11 +5599,11 @@
           </a:fontRef>
         </p:style>
         <p:txBody>
-          <a:bodyPr rtlCol="0" anchor="ctr"/>
-          <a:lstStyle/>
-          <a:p>
-            <a:r>
-              <a:rPr lang="en-US" sz="1200" b="1" dirty="0" smtClean="0">
+          <a:bodyPr lIns="91430" tIns="45715" rIns="91430" bIns="45715" rtlCol="0" anchor="ctr"/>
+          <a:lstStyle/>
+          <a:p>
+            <a:r>
+              <a:rPr lang="en-US" sz="1200" b="1" dirty="0">
                 <a:solidFill>
                   <a:srgbClr val="C00000"/>
                 </a:solidFill>
@@ -5615,7 +5613,7 @@
               <a:t>y</a:t>
             </a:r>
             <a:r>
-              <a:rPr lang="en-US" sz="1200" dirty="0" smtClean="0">
+              <a:rPr lang="en-US" sz="1200" dirty="0">
                 <a:solidFill>
                   <a:schemeClr val="tx1"/>
                 </a:solidFill>
@@ -5625,7 +5623,7 @@
               <a:t> : </a:t>
             </a:r>
             <a:r>
-              <a:rPr lang="en-US" sz="1200" b="1" dirty="0" err="1" smtClean="0">
+              <a:rPr lang="en-US" sz="1200" b="1" dirty="0" err="1">
                 <a:solidFill>
                   <a:schemeClr val="tx1"/>
                 </a:solidFill>
@@ -5635,7 +5633,7 @@
               <a:t>HappilArgument</a:t>
             </a:r>
             <a:r>
-              <a:rPr lang="en-US" sz="1200" b="1" dirty="0" smtClean="0">
+              <a:rPr lang="en-US" sz="1200" b="1" dirty="0">
                 <a:solidFill>
                   <a:schemeClr val="tx1"/>
                 </a:solidFill>
@@ -5645,7 +5643,7 @@
               <a:t>&lt;</a:t>
             </a:r>
             <a:r>
-              <a:rPr lang="en-US" sz="1200" b="1" dirty="0" err="1" smtClean="0">
+              <a:rPr lang="en-US" sz="1200" b="1" dirty="0" err="1">
                 <a:solidFill>
                   <a:schemeClr val="tx1"/>
                 </a:solidFill>
@@ -5655,7 +5653,7 @@
               <a:t>int</a:t>
             </a:r>
             <a:r>
-              <a:rPr lang="en-US" sz="1200" b="1" dirty="0" smtClean="0">
+              <a:rPr lang="en-US" sz="1200" b="1" dirty="0">
                 <a:solidFill>
                   <a:schemeClr val="tx1"/>
                 </a:solidFill>
@@ -5676,13 +5674,13 @@
       </p:sp>
       <p:sp>
         <p:nvSpPr>
-          <p:cNvPr id="80" name="Rounded Rectangle 79"/>
+          <p:cNvPr id="175" name="Rounded Rectangle 174"/>
           <p:cNvSpPr/>
           <p:nvPr/>
         </p:nvSpPr>
         <p:spPr>
           <a:xfrm>
-            <a:off x="2212242" y="6015218"/>
+            <a:off x="2517043" y="8282964"/>
             <a:ext cx="3578957" cy="243052"/>
           </a:xfrm>
           <a:prstGeom prst="roundRect">
@@ -5714,11 +5712,11 @@
           </a:fontRef>
         </p:style>
         <p:txBody>
-          <a:bodyPr rtlCol="0" anchor="ctr"/>
-          <a:lstStyle/>
-          <a:p>
-            <a:r>
-              <a:rPr lang="en-US" sz="1200" b="1" dirty="0" smtClean="0">
+          <a:bodyPr lIns="91430" tIns="45715" rIns="91430" bIns="45715" rtlCol="0" anchor="ctr"/>
+          <a:lstStyle/>
+          <a:p>
+            <a:r>
+              <a:rPr lang="en-US" sz="1200" b="1" dirty="0">
                 <a:solidFill>
                   <a:srgbClr val="C00000"/>
                 </a:solidFill>
@@ -5728,7 +5726,7 @@
               <a:t>+</a:t>
             </a:r>
             <a:r>
-              <a:rPr lang="en-US" sz="1200" dirty="0" smtClean="0">
+              <a:rPr lang="en-US" sz="1200" dirty="0">
                 <a:solidFill>
                   <a:schemeClr val="tx1"/>
                 </a:solidFill>
@@ -5738,7 +5736,7 @@
               <a:t> : </a:t>
             </a:r>
             <a:r>
-              <a:rPr lang="en-US" sz="1200" b="1" dirty="0" err="1" smtClean="0">
+              <a:rPr lang="en-US" sz="1200" b="1" dirty="0" err="1">
                 <a:solidFill>
                   <a:schemeClr val="tx1"/>
                 </a:solidFill>
@@ -5748,7 +5746,7 @@
               <a:t>BinaryOperators.OperatorAdd</a:t>
             </a:r>
             <a:r>
-              <a:rPr lang="en-US" sz="1200" b="1" dirty="0" smtClean="0">
+              <a:rPr lang="en-US" sz="1200" b="1" dirty="0">
                 <a:solidFill>
                   <a:schemeClr val="tx1"/>
                 </a:solidFill>
@@ -5758,7 +5756,7 @@
               <a:t>&lt;</a:t>
             </a:r>
             <a:r>
-              <a:rPr lang="en-US" sz="1200" b="1" dirty="0" err="1" smtClean="0">
+              <a:rPr lang="en-US" sz="1200" b="1" dirty="0" err="1">
                 <a:solidFill>
                   <a:schemeClr val="tx1"/>
                 </a:solidFill>
@@ -5768,7 +5766,7 @@
               <a:t>int</a:t>
             </a:r>
             <a:r>
-              <a:rPr lang="en-US" sz="1200" b="1" dirty="0" smtClean="0">
+              <a:rPr lang="en-US" sz="1200" b="1" dirty="0">
                 <a:solidFill>
                   <a:schemeClr val="tx1"/>
                 </a:solidFill>
@@ -5789,15 +5787,15 @@
       </p:sp>
       <p:cxnSp>
         <p:nvCxnSpPr>
-          <p:cNvPr id="85" name="Elbow Connector 84"/>
+          <p:cNvPr id="176" name="Elbow Connector 175"/>
           <p:cNvCxnSpPr>
-            <a:endCxn id="72" idx="1"/>
+            <a:endCxn id="168" idx="1"/>
           </p:cNvCxnSpPr>
           <p:nvPr/>
         </p:nvCxnSpPr>
         <p:spPr>
           <a:xfrm rot="16200000" flipH="1">
-            <a:off x="977854" y="3968446"/>
+            <a:off x="1282655" y="6213331"/>
             <a:ext cx="237997" cy="221494"/>
           </a:xfrm>
           <a:prstGeom prst="bentConnector2">
@@ -5821,15 +5819,15 @@
       </p:cxnSp>
       <p:cxnSp>
         <p:nvCxnSpPr>
-          <p:cNvPr id="87" name="Elbow Connector 86"/>
+          <p:cNvPr id="177" name="Elbow Connector 176"/>
           <p:cNvCxnSpPr>
-            <a:endCxn id="73" idx="1"/>
+            <a:endCxn id="169" idx="1"/>
           </p:cNvCxnSpPr>
           <p:nvPr/>
         </p:nvCxnSpPr>
         <p:spPr>
           <a:xfrm rot="16200000" flipH="1">
-            <a:off x="858225" y="4121462"/>
+            <a:off x="1163026" y="6389209"/>
             <a:ext cx="477255" cy="221491"/>
           </a:xfrm>
           <a:prstGeom prst="bentConnector2">
@@ -5853,16 +5851,16 @@
       </p:cxnSp>
       <p:cxnSp>
         <p:nvCxnSpPr>
-          <p:cNvPr id="90" name="Elbow Connector 89"/>
+          <p:cNvPr id="178" name="Elbow Connector 177"/>
           <p:cNvCxnSpPr>
-            <a:endCxn id="74" idx="1"/>
+            <a:endCxn id="170" idx="1"/>
           </p:cNvCxnSpPr>
           <p:nvPr/>
         </p:nvCxnSpPr>
         <p:spPr>
           <a:xfrm rot="16200000" flipH="1">
-            <a:off x="33840" y="4113949"/>
-            <a:ext cx="1186890" cy="229184"/>
+            <a:off x="338639" y="6381694"/>
+            <a:ext cx="1186891" cy="229184"/>
           </a:xfrm>
           <a:prstGeom prst="bentConnector2">
             <a:avLst/>
@@ -5890,15 +5888,15 @@
       </p:cxnSp>
       <p:cxnSp>
         <p:nvCxnSpPr>
-          <p:cNvPr id="98" name="Elbow Connector 97"/>
+          <p:cNvPr id="179" name="Elbow Connector 178"/>
           <p:cNvCxnSpPr>
-            <a:endCxn id="75" idx="1"/>
+            <a:endCxn id="171" idx="1"/>
           </p:cNvCxnSpPr>
           <p:nvPr/>
         </p:nvCxnSpPr>
         <p:spPr>
           <a:xfrm>
-            <a:off x="1008298" y="4954496"/>
+            <a:off x="1313099" y="7222243"/>
             <a:ext cx="221493" cy="207743"/>
           </a:xfrm>
           <a:prstGeom prst="bentConnector3">
@@ -5929,15 +5927,15 @@
       </p:cxnSp>
       <p:cxnSp>
         <p:nvCxnSpPr>
-          <p:cNvPr id="101" name="Elbow Connector 100"/>
+          <p:cNvPr id="180" name="Elbow Connector 179"/>
           <p:cNvCxnSpPr>
-            <a:endCxn id="76" idx="1"/>
+            <a:endCxn id="172" idx="1"/>
           </p:cNvCxnSpPr>
           <p:nvPr/>
         </p:nvCxnSpPr>
         <p:spPr>
           <a:xfrm>
-            <a:off x="1561340" y="5294749"/>
+            <a:off x="1866139" y="7562497"/>
             <a:ext cx="227556" cy="220369"/>
           </a:xfrm>
           <a:prstGeom prst="bentConnector3">
@@ -5968,15 +5966,15 @@
       </p:cxnSp>
       <p:cxnSp>
         <p:nvCxnSpPr>
-          <p:cNvPr id="105" name="Elbow Connector 104"/>
+          <p:cNvPr id="181" name="Elbow Connector 180"/>
           <p:cNvCxnSpPr>
-            <a:endCxn id="78" idx="1"/>
+            <a:endCxn id="173" idx="1"/>
           </p:cNvCxnSpPr>
           <p:nvPr/>
         </p:nvCxnSpPr>
         <p:spPr>
           <a:xfrm>
-            <a:off x="1971370" y="5646198"/>
+            <a:off x="2276171" y="7913944"/>
             <a:ext cx="240873" cy="190328"/>
           </a:xfrm>
           <a:prstGeom prst="bentConnector3">
@@ -6002,16 +6000,16 @@
       </p:cxnSp>
       <p:cxnSp>
         <p:nvCxnSpPr>
-          <p:cNvPr id="109" name="Elbow Connector 108"/>
+          <p:cNvPr id="182" name="Elbow Connector 181"/>
           <p:cNvCxnSpPr>
-            <a:endCxn id="80" idx="1"/>
+            <a:endCxn id="175" idx="1"/>
           </p:cNvCxnSpPr>
           <p:nvPr/>
         </p:nvCxnSpPr>
         <p:spPr>
           <a:xfrm rot="16200000" flipH="1">
-            <a:off x="1846533" y="5771035"/>
-            <a:ext cx="490546" cy="240872"/>
+            <a:off x="2151331" y="8038781"/>
+            <a:ext cx="490547" cy="240872"/>
           </a:xfrm>
           <a:prstGeom prst="bentConnector2">
             <a:avLst/>
@@ -6039,16 +6037,16 @@
       </p:cxnSp>
       <p:cxnSp>
         <p:nvCxnSpPr>
-          <p:cNvPr id="112" name="Elbow Connector 111"/>
+          <p:cNvPr id="183" name="Elbow Connector 182"/>
           <p:cNvCxnSpPr>
-            <a:endCxn id="79" idx="1"/>
+            <a:endCxn id="174" idx="1"/>
           </p:cNvCxnSpPr>
           <p:nvPr/>
         </p:nvCxnSpPr>
         <p:spPr>
           <a:xfrm rot="16200000" flipH="1">
-            <a:off x="1683887" y="5934889"/>
-            <a:ext cx="803730" cy="226347"/>
+            <a:off x="1988685" y="8202636"/>
+            <a:ext cx="803731" cy="226347"/>
           </a:xfrm>
           <a:prstGeom prst="bentConnector2">
             <a:avLst/>
@@ -6071,16 +6069,16 @@
       </p:cxnSp>
       <p:cxnSp>
         <p:nvCxnSpPr>
-          <p:cNvPr id="82" name="Elbow Connector 81"/>
+          <p:cNvPr id="184" name="Elbow Connector 183"/>
           <p:cNvCxnSpPr>
-            <a:endCxn id="70" idx="1"/>
+            <a:endCxn id="167" idx="1"/>
           </p:cNvCxnSpPr>
           <p:nvPr/>
         </p:nvCxnSpPr>
         <p:spPr>
           <a:xfrm rot="16200000" flipH="1">
-            <a:off x="503701" y="3630927"/>
-            <a:ext cx="237998" cy="221494"/>
+            <a:off x="808500" y="5898674"/>
+            <a:ext cx="237999" cy="221494"/>
           </a:xfrm>
           <a:prstGeom prst="bentConnector2">
             <a:avLst/>
@@ -6103,14 +6101,14 @@
       </p:cxnSp>
       <p:sp>
         <p:nvSpPr>
-          <p:cNvPr id="115" name="Rounded Rectangle 114"/>
+          <p:cNvPr id="185" name="Rounded Rectangle 184"/>
           <p:cNvSpPr/>
           <p:nvPr/>
         </p:nvSpPr>
         <p:spPr>
           <a:xfrm>
-            <a:off x="541914" y="5379698"/>
-            <a:ext cx="1134534" cy="205762"/>
+            <a:off x="846713" y="7647442"/>
+            <a:ext cx="1134534" cy="205763"/>
           </a:xfrm>
           <a:prstGeom prst="roundRect">
             <a:avLst>
@@ -6139,12 +6137,12 @@
           </a:fontRef>
         </p:style>
         <p:txBody>
-          <a:bodyPr rtlCol="0" anchor="ctr"/>
+          <a:bodyPr lIns="91430" tIns="45715" rIns="91430" bIns="45715" rtlCol="0" anchor="ctr"/>
           <a:lstStyle/>
           <a:p>
             <a:pPr algn="ctr"/>
             <a:r>
-              <a:rPr lang="en-US" sz="1000" dirty="0" err="1" smtClean="0">
+              <a:rPr lang="en-US" sz="1000" dirty="0" err="1">
                 <a:solidFill>
                   <a:srgbClr val="0070C0"/>
                 </a:solidFill>
@@ -6165,14 +6163,14 @@
       </p:sp>
       <p:sp>
         <p:nvSpPr>
-          <p:cNvPr id="116" name="Rounded Rectangle 115"/>
+          <p:cNvPr id="186" name="Rounded Rectangle 185"/>
           <p:cNvSpPr/>
           <p:nvPr/>
         </p:nvSpPr>
         <p:spPr>
           <a:xfrm>
-            <a:off x="990252" y="5723809"/>
-            <a:ext cx="1045510" cy="205762"/>
+            <a:off x="1295052" y="7991554"/>
+            <a:ext cx="1045510" cy="205763"/>
           </a:xfrm>
           <a:prstGeom prst="roundRect">
             <a:avLst>
@@ -6201,12 +6199,12 @@
           </a:fontRef>
         </p:style>
         <p:txBody>
-          <a:bodyPr rtlCol="0" anchor="ctr"/>
+          <a:bodyPr lIns="91430" tIns="45715" rIns="91430" bIns="45715" rtlCol="0" anchor="ctr"/>
           <a:lstStyle/>
           <a:p>
             <a:pPr algn="r"/>
             <a:r>
-              <a:rPr lang="en-US" sz="1000" dirty="0" smtClean="0">
+              <a:rPr lang="en-US" sz="1000" dirty="0">
                 <a:solidFill>
                   <a:schemeClr val="accent6">
                     <a:lumMod val="75000"/>
@@ -6231,14 +6229,14 @@
       </p:sp>
       <p:sp>
         <p:nvSpPr>
-          <p:cNvPr id="117" name="Rounded Rectangle 116"/>
+          <p:cNvPr id="187" name="Rounded Rectangle 186"/>
           <p:cNvSpPr/>
           <p:nvPr/>
         </p:nvSpPr>
         <p:spPr>
           <a:xfrm>
-            <a:off x="984124" y="6329613"/>
-            <a:ext cx="1045510" cy="205762"/>
+            <a:off x="1288923" y="8597357"/>
+            <a:ext cx="1045510" cy="205763"/>
           </a:xfrm>
           <a:prstGeom prst="roundRect">
             <a:avLst>
@@ -6267,12 +6265,12 @@
           </a:fontRef>
         </p:style>
         <p:txBody>
-          <a:bodyPr rtlCol="0" anchor="ctr"/>
+          <a:bodyPr lIns="91430" tIns="45715" rIns="91430" bIns="45715" rtlCol="0" anchor="ctr"/>
           <a:lstStyle/>
           <a:p>
             <a:pPr algn="r"/>
             <a:r>
-              <a:rPr lang="en-US" sz="1000" dirty="0" smtClean="0">
+              <a:rPr lang="en-US" sz="1000" dirty="0">
                 <a:solidFill>
                   <a:schemeClr val="accent6">
                     <a:lumMod val="75000"/>
@@ -6297,14 +6295,14 @@
       </p:sp>
       <p:sp>
         <p:nvSpPr>
-          <p:cNvPr id="118" name="Rounded Rectangle 117"/>
+          <p:cNvPr id="188" name="Rounded Rectangle 187"/>
           <p:cNvSpPr/>
           <p:nvPr/>
         </p:nvSpPr>
         <p:spPr>
           <a:xfrm>
-            <a:off x="984124" y="6033863"/>
-            <a:ext cx="1045510" cy="205762"/>
+            <a:off x="1288923" y="8301608"/>
+            <a:ext cx="1045510" cy="205763"/>
           </a:xfrm>
           <a:prstGeom prst="roundRect">
             <a:avLst>
@@ -6333,12 +6331,12 @@
           </a:fontRef>
         </p:style>
         <p:txBody>
-          <a:bodyPr rtlCol="0" anchor="ctr"/>
+          <a:bodyPr lIns="91430" tIns="45715" rIns="91430" bIns="45715" rtlCol="0" anchor="ctr"/>
           <a:lstStyle/>
           <a:p>
             <a:pPr algn="r"/>
             <a:r>
-              <a:rPr lang="en-US" sz="1000" dirty="0" smtClean="0">
+              <a:rPr lang="en-US" sz="1000" dirty="0">
                 <a:solidFill>
                   <a:srgbClr val="009900"/>
                 </a:solidFill>
@@ -6357,6 +6355,258 @@
           </a:p>
         </p:txBody>
       </p:sp>
+      <p:sp>
+        <p:nvSpPr>
+          <p:cNvPr id="5" name="TextBox 4"/>
+          <p:cNvSpPr txBox="1"/>
+          <p:nvPr/>
+        </p:nvSpPr>
+        <p:spPr>
+          <a:xfrm>
+            <a:off x="10439400" y="5812455"/>
+            <a:ext cx="2057400" cy="1523367"/>
+          </a:xfrm>
+          <a:prstGeom prst="rect">
+            <a:avLst/>
+          </a:prstGeom>
+          <a:noFill/>
+        </p:spPr>
+        <p:txBody>
+          <a:bodyPr wrap="none" rtlCol="0" anchor="ctr" anchorCtr="0">
+            <a:noAutofit/>
+          </a:bodyPr>
+          <a:lstStyle/>
+          <a:p>
+            <a:pPr>
+              <a:lnSpc>
+                <a:spcPct val="150000"/>
+              </a:lnSpc>
+            </a:pPr>
+            <a:r>
+              <a:rPr lang="en-US" sz="1400" b="1" dirty="0" smtClean="0">
+                <a:latin typeface="Consolas" pitchFamily="49" charset="0"/>
+                <a:cs typeface="Consolas" pitchFamily="49" charset="0"/>
+              </a:rPr>
+              <a:t>ldarg.1</a:t>
+            </a:r>
+            <a:br>
+              <a:rPr lang="en-US" sz="1400" b="1" dirty="0" smtClean="0">
+                <a:latin typeface="Consolas" pitchFamily="49" charset="0"/>
+                <a:cs typeface="Consolas" pitchFamily="49" charset="0"/>
+              </a:rPr>
+            </a:br>
+            <a:r>
+              <a:rPr lang="en-US" sz="1400" b="1" dirty="0" smtClean="0">
+                <a:latin typeface="Consolas" pitchFamily="49" charset="0"/>
+                <a:cs typeface="Consolas" pitchFamily="49" charset="0"/>
+              </a:rPr>
+              <a:t>ldarg.2</a:t>
+            </a:r>
+            <a:br>
+              <a:rPr lang="en-US" sz="1400" b="1" dirty="0" smtClean="0">
+                <a:latin typeface="Consolas" pitchFamily="49" charset="0"/>
+                <a:cs typeface="Consolas" pitchFamily="49" charset="0"/>
+              </a:rPr>
+            </a:br>
+            <a:r>
+              <a:rPr lang="en-US" sz="1400" b="1" dirty="0" smtClean="0">
+                <a:latin typeface="Consolas" pitchFamily="49" charset="0"/>
+                <a:cs typeface="Consolas" pitchFamily="49" charset="0"/>
+              </a:rPr>
+              <a:t>add</a:t>
+            </a:r>
+            <a:br>
+              <a:rPr lang="en-US" sz="1400" b="1" dirty="0" smtClean="0">
+                <a:latin typeface="Consolas" pitchFamily="49" charset="0"/>
+                <a:cs typeface="Consolas" pitchFamily="49" charset="0"/>
+              </a:rPr>
+            </a:br>
+            <a:r>
+              <a:rPr lang="en-US" sz="1400" b="1" dirty="0" smtClean="0">
+                <a:latin typeface="Consolas" pitchFamily="49" charset="0"/>
+                <a:cs typeface="Consolas" pitchFamily="49" charset="0"/>
+              </a:rPr>
+              <a:t>ret</a:t>
+            </a:r>
+            <a:endParaRPr lang="en-US" sz="1400" b="1" dirty="0">
+              <a:latin typeface="Consolas" pitchFamily="49" charset="0"/>
+              <a:cs typeface="Consolas" pitchFamily="49" charset="0"/>
+            </a:endParaRPr>
+          </a:p>
+        </p:txBody>
+      </p:sp>
+      <p:graphicFrame>
+        <p:nvGraphicFramePr>
+          <p:cNvPr id="6" name="Table 5"/>
+          <p:cNvGraphicFramePr>
+            <a:graphicFrameLocks noGrp="1"/>
+          </p:cNvGraphicFramePr>
+          <p:nvPr>
+            <p:extLst>
+              <p:ext uri="{D42A27DB-BD31-4B8C-83A1-F6EECF244321}">
+                <p14:modId xmlns:p14="http://schemas.microsoft.com/office/powerpoint/2010/main" val="3823945302"/>
+              </p:ext>
+            </p:extLst>
+          </p:nvPr>
+        </p:nvGraphicFramePr>
+        <p:xfrm>
+          <a:off x="6906720" y="5148807"/>
+          <a:ext cx="1828800" cy="2225040"/>
+        </p:xfrm>
+        <a:graphic>
+          <a:graphicData uri="http://schemas.openxmlformats.org/drawingml/2006/table">
+            <a:tbl>
+              <a:tblPr firstRow="1" bandRow="1">
+                <a:tableStyleId>{BC89EF96-8CEA-46FF-86C4-4CE0E7609802}</a:tableStyleId>
+              </a:tblPr>
+              <a:tblGrid>
+                <a:gridCol w="914400"/>
+                <a:gridCol w="914400"/>
+              </a:tblGrid>
+              <a:tr h="370840">
+                <a:tc>
+                  <a:txBody>
+                    <a:bodyPr/>
+                    <a:lstStyle/>
+                    <a:p>
+                      <a:r>
+                        <a:rPr lang="en-US" sz="1200" dirty="0" smtClean="0"/>
+                        <a:t>Object</a:t>
+                      </a:r>
+                      <a:endParaRPr lang="en-US" sz="1200" dirty="0"/>
+                    </a:p>
+                  </a:txBody>
+                  <a:tcPr/>
+                </a:tc>
+                <a:tc>
+                  <a:txBody>
+                    <a:bodyPr/>
+                    <a:lstStyle/>
+                    <a:p>
+                      <a:r>
+                        <a:rPr lang="en-US" sz="1200" dirty="0" smtClean="0"/>
+                        <a:t>Method</a:t>
+                      </a:r>
+                      <a:endParaRPr lang="en-US" sz="1200" dirty="0"/>
+                    </a:p>
+                  </a:txBody>
+                  <a:tcPr/>
+                </a:tc>
+              </a:tr>
+              <a:tr h="370840">
+                <a:tc>
+                  <a:txBody>
+                    <a:bodyPr/>
+                    <a:lstStyle/>
+                    <a:p>
+                      <a:endParaRPr lang="en-US" sz="1200" dirty="0"/>
+                    </a:p>
+                  </a:txBody>
+                  <a:tcPr/>
+                </a:tc>
+                <a:tc>
+                  <a:txBody>
+                    <a:bodyPr/>
+                    <a:lstStyle/>
+                    <a:p>
+                      <a:endParaRPr lang="en-US" sz="1200"/>
+                    </a:p>
+                  </a:txBody>
+                  <a:tcPr/>
+                </a:tc>
+              </a:tr>
+              <a:tr h="370840">
+                <a:tc>
+                  <a:txBody>
+                    <a:bodyPr/>
+                    <a:lstStyle/>
+                    <a:p>
+                      <a:endParaRPr lang="en-US" sz="1200"/>
+                    </a:p>
+                  </a:txBody>
+                  <a:tcPr/>
+                </a:tc>
+                <a:tc>
+                  <a:txBody>
+                    <a:bodyPr/>
+                    <a:lstStyle/>
+                    <a:p>
+                      <a:endParaRPr lang="en-US" sz="1200"/>
+                    </a:p>
+                  </a:txBody>
+                  <a:tcPr/>
+                </a:tc>
+              </a:tr>
+              <a:tr h="370840">
+                <a:tc>
+                  <a:txBody>
+                    <a:bodyPr/>
+                    <a:lstStyle/>
+                    <a:p>
+                      <a:endParaRPr lang="en-US" sz="1200"/>
+                    </a:p>
+                  </a:txBody>
+                  <a:tcPr/>
+                </a:tc>
+                <a:tc>
+                  <a:txBody>
+                    <a:bodyPr/>
+                    <a:lstStyle/>
+                    <a:p>
+                      <a:endParaRPr lang="en-US" sz="1200"/>
+                    </a:p>
+                  </a:txBody>
+                  <a:tcPr/>
+                </a:tc>
+              </a:tr>
+              <a:tr h="370840">
+                <a:tc>
+                  <a:txBody>
+                    <a:bodyPr/>
+                    <a:lstStyle/>
+                    <a:p>
+                      <a:endParaRPr lang="en-US" sz="1200"/>
+                    </a:p>
+                  </a:txBody>
+                  <a:tcPr/>
+                </a:tc>
+                <a:tc>
+                  <a:txBody>
+                    <a:bodyPr/>
+                    <a:lstStyle/>
+                    <a:p>
+                      <a:endParaRPr lang="en-US" sz="1200"/>
+                    </a:p>
+                  </a:txBody>
+                  <a:tcPr/>
+                </a:tc>
+              </a:tr>
+              <a:tr h="370840">
+                <a:tc>
+                  <a:txBody>
+                    <a:bodyPr/>
+                    <a:lstStyle/>
+                    <a:p>
+                      <a:endParaRPr lang="en-US" sz="1200" dirty="0"/>
+                    </a:p>
+                  </a:txBody>
+                  <a:tcPr/>
+                </a:tc>
+                <a:tc>
+                  <a:txBody>
+                    <a:bodyPr/>
+                    <a:lstStyle/>
+                    <a:p>
+                      <a:endParaRPr lang="en-US" sz="1200" dirty="0"/>
+                    </a:p>
+                  </a:txBody>
+                  <a:tcPr/>
+                </a:tc>
+              </a:tr>
+            </a:tbl>
+          </a:graphicData>
+        </a:graphic>
+      </p:graphicFrame>
     </p:spTree>
     <p:extLst>
       <p:ext uri="{BB962C8B-B14F-4D97-AF65-F5344CB8AC3E}">

--- a/Documentation/Examples.pptx
+++ b/Documentation/Examples.pptx
@@ -3395,7 +3395,11 @@
           <a:bodyPr/>
           <a:lstStyle/>
           <a:p>
-            <a:endParaRPr lang="en-US"/>
+            <a:r>
+              <a:rPr lang="en-US" dirty="0" smtClean="0"/>
+              <a:t>HAPPIL</a:t>
+            </a:r>
+            <a:endParaRPr lang="en-US" dirty="0"/>
           </a:p>
         </p:txBody>
       </p:sp>
@@ -3414,7 +3418,11 @@
           <a:bodyPr/>
           <a:lstStyle/>
           <a:p>
-            <a:endParaRPr lang="en-US"/>
+            <a:r>
+              <a:rPr lang="en-US" dirty="0" smtClean="0"/>
+              <a:t>Method Anatomy</a:t>
+            </a:r>
+            <a:endParaRPr lang="en-US" dirty="0"/>
           </a:p>
         </p:txBody>
       </p:sp>
@@ -3463,7 +3471,7 @@
         </p:nvSpPr>
         <p:spPr>
           <a:xfrm>
-            <a:off x="2257717" y="1428281"/>
+            <a:off x="7462477" y="1290345"/>
             <a:ext cx="5057483" cy="1866900"/>
           </a:xfrm>
           <a:prstGeom prst="roundRect">
@@ -3511,7 +3519,7 @@
         </p:nvSpPr>
         <p:spPr>
           <a:xfrm>
-            <a:off x="2372820" y="1428279"/>
+            <a:off x="7577580" y="1290343"/>
             <a:ext cx="4942358" cy="1569650"/>
           </a:xfrm>
           <a:prstGeom prst="rect">
@@ -3594,14 +3602,7 @@
                 <a:latin typeface="Consolas" pitchFamily="49" charset="0"/>
                 <a:cs typeface="Consolas" pitchFamily="49" charset="0"/>
               </a:rPr>
-              <a:t> </a:t>
-            </a:r>
-            <a:r>
-              <a:rPr lang="en-US" sz="2400" dirty="0">
-                <a:latin typeface="Consolas" pitchFamily="49" charset="0"/>
-                <a:cs typeface="Consolas" pitchFamily="49" charset="0"/>
-              </a:rPr>
-              <a:t>   return x + y;</a:t>
+              <a:t>    return x + y;</a:t>
             </a:r>
           </a:p>
           <a:p>
@@ -3623,7 +3624,7 @@
         </p:nvSpPr>
         <p:spPr>
           <a:xfrm>
-            <a:off x="6008950" y="2952281"/>
+            <a:off x="11213710" y="2814345"/>
             <a:ext cx="1292108" cy="368884"/>
           </a:xfrm>
           <a:prstGeom prst="roundRect">
@@ -3689,7 +3690,7 @@
         </p:nvSpPr>
         <p:spPr>
           <a:xfrm>
-            <a:off x="4963620" y="838201"/>
+            <a:off x="10168380" y="700265"/>
             <a:ext cx="914400" cy="1056716"/>
           </a:xfrm>
           <a:prstGeom prst="roundRect">
@@ -3738,7 +3739,7 @@
         </p:nvSpPr>
         <p:spPr>
           <a:xfrm>
-            <a:off x="5039820" y="838200"/>
+            <a:off x="10244580" y="700264"/>
             <a:ext cx="762000" cy="564103"/>
           </a:xfrm>
           <a:prstGeom prst="roundRect">
@@ -3866,15 +3867,6 @@
               </a:rPr>
               <a:t>&gt;</a:t>
             </a:r>
-            <a:endParaRPr lang="en-US" sz="1000" dirty="0">
-              <a:solidFill>
-                <a:schemeClr val="tx2">
-                  <a:lumMod val="75000"/>
-                </a:schemeClr>
-              </a:solidFill>
-              <a:latin typeface="Consolas" pitchFamily="49" charset="0"/>
-              <a:cs typeface="Consolas" pitchFamily="49" charset="0"/>
-            </a:endParaRPr>
           </a:p>
         </p:txBody>
       </p:sp>
@@ -3886,7 +3878,7 @@
         </p:nvSpPr>
         <p:spPr>
           <a:xfrm>
-            <a:off x="6106620" y="838201"/>
+            <a:off x="11311380" y="700265"/>
             <a:ext cx="914400" cy="1056716"/>
           </a:xfrm>
           <a:prstGeom prst="roundRect">
@@ -3935,7 +3927,7 @@
         </p:nvSpPr>
         <p:spPr>
           <a:xfrm>
-            <a:off x="6182820" y="838200"/>
+            <a:off x="11387580" y="700264"/>
             <a:ext cx="762000" cy="564103"/>
           </a:xfrm>
           <a:prstGeom prst="roundRect">
@@ -4063,15 +4055,6 @@
               </a:rPr>
               <a:t>&gt;</a:t>
             </a:r>
-            <a:endParaRPr lang="en-US" sz="1000" dirty="0">
-              <a:solidFill>
-                <a:schemeClr val="tx2">
-                  <a:lumMod val="75000"/>
-                </a:schemeClr>
-              </a:solidFill>
-              <a:latin typeface="Consolas" pitchFamily="49" charset="0"/>
-              <a:cs typeface="Consolas" pitchFamily="49" charset="0"/>
-            </a:endParaRPr>
           </a:p>
         </p:txBody>
       </p:sp>
@@ -4083,7 +4066,7 @@
         </p:nvSpPr>
         <p:spPr>
           <a:xfrm>
-            <a:off x="544326" y="2190279"/>
+            <a:off x="5749086" y="2052343"/>
             <a:ext cx="4826332" cy="415947"/>
           </a:xfrm>
           <a:prstGeom prst="roundRect">
@@ -4131,7 +4114,7 @@
         </p:nvSpPr>
         <p:spPr>
           <a:xfrm>
-            <a:off x="544325" y="2257229"/>
+            <a:off x="5749085" y="2119293"/>
             <a:ext cx="1676400" cy="282051"/>
           </a:xfrm>
           <a:prstGeom prst="roundRect">
@@ -4205,13 +4188,6 @@
               </a:rPr>
               <a:t>&gt;</a:t>
             </a:r>
-            <a:endParaRPr lang="en-US" sz="1000" dirty="0">
-              <a:solidFill>
-                <a:srgbClr val="CC6600"/>
-              </a:solidFill>
-              <a:latin typeface="Consolas" pitchFamily="49" charset="0"/>
-              <a:cs typeface="Consolas" pitchFamily="49" charset="0"/>
-            </a:endParaRPr>
           </a:p>
         </p:txBody>
       </p:sp>
@@ -4223,7 +4199,7 @@
         </p:nvSpPr>
         <p:spPr>
           <a:xfrm>
-            <a:off x="4227340" y="1961681"/>
+            <a:off x="9432100" y="1823745"/>
             <a:ext cx="1016319" cy="2667000"/>
           </a:xfrm>
           <a:prstGeom prst="roundRect">
@@ -4271,7 +4247,7 @@
         </p:nvSpPr>
         <p:spPr>
           <a:xfrm>
-            <a:off x="4089444" y="1898061"/>
+            <a:off x="9294204" y="1760125"/>
             <a:ext cx="1292108" cy="368884"/>
           </a:xfrm>
           <a:prstGeom prst="roundRect">
@@ -4333,7 +4309,7 @@
         </p:nvSpPr>
         <p:spPr>
           <a:xfrm>
-            <a:off x="4011757" y="3961347"/>
+            <a:off x="9216517" y="3823411"/>
             <a:ext cx="1447800" cy="673684"/>
           </a:xfrm>
           <a:prstGeom prst="roundRect">
@@ -4464,13 +4440,6 @@
               </a:rPr>
               <a:t>&gt;</a:t>
             </a:r>
-            <a:endParaRPr lang="en-US" sz="1000" dirty="0">
-              <a:solidFill>
-                <a:srgbClr val="0070C0"/>
-              </a:solidFill>
-              <a:latin typeface="Consolas" pitchFamily="49" charset="0"/>
-              <a:cs typeface="Consolas" pitchFamily="49" charset="0"/>
-            </a:endParaRPr>
           </a:p>
         </p:txBody>
       </p:sp>
@@ -4482,7 +4451,7 @@
         </p:nvSpPr>
         <p:spPr>
           <a:xfrm>
-            <a:off x="4278298" y="2266482"/>
+            <a:off x="9483058" y="2128546"/>
             <a:ext cx="279560" cy="444973"/>
           </a:xfrm>
           <a:prstGeom prst="roundRect">
@@ -4533,7 +4502,7 @@
         </p:nvCxnSpPr>
         <p:spPr>
           <a:xfrm rot="5400000" flipH="1" flipV="1">
-            <a:off x="4511181" y="1801816"/>
+            <a:off x="9715941" y="1663880"/>
             <a:ext cx="816537" cy="1002743"/>
           </a:xfrm>
           <a:prstGeom prst="bentConnector3">
@@ -4565,7 +4534,7 @@
         </p:nvSpPr>
         <p:spPr>
           <a:xfrm>
-            <a:off x="4919448" y="2266946"/>
+            <a:off x="10124208" y="2129010"/>
             <a:ext cx="279560" cy="444973"/>
           </a:xfrm>
           <a:prstGeom prst="roundRect">
@@ -4616,7 +4585,7 @@
         </p:nvCxnSpPr>
         <p:spPr>
           <a:xfrm rot="5400000" flipH="1" flipV="1">
-            <a:off x="5403024" y="1551122"/>
+            <a:off x="10607784" y="1413186"/>
             <a:ext cx="817001" cy="1504593"/>
           </a:xfrm>
           <a:prstGeom prst="bentConnector3">
@@ -4648,7 +4617,7 @@
         </p:nvSpPr>
         <p:spPr>
           <a:xfrm>
-            <a:off x="4601721" y="2266945"/>
+            <a:off x="9806481" y="2129009"/>
             <a:ext cx="279560" cy="1599736"/>
           </a:xfrm>
           <a:prstGeom prst="roundRect">
@@ -4696,7 +4665,7 @@
         </p:nvSpPr>
         <p:spPr>
           <a:xfrm rot="16200000">
-            <a:off x="4009495" y="3087309"/>
+            <a:off x="9214255" y="2949373"/>
             <a:ext cx="1466504" cy="282051"/>
           </a:xfrm>
           <a:prstGeom prst="roundRect">
@@ -4770,13 +4739,6 @@
               </a:rPr>
               <a:t>&gt;</a:t>
             </a:r>
-            <a:endParaRPr lang="en-US" sz="1000" dirty="0">
-              <a:solidFill>
-                <a:srgbClr val="009900"/>
-              </a:solidFill>
-              <a:latin typeface="Consolas" pitchFamily="49" charset="0"/>
-              <a:cs typeface="Consolas" pitchFamily="49" charset="0"/>
-            </a:endParaRPr>
           </a:p>
         </p:txBody>
       </p:sp>
@@ -4788,7 +4750,7 @@
         </p:nvSpPr>
         <p:spPr>
           <a:xfrm>
-            <a:off x="533400" y="5544346"/>
+            <a:off x="304800" y="838200"/>
             <a:ext cx="2062282" cy="346075"/>
           </a:xfrm>
           <a:prstGeom prst="roundRect">
@@ -4851,7 +4813,7 @@
         </p:nvSpPr>
         <p:spPr>
           <a:xfrm>
-            <a:off x="1038248" y="5995512"/>
+            <a:off x="809648" y="1289366"/>
             <a:ext cx="1557435" cy="265812"/>
           </a:xfrm>
           <a:prstGeom prst="roundRect">
@@ -4897,13 +4859,6 @@
               </a:rPr>
               <a:t>Arguments</a:t>
             </a:r>
-            <a:endParaRPr lang="en-US" sz="1200" b="1" dirty="0">
-              <a:solidFill>
-                <a:schemeClr val="tx1"/>
-              </a:solidFill>
-              <a:latin typeface="Consolas" pitchFamily="49" charset="0"/>
-              <a:cs typeface="Consolas" pitchFamily="49" charset="0"/>
-            </a:endParaRPr>
           </a:p>
         </p:txBody>
       </p:sp>
@@ -4915,7 +4870,7 @@
         </p:nvSpPr>
         <p:spPr>
           <a:xfrm>
-            <a:off x="1512400" y="6321552"/>
+            <a:off x="1283800" y="1615406"/>
             <a:ext cx="2221151" cy="243052"/>
           </a:xfrm>
           <a:prstGeom prst="roundRect">
@@ -5011,13 +4966,6 @@
               </a:rPr>
               <a:t>&gt;</a:t>
             </a:r>
-            <a:endParaRPr lang="en-US" sz="1200" b="1" dirty="0">
-              <a:solidFill>
-                <a:schemeClr val="tx1"/>
-              </a:solidFill>
-              <a:latin typeface="Consolas" pitchFamily="49" charset="0"/>
-              <a:cs typeface="Consolas" pitchFamily="49" charset="0"/>
-            </a:endParaRPr>
           </a:p>
         </p:txBody>
       </p:sp>
@@ -5029,7 +4977,7 @@
         </p:nvSpPr>
         <p:spPr>
           <a:xfrm>
-            <a:off x="1512399" y="6617056"/>
+            <a:off x="1283799" y="1910910"/>
             <a:ext cx="2221151" cy="243052"/>
           </a:xfrm>
           <a:prstGeom prst="roundRect">
@@ -5135,13 +5083,6 @@
               </a:rPr>
               <a:t>&gt;</a:t>
             </a:r>
-            <a:endParaRPr lang="en-US" sz="1200" b="1" dirty="0">
-              <a:solidFill>
-                <a:schemeClr val="tx1"/>
-              </a:solidFill>
-              <a:latin typeface="Consolas" pitchFamily="49" charset="0"/>
-              <a:cs typeface="Consolas" pitchFamily="49" charset="0"/>
-            </a:endParaRPr>
           </a:p>
         </p:txBody>
       </p:sp>
@@ -5153,7 +5094,7 @@
         </p:nvSpPr>
         <p:spPr>
           <a:xfrm>
-            <a:off x="1046678" y="6957221"/>
+            <a:off x="818078" y="2251075"/>
             <a:ext cx="1549006" cy="265021"/>
           </a:xfrm>
           <a:prstGeom prst="roundRect">
@@ -5198,13 +5139,6 @@
               </a:rPr>
               <a:t>Statements</a:t>
             </a:r>
-            <a:endParaRPr lang="en-US" sz="1200" b="1" dirty="0">
-              <a:solidFill>
-                <a:schemeClr val="tx1"/>
-              </a:solidFill>
-              <a:latin typeface="Consolas" pitchFamily="49" charset="0"/>
-              <a:cs typeface="Consolas" pitchFamily="49" charset="0"/>
-            </a:endParaRPr>
           </a:p>
         </p:txBody>
       </p:sp>
@@ -5216,7 +5150,7 @@
         </p:nvSpPr>
         <p:spPr>
           <a:xfrm>
-            <a:off x="1534592" y="7297475"/>
+            <a:off x="1305992" y="2591329"/>
             <a:ext cx="3190285" cy="265021"/>
           </a:xfrm>
           <a:prstGeom prst="roundRect">
@@ -5311,13 +5245,6 @@
               </a:rPr>
               <a:t>&gt;</a:t>
             </a:r>
-            <a:endParaRPr lang="en-US" sz="1200" b="1" dirty="0">
-              <a:solidFill>
-                <a:schemeClr val="tx1"/>
-              </a:solidFill>
-              <a:latin typeface="Consolas" pitchFamily="49" charset="0"/>
-              <a:cs typeface="Consolas" pitchFamily="49" charset="0"/>
-            </a:endParaRPr>
           </a:p>
         </p:txBody>
       </p:sp>
@@ -5329,7 +5256,7 @@
         </p:nvSpPr>
         <p:spPr>
           <a:xfrm>
-            <a:off x="2093696" y="7651785"/>
+            <a:off x="1865096" y="2945639"/>
             <a:ext cx="4002304" cy="262161"/>
           </a:xfrm>
           <a:prstGeom prst="roundRect">
@@ -5434,13 +5361,6 @@
               </a:rPr>
               <a:t>&gt;</a:t>
             </a:r>
-            <a:endParaRPr lang="en-US" sz="1200" b="1" dirty="0">
-              <a:solidFill>
-                <a:schemeClr val="tx1"/>
-              </a:solidFill>
-              <a:latin typeface="Consolas" pitchFamily="49" charset="0"/>
-              <a:cs typeface="Consolas" pitchFamily="49" charset="0"/>
-            </a:endParaRPr>
           </a:p>
         </p:txBody>
       </p:sp>
@@ -5452,7 +5372,7 @@
         </p:nvSpPr>
         <p:spPr>
           <a:xfrm>
-            <a:off x="2517044" y="7982746"/>
+            <a:off x="2288444" y="3276600"/>
             <a:ext cx="2435957" cy="243052"/>
           </a:xfrm>
           <a:prstGeom prst="roundRect">
@@ -5548,13 +5468,6 @@
               </a:rPr>
               <a:t>&gt;</a:t>
             </a:r>
-            <a:endParaRPr lang="en-US" sz="1200" b="1" dirty="0">
-              <a:solidFill>
-                <a:schemeClr val="tx1"/>
-              </a:solidFill>
-              <a:latin typeface="Consolas" pitchFamily="49" charset="0"/>
-              <a:cs typeface="Consolas" pitchFamily="49" charset="0"/>
-            </a:endParaRPr>
           </a:p>
         </p:txBody>
       </p:sp>
@@ -5566,7 +5479,7 @@
         </p:nvSpPr>
         <p:spPr>
           <a:xfrm>
-            <a:off x="2503726" y="8596148"/>
+            <a:off x="2275126" y="3890002"/>
             <a:ext cx="2449274" cy="243052"/>
           </a:xfrm>
           <a:prstGeom prst="roundRect">
@@ -5662,13 +5575,6 @@
               </a:rPr>
               <a:t>&gt;</a:t>
             </a:r>
-            <a:endParaRPr lang="en-US" sz="1200" b="1" dirty="0">
-              <a:solidFill>
-                <a:schemeClr val="tx1"/>
-              </a:solidFill>
-              <a:latin typeface="Consolas" pitchFamily="49" charset="0"/>
-              <a:cs typeface="Consolas" pitchFamily="49" charset="0"/>
-            </a:endParaRPr>
           </a:p>
         </p:txBody>
       </p:sp>
@@ -5680,7 +5586,7 @@
         </p:nvSpPr>
         <p:spPr>
           <a:xfrm>
-            <a:off x="2517043" y="8282964"/>
+            <a:off x="2288443" y="3576818"/>
             <a:ext cx="3578957" cy="243052"/>
           </a:xfrm>
           <a:prstGeom prst="roundRect">
@@ -5775,13 +5681,6 @@
               </a:rPr>
               <a:t>&gt;</a:t>
             </a:r>
-            <a:endParaRPr lang="en-US" sz="1200" b="1" dirty="0">
-              <a:solidFill>
-                <a:schemeClr val="tx1"/>
-              </a:solidFill>
-              <a:latin typeface="Consolas" pitchFamily="49" charset="0"/>
-              <a:cs typeface="Consolas" pitchFamily="49" charset="0"/>
-            </a:endParaRPr>
           </a:p>
         </p:txBody>
       </p:sp>
@@ -5795,7 +5694,7 @@
         </p:nvCxnSpPr>
         <p:spPr>
           <a:xfrm rot="16200000" flipH="1">
-            <a:off x="1282655" y="6213331"/>
+            <a:off x="1054055" y="1507185"/>
             <a:ext cx="237997" cy="221494"/>
           </a:xfrm>
           <a:prstGeom prst="bentConnector2">
@@ -5827,7 +5726,7 @@
         </p:nvCxnSpPr>
         <p:spPr>
           <a:xfrm rot="16200000" flipH="1">
-            <a:off x="1163026" y="6389209"/>
+            <a:off x="934426" y="1683063"/>
             <a:ext cx="477255" cy="221491"/>
           </a:xfrm>
           <a:prstGeom prst="bentConnector2">
@@ -5859,7 +5758,7 @@
         </p:nvCxnSpPr>
         <p:spPr>
           <a:xfrm rot="16200000" flipH="1">
-            <a:off x="338639" y="6381694"/>
+            <a:off x="110039" y="1675548"/>
             <a:ext cx="1186891" cy="229184"/>
           </a:xfrm>
           <a:prstGeom prst="bentConnector2">
@@ -5896,7 +5795,7 @@
         </p:nvCxnSpPr>
         <p:spPr>
           <a:xfrm>
-            <a:off x="1313099" y="7222243"/>
+            <a:off x="1084499" y="2516097"/>
             <a:ext cx="221493" cy="207743"/>
           </a:xfrm>
           <a:prstGeom prst="bentConnector3">
@@ -5935,7 +5834,7 @@
         </p:nvCxnSpPr>
         <p:spPr>
           <a:xfrm>
-            <a:off x="1866139" y="7562497"/>
+            <a:off x="1637539" y="2856351"/>
             <a:ext cx="227556" cy="220369"/>
           </a:xfrm>
           <a:prstGeom prst="bentConnector3">
@@ -5974,7 +5873,7 @@
         </p:nvCxnSpPr>
         <p:spPr>
           <a:xfrm>
-            <a:off x="2276171" y="7913944"/>
+            <a:off x="2047571" y="3207798"/>
             <a:ext cx="240873" cy="190328"/>
           </a:xfrm>
           <a:prstGeom prst="bentConnector3">
@@ -6008,7 +5907,7 @@
         </p:nvCxnSpPr>
         <p:spPr>
           <a:xfrm rot="16200000" flipH="1">
-            <a:off x="2151331" y="8038781"/>
+            <a:off x="1922731" y="3332635"/>
             <a:ext cx="490547" cy="240872"/>
           </a:xfrm>
           <a:prstGeom prst="bentConnector2">
@@ -6045,7 +5944,7 @@
         </p:nvCxnSpPr>
         <p:spPr>
           <a:xfrm rot="16200000" flipH="1">
-            <a:off x="1988685" y="8202636"/>
+            <a:off x="1760085" y="3496490"/>
             <a:ext cx="803731" cy="226347"/>
           </a:xfrm>
           <a:prstGeom prst="bentConnector2">
@@ -6077,7 +5976,7 @@
         </p:nvCxnSpPr>
         <p:spPr>
           <a:xfrm rot="16200000" flipH="1">
-            <a:off x="808500" y="5898674"/>
+            <a:off x="579900" y="1192528"/>
             <a:ext cx="237999" cy="221494"/>
           </a:xfrm>
           <a:prstGeom prst="bentConnector2">
@@ -6107,7 +6006,7 @@
         </p:nvSpPr>
         <p:spPr>
           <a:xfrm>
-            <a:off x="846713" y="7647442"/>
+            <a:off x="618113" y="2941296"/>
             <a:ext cx="1134534" cy="205763"/>
           </a:xfrm>
           <a:prstGeom prst="roundRect">
@@ -6169,7 +6068,7 @@
         </p:nvSpPr>
         <p:spPr>
           <a:xfrm>
-            <a:off x="1295052" y="7991554"/>
+            <a:off x="1066452" y="3285408"/>
             <a:ext cx="1045510" cy="205763"/>
           </a:xfrm>
           <a:prstGeom prst="roundRect">
@@ -6215,15 +6114,6 @@
               </a:rPr>
               <a:t>Left</a:t>
             </a:r>
-            <a:endParaRPr lang="en-US" sz="1000" dirty="0">
-              <a:solidFill>
-                <a:schemeClr val="accent6">
-                  <a:lumMod val="75000"/>
-                </a:schemeClr>
-              </a:solidFill>
-              <a:latin typeface="Consolas" pitchFamily="49" charset="0"/>
-              <a:cs typeface="Consolas" pitchFamily="49" charset="0"/>
-            </a:endParaRPr>
           </a:p>
         </p:txBody>
       </p:sp>
@@ -6235,7 +6125,7 @@
         </p:nvSpPr>
         <p:spPr>
           <a:xfrm>
-            <a:off x="1288923" y="8597357"/>
+            <a:off x="1060323" y="3891211"/>
             <a:ext cx="1045510" cy="205763"/>
           </a:xfrm>
           <a:prstGeom prst="roundRect">
@@ -6281,15 +6171,6 @@
               </a:rPr>
               <a:t>Right</a:t>
             </a:r>
-            <a:endParaRPr lang="en-US" sz="1000" dirty="0">
-              <a:solidFill>
-                <a:schemeClr val="accent6">
-                  <a:lumMod val="75000"/>
-                </a:schemeClr>
-              </a:solidFill>
-              <a:latin typeface="Consolas" pitchFamily="49" charset="0"/>
-              <a:cs typeface="Consolas" pitchFamily="49" charset="0"/>
-            </a:endParaRPr>
           </a:p>
         </p:txBody>
       </p:sp>
@@ -6301,7 +6182,7 @@
         </p:nvSpPr>
         <p:spPr>
           <a:xfrm>
-            <a:off x="1288923" y="8301608"/>
+            <a:off x="1060323" y="3595462"/>
             <a:ext cx="1045510" cy="205763"/>
           </a:xfrm>
           <a:prstGeom prst="roundRect">
@@ -6345,93 +6226,6 @@
               </a:rPr>
               <a:t>Operator</a:t>
             </a:r>
-            <a:endParaRPr lang="en-US" sz="1000" dirty="0">
-              <a:solidFill>
-                <a:srgbClr val="009900"/>
-              </a:solidFill>
-              <a:latin typeface="Consolas" pitchFamily="49" charset="0"/>
-              <a:cs typeface="Consolas" pitchFamily="49" charset="0"/>
-            </a:endParaRPr>
-          </a:p>
-        </p:txBody>
-      </p:sp>
-      <p:sp>
-        <p:nvSpPr>
-          <p:cNvPr id="5" name="TextBox 4"/>
-          <p:cNvSpPr txBox="1"/>
-          <p:nvPr/>
-        </p:nvSpPr>
-        <p:spPr>
-          <a:xfrm>
-            <a:off x="10439400" y="5812455"/>
-            <a:ext cx="2057400" cy="1523367"/>
-          </a:xfrm>
-          <a:prstGeom prst="rect">
-            <a:avLst/>
-          </a:prstGeom>
-          <a:noFill/>
-        </p:spPr>
-        <p:txBody>
-          <a:bodyPr wrap="none" rtlCol="0" anchor="ctr" anchorCtr="0">
-            <a:noAutofit/>
-          </a:bodyPr>
-          <a:lstStyle/>
-          <a:p>
-            <a:pPr>
-              <a:lnSpc>
-                <a:spcPct val="150000"/>
-              </a:lnSpc>
-            </a:pPr>
-            <a:r>
-              <a:rPr lang="en-US" sz="1400" b="1" dirty="0" smtClean="0">
-                <a:latin typeface="Consolas" pitchFamily="49" charset="0"/>
-                <a:cs typeface="Consolas" pitchFamily="49" charset="0"/>
-              </a:rPr>
-              <a:t>ldarg.1</a:t>
-            </a:r>
-            <a:br>
-              <a:rPr lang="en-US" sz="1400" b="1" dirty="0" smtClean="0">
-                <a:latin typeface="Consolas" pitchFamily="49" charset="0"/>
-                <a:cs typeface="Consolas" pitchFamily="49" charset="0"/>
-              </a:rPr>
-            </a:br>
-            <a:r>
-              <a:rPr lang="en-US" sz="1400" b="1" dirty="0" smtClean="0">
-                <a:latin typeface="Consolas" pitchFamily="49" charset="0"/>
-                <a:cs typeface="Consolas" pitchFamily="49" charset="0"/>
-              </a:rPr>
-              <a:t>ldarg.2</a:t>
-            </a:r>
-            <a:br>
-              <a:rPr lang="en-US" sz="1400" b="1" dirty="0" smtClean="0">
-                <a:latin typeface="Consolas" pitchFamily="49" charset="0"/>
-                <a:cs typeface="Consolas" pitchFamily="49" charset="0"/>
-              </a:rPr>
-            </a:br>
-            <a:r>
-              <a:rPr lang="en-US" sz="1400" b="1" dirty="0" smtClean="0">
-                <a:latin typeface="Consolas" pitchFamily="49" charset="0"/>
-                <a:cs typeface="Consolas" pitchFamily="49" charset="0"/>
-              </a:rPr>
-              <a:t>add</a:t>
-            </a:r>
-            <a:br>
-              <a:rPr lang="en-US" sz="1400" b="1" dirty="0" smtClean="0">
-                <a:latin typeface="Consolas" pitchFamily="49" charset="0"/>
-                <a:cs typeface="Consolas" pitchFamily="49" charset="0"/>
-              </a:rPr>
-            </a:br>
-            <a:r>
-              <a:rPr lang="en-US" sz="1400" b="1" dirty="0" smtClean="0">
-                <a:latin typeface="Consolas" pitchFamily="49" charset="0"/>
-                <a:cs typeface="Consolas" pitchFamily="49" charset="0"/>
-              </a:rPr>
-              <a:t>ret</a:t>
-            </a:r>
-            <a:endParaRPr lang="en-US" sz="1400" b="1" dirty="0">
-              <a:latin typeface="Consolas" pitchFamily="49" charset="0"/>
-              <a:cs typeface="Consolas" pitchFamily="49" charset="0"/>
-            </a:endParaRPr>
           </a:p>
         </p:txBody>
       </p:sp>
@@ -6444,14 +6238,14 @@
           <p:nvPr>
             <p:extLst>
               <p:ext uri="{D42A27DB-BD31-4B8C-83A1-F6EECF244321}">
-                <p14:modId xmlns:p14="http://schemas.microsoft.com/office/powerpoint/2010/main" val="3823945302"/>
+                <p14:modId xmlns:p14="http://schemas.microsoft.com/office/powerpoint/2010/main" val="498051202"/>
               </p:ext>
             </p:extLst>
           </p:nvPr>
         </p:nvGraphicFramePr>
         <p:xfrm>
-          <a:off x="6906720" y="5148807"/>
-          <a:ext cx="1828800" cy="2225040"/>
+          <a:off x="304800" y="4831080"/>
+          <a:ext cx="9677400" cy="3276600"/>
         </p:xfrm>
         <a:graphic>
           <a:graphicData uri="http://schemas.openxmlformats.org/drawingml/2006/table">
@@ -6460,20 +6254,22 @@
                 <a:tableStyleId>{BC89EF96-8CEA-46FF-86C4-4CE0E7609802}</a:tableStyleId>
               </a:tblPr>
               <a:tblGrid>
-                <a:gridCol w="914400"/>
+                <a:gridCol w="381000"/>
+                <a:gridCol w="7391400"/>
+                <a:gridCol w="990600"/>
                 <a:gridCol w="914400"/>
               </a:tblGrid>
-              <a:tr h="370840">
+              <a:tr h="213360">
                 <a:tc>
                   <a:txBody>
                     <a:bodyPr/>
                     <a:lstStyle/>
                     <a:p>
                       <a:r>
-                        <a:rPr lang="en-US" sz="1200" dirty="0" smtClean="0"/>
-                        <a:t>Object</a:t>
-                      </a:r>
-                      <a:endParaRPr lang="en-US" sz="1200" dirty="0"/>
+                        <a:rPr lang="en-US" sz="1100" dirty="0" smtClean="0"/>
+                        <a:t>#</a:t>
+                      </a:r>
+                      <a:endParaRPr lang="en-US" sz="1100" dirty="0"/>
                     </a:p>
                   </a:txBody>
                   <a:tcPr/>
@@ -6484,22 +6280,10 @@
                     <a:lstStyle/>
                     <a:p>
                       <a:r>
-                        <a:rPr lang="en-US" sz="1200" dirty="0" smtClean="0"/>
-                        <a:t>Method</a:t>
-                      </a:r>
-                      <a:endParaRPr lang="en-US" sz="1200" dirty="0"/>
-                    </a:p>
-                  </a:txBody>
-                  <a:tcPr/>
-                </a:tc>
-              </a:tr>
-              <a:tr h="370840">
-                <a:tc>
-                  <a:txBody>
-                    <a:bodyPr/>
-                    <a:lstStyle/>
-                    <a:p>
-                      <a:endParaRPr lang="en-US" sz="1200" dirty="0"/>
+                        <a:rPr lang="en-US" sz="1100" dirty="0" smtClean="0"/>
+                        <a:t>Object</a:t>
+                      </a:r>
+                      <a:endParaRPr lang="en-US" sz="1100" dirty="0"/>
                     </a:p>
                   </a:txBody>
                   <a:tcPr/>
@@ -6509,19 +6293,11 @@
                     <a:bodyPr/>
                     <a:lstStyle/>
                     <a:p>
-                      <a:endParaRPr lang="en-US" sz="1200"/>
-                    </a:p>
-                  </a:txBody>
-                  <a:tcPr/>
-                </a:tc>
-              </a:tr>
-              <a:tr h="370840">
-                <a:tc>
-                  <a:txBody>
-                    <a:bodyPr/>
-                    <a:lstStyle/>
-                    <a:p>
-                      <a:endParaRPr lang="en-US" sz="1200"/>
+                      <a:r>
+                        <a:rPr lang="en-US" sz="1100" dirty="0" smtClean="0"/>
+                        <a:t>Emit Action</a:t>
+                      </a:r>
+                      <a:endParaRPr lang="en-US" sz="1100" dirty="0"/>
                     </a:p>
                   </a:txBody>
                   <a:tcPr/>
@@ -6531,19 +6307,39 @@
                     <a:bodyPr/>
                     <a:lstStyle/>
                     <a:p>
-                      <a:endParaRPr lang="en-US" sz="1200"/>
+                      <a:r>
+                        <a:rPr lang="en-US" sz="1100" dirty="0" smtClean="0"/>
+                        <a:t>Emitted IL</a:t>
+                      </a:r>
+                      <a:endParaRPr lang="en-US" sz="1100" dirty="0"/>
                     </a:p>
                   </a:txBody>
                   <a:tcPr/>
                 </a:tc>
               </a:tr>
-              <a:tr h="370840">
+              <a:tr h="274320">
                 <a:tc>
                   <a:txBody>
                     <a:bodyPr/>
                     <a:lstStyle/>
                     <a:p>
-                      <a:endParaRPr lang="en-US" sz="1200"/>
+                      <a:r>
+                        <a:rPr lang="en-US" sz="1100" b="0" dirty="0" smtClean="0">
+                          <a:solidFill>
+                            <a:schemeClr val="tx1"/>
+                          </a:solidFill>
+                          <a:latin typeface="+mj-lt"/>
+                          <a:cs typeface="Consolas" pitchFamily="49" charset="0"/>
+                        </a:rPr>
+                        <a:t>1</a:t>
+                      </a:r>
+                      <a:endParaRPr lang="en-US" sz="1100" b="0" dirty="0">
+                        <a:solidFill>
+                          <a:schemeClr val="tx1"/>
+                        </a:solidFill>
+                        <a:latin typeface="+mj-lt"/>
+                        <a:cs typeface="Consolas" pitchFamily="49" charset="0"/>
+                      </a:endParaRPr>
                     </a:p>
                   </a:txBody>
                   <a:tcPr/>
@@ -6553,19 +6349,23 @@
                     <a:bodyPr/>
                     <a:lstStyle/>
                     <a:p>
-                      <a:endParaRPr lang="en-US" sz="1200"/>
-                    </a:p>
-                  </a:txBody>
-                  <a:tcPr/>
-                </a:tc>
-              </a:tr>
-              <a:tr h="370840">
-                <a:tc>
-                  <a:txBody>
-                    <a:bodyPr/>
-                    <a:lstStyle/>
-                    <a:p>
-                      <a:endParaRPr lang="en-US" sz="1200"/>
+                      <a:r>
+                        <a:rPr lang="en-US" sz="1100" b="0" dirty="0" err="1" smtClean="0">
+                          <a:solidFill>
+                            <a:srgbClr val="C00000"/>
+                          </a:solidFill>
+                          <a:latin typeface="Consolas" pitchFamily="49" charset="0"/>
+                          <a:cs typeface="Consolas" pitchFamily="49" charset="0"/>
+                        </a:rPr>
+                        <a:t>HappilMethod</a:t>
+                      </a:r>
+                      <a:endParaRPr lang="en-US" sz="1100" b="0" dirty="0">
+                        <a:solidFill>
+                          <a:srgbClr val="C00000"/>
+                        </a:solidFill>
+                        <a:latin typeface="Consolas" pitchFamily="49" charset="0"/>
+                        <a:cs typeface="Consolas" pitchFamily="49" charset="0"/>
+                      </a:endParaRPr>
                     </a:p>
                   </a:txBody>
                   <a:tcPr/>
@@ -6575,19 +6375,17 @@
                     <a:bodyPr/>
                     <a:lstStyle/>
                     <a:p>
-                      <a:endParaRPr lang="en-US" sz="1200"/>
-                    </a:p>
-                  </a:txBody>
-                  <a:tcPr/>
-                </a:tc>
-              </a:tr>
-              <a:tr h="370840">
-                <a:tc>
-                  <a:txBody>
-                    <a:bodyPr/>
-                    <a:lstStyle/>
-                    <a:p>
-                      <a:endParaRPr lang="en-US" sz="1200" dirty="0"/>
+                      <a:r>
+                        <a:rPr lang="en-US" sz="1100" b="0" dirty="0" err="1" smtClean="0">
+                          <a:latin typeface="Consolas" pitchFamily="49" charset="0"/>
+                          <a:cs typeface="Consolas" pitchFamily="49" charset="0"/>
+                        </a:rPr>
+                        <a:t>EmitBody</a:t>
+                      </a:r>
+                      <a:endParaRPr lang="en-US" sz="1100" b="0" dirty="0">
+                        <a:latin typeface="Consolas" pitchFamily="49" charset="0"/>
+                        <a:cs typeface="Consolas" pitchFamily="49" charset="0"/>
+                      </a:endParaRPr>
                     </a:p>
                   </a:txBody>
                   <a:tcPr/>
@@ -6597,7 +6395,2061 @@
                     <a:bodyPr/>
                     <a:lstStyle/>
                     <a:p>
-                      <a:endParaRPr lang="en-US" sz="1200" dirty="0"/>
+                      <a:r>
+                        <a:rPr lang="en-US" sz="1100" b="1" dirty="0" smtClean="0">
+                          <a:latin typeface="Consolas" pitchFamily="49" charset="0"/>
+                          <a:cs typeface="Consolas" pitchFamily="49" charset="0"/>
+                        </a:rPr>
+                        <a:t>-</a:t>
+                      </a:r>
+                      <a:endParaRPr lang="en-US" sz="1100" b="1" dirty="0">
+                        <a:latin typeface="Consolas" pitchFamily="49" charset="0"/>
+                        <a:cs typeface="Consolas" pitchFamily="49" charset="0"/>
+                      </a:endParaRPr>
+                    </a:p>
+                  </a:txBody>
+                  <a:tcPr/>
+                </a:tc>
+              </a:tr>
+              <a:tr h="274320">
+                <a:tc>
+                  <a:txBody>
+                    <a:bodyPr/>
+                    <a:lstStyle/>
+                    <a:p>
+                      <a:pPr lvl="0"/>
+                      <a:r>
+                        <a:rPr lang="en-US" sz="1100" b="0" dirty="0" smtClean="0">
+                          <a:solidFill>
+                            <a:schemeClr val="tx1"/>
+                          </a:solidFill>
+                          <a:latin typeface="+mj-lt"/>
+                          <a:cs typeface="Consolas" pitchFamily="49" charset="0"/>
+                        </a:rPr>
+                        <a:t>2</a:t>
+                      </a:r>
+                      <a:endParaRPr lang="en-US" sz="1100" b="0" dirty="0">
+                        <a:solidFill>
+                          <a:schemeClr val="tx1"/>
+                        </a:solidFill>
+                        <a:latin typeface="+mj-lt"/>
+                        <a:cs typeface="Consolas" pitchFamily="49" charset="0"/>
+                      </a:endParaRPr>
+                    </a:p>
+                  </a:txBody>
+                  <a:tcPr/>
+                </a:tc>
+                <a:tc>
+                  <a:txBody>
+                    <a:bodyPr/>
+                    <a:lstStyle/>
+                    <a:p>
+                      <a:pPr lvl="1"/>
+                      <a:r>
+                        <a:rPr lang="en-US" sz="1100" b="0" dirty="0" smtClean="0">
+                          <a:latin typeface="Consolas" pitchFamily="49" charset="0"/>
+                          <a:cs typeface="Consolas" pitchFamily="49" charset="0"/>
+                        </a:rPr>
+                        <a:t>Statements[0] : </a:t>
+                      </a:r>
+                      <a:r>
+                        <a:rPr lang="en-US" sz="1100" b="0" dirty="0" err="1" smtClean="0">
+                          <a:solidFill>
+                            <a:schemeClr val="bg1">
+                              <a:lumMod val="65000"/>
+                            </a:schemeClr>
+                          </a:solidFill>
+                          <a:latin typeface="Consolas" pitchFamily="49" charset="0"/>
+                          <a:cs typeface="Consolas" pitchFamily="49" charset="0"/>
+                        </a:rPr>
+                        <a:t>IHappilStatement</a:t>
+                      </a:r>
+                      <a:r>
+                        <a:rPr lang="en-US" sz="1100" b="0" dirty="0" smtClean="0">
+                          <a:solidFill>
+                            <a:schemeClr val="bg1">
+                              <a:lumMod val="65000"/>
+                            </a:schemeClr>
+                          </a:solidFill>
+                          <a:latin typeface="Consolas" pitchFamily="49" charset="0"/>
+                          <a:cs typeface="Consolas" pitchFamily="49" charset="0"/>
+                        </a:rPr>
+                        <a:t> </a:t>
+                      </a:r>
+                      <a:r>
+                        <a:rPr lang="en-US" sz="1100" b="0" dirty="0" smtClean="0">
+                          <a:solidFill>
+                            <a:schemeClr val="tx1">
+                              <a:lumMod val="50000"/>
+                              <a:lumOff val="50000"/>
+                            </a:schemeClr>
+                          </a:solidFill>
+                          <a:latin typeface="Consolas" pitchFamily="49" charset="0"/>
+                          <a:cs typeface="Consolas" pitchFamily="49" charset="0"/>
+                        </a:rPr>
+                        <a:t>{</a:t>
+                      </a:r>
+                      <a:r>
+                        <a:rPr lang="en-US" sz="1100" b="0" dirty="0" smtClean="0">
+                          <a:solidFill>
+                            <a:srgbClr val="C00000"/>
+                          </a:solidFill>
+                          <a:latin typeface="Consolas" pitchFamily="49" charset="0"/>
+                          <a:cs typeface="Consolas" pitchFamily="49" charset="0"/>
+                        </a:rPr>
+                        <a:t> </a:t>
+                      </a:r>
+                      <a:r>
+                        <a:rPr lang="en-US" sz="1100" b="0" dirty="0" err="1" smtClean="0">
+                          <a:solidFill>
+                            <a:srgbClr val="C00000"/>
+                          </a:solidFill>
+                          <a:latin typeface="Consolas" pitchFamily="49" charset="0"/>
+                          <a:cs typeface="Consolas" pitchFamily="49" charset="0"/>
+                        </a:rPr>
+                        <a:t>ReturnStatement</a:t>
+                      </a:r>
+                      <a:r>
+                        <a:rPr lang="en-US" sz="1100" b="0" dirty="0" smtClean="0">
+                          <a:solidFill>
+                            <a:srgbClr val="C00000"/>
+                          </a:solidFill>
+                          <a:latin typeface="Consolas" pitchFamily="49" charset="0"/>
+                          <a:cs typeface="Consolas" pitchFamily="49" charset="0"/>
+                        </a:rPr>
+                        <a:t> </a:t>
+                      </a:r>
+                      <a:r>
+                        <a:rPr lang="en-US" sz="1100" b="0" dirty="0" smtClean="0">
+                          <a:solidFill>
+                            <a:schemeClr val="tx1">
+                              <a:lumMod val="50000"/>
+                              <a:lumOff val="50000"/>
+                            </a:schemeClr>
+                          </a:solidFill>
+                          <a:latin typeface="Consolas" pitchFamily="49" charset="0"/>
+                          <a:cs typeface="Consolas" pitchFamily="49" charset="0"/>
+                        </a:rPr>
+                        <a:t>}</a:t>
+                      </a:r>
+                      <a:endParaRPr lang="en-US" sz="1100" b="0" dirty="0">
+                        <a:solidFill>
+                          <a:schemeClr val="tx1">
+                            <a:lumMod val="50000"/>
+                            <a:lumOff val="50000"/>
+                          </a:schemeClr>
+                        </a:solidFill>
+                        <a:latin typeface="Consolas" pitchFamily="49" charset="0"/>
+                        <a:cs typeface="Consolas" pitchFamily="49" charset="0"/>
+                      </a:endParaRPr>
+                    </a:p>
+                  </a:txBody>
+                  <a:tcPr/>
+                </a:tc>
+                <a:tc>
+                  <a:txBody>
+                    <a:bodyPr/>
+                    <a:lstStyle/>
+                    <a:p>
+                      <a:r>
+                        <a:rPr lang="en-US" sz="1100" b="0" dirty="0" smtClean="0">
+                          <a:latin typeface="Consolas" pitchFamily="49" charset="0"/>
+                          <a:cs typeface="Consolas" pitchFamily="49" charset="0"/>
+                        </a:rPr>
+                        <a:t>Emit </a:t>
+                      </a:r>
+                      <a:endParaRPr lang="en-US" sz="1100" b="0" dirty="0">
+                        <a:latin typeface="Consolas" pitchFamily="49" charset="0"/>
+                        <a:cs typeface="Consolas" pitchFamily="49" charset="0"/>
+                      </a:endParaRPr>
+                    </a:p>
+                  </a:txBody>
+                  <a:tcPr/>
+                </a:tc>
+                <a:tc>
+                  <a:txBody>
+                    <a:bodyPr/>
+                    <a:lstStyle/>
+                    <a:p>
+                      <a:r>
+                        <a:rPr lang="en-US" sz="1100" b="1" dirty="0" smtClean="0">
+                          <a:latin typeface="Consolas" pitchFamily="49" charset="0"/>
+                          <a:cs typeface="Consolas" pitchFamily="49" charset="0"/>
+                        </a:rPr>
+                        <a:t>-</a:t>
+                      </a:r>
+                      <a:endParaRPr lang="en-US" sz="1100" b="1" dirty="0">
+                        <a:latin typeface="Consolas" pitchFamily="49" charset="0"/>
+                        <a:cs typeface="Consolas" pitchFamily="49" charset="0"/>
+                      </a:endParaRPr>
+                    </a:p>
+                  </a:txBody>
+                  <a:tcPr/>
+                </a:tc>
+              </a:tr>
+              <a:tr h="274320">
+                <a:tc>
+                  <a:txBody>
+                    <a:bodyPr/>
+                    <a:lstStyle/>
+                    <a:p>
+                      <a:pPr lvl="0"/>
+                      <a:r>
+                        <a:rPr lang="en-US" sz="1100" b="0" dirty="0" smtClean="0">
+                          <a:solidFill>
+                            <a:schemeClr val="tx1"/>
+                          </a:solidFill>
+                          <a:latin typeface="+mj-lt"/>
+                          <a:cs typeface="Consolas" pitchFamily="49" charset="0"/>
+                        </a:rPr>
+                        <a:t>3</a:t>
+                      </a:r>
+                      <a:endParaRPr lang="en-US" sz="1100" b="0" dirty="0">
+                        <a:solidFill>
+                          <a:schemeClr val="tx1"/>
+                        </a:solidFill>
+                        <a:latin typeface="+mj-lt"/>
+                        <a:cs typeface="Consolas" pitchFamily="49" charset="0"/>
+                      </a:endParaRPr>
+                    </a:p>
+                  </a:txBody>
+                  <a:tcPr/>
+                </a:tc>
+                <a:tc>
+                  <a:txBody>
+                    <a:bodyPr/>
+                    <a:lstStyle/>
+                    <a:p>
+                      <a:pPr lvl="2"/>
+                      <a:r>
+                        <a:rPr lang="en-US" sz="1100" b="0" dirty="0" err="1" smtClean="0">
+                          <a:latin typeface="Consolas" pitchFamily="49" charset="0"/>
+                          <a:cs typeface="Consolas" pitchFamily="49" charset="0"/>
+                        </a:rPr>
+                        <a:t>ReturnValue</a:t>
+                      </a:r>
+                      <a:r>
+                        <a:rPr lang="en-US" sz="1100" b="0" dirty="0" smtClean="0">
+                          <a:latin typeface="Consolas" pitchFamily="49" charset="0"/>
+                          <a:cs typeface="Consolas" pitchFamily="49" charset="0"/>
+                        </a:rPr>
+                        <a:t> : </a:t>
+                      </a:r>
+                      <a:r>
+                        <a:rPr lang="en-US" sz="1100" b="0" dirty="0" err="1" smtClean="0">
+                          <a:solidFill>
+                            <a:schemeClr val="bg1">
+                              <a:lumMod val="65000"/>
+                            </a:schemeClr>
+                          </a:solidFill>
+                          <a:latin typeface="Consolas" pitchFamily="49" charset="0"/>
+                          <a:cs typeface="Consolas" pitchFamily="49" charset="0"/>
+                        </a:rPr>
+                        <a:t>IHappilOperand</a:t>
+                      </a:r>
+                      <a:r>
+                        <a:rPr lang="en-US" sz="1100" b="0" dirty="0" smtClean="0">
+                          <a:solidFill>
+                            <a:schemeClr val="bg1">
+                              <a:lumMod val="65000"/>
+                            </a:schemeClr>
+                          </a:solidFill>
+                          <a:latin typeface="Consolas" pitchFamily="49" charset="0"/>
+                          <a:cs typeface="Consolas" pitchFamily="49" charset="0"/>
+                        </a:rPr>
+                        <a:t>&lt;</a:t>
+                      </a:r>
+                      <a:r>
+                        <a:rPr lang="en-US" sz="1100" b="0" dirty="0" err="1" smtClean="0">
+                          <a:solidFill>
+                            <a:schemeClr val="bg1">
+                              <a:lumMod val="65000"/>
+                            </a:schemeClr>
+                          </a:solidFill>
+                          <a:latin typeface="Consolas" pitchFamily="49" charset="0"/>
+                          <a:cs typeface="Consolas" pitchFamily="49" charset="0"/>
+                        </a:rPr>
+                        <a:t>int</a:t>
+                      </a:r>
+                      <a:r>
+                        <a:rPr lang="en-US" sz="1100" b="0" dirty="0" smtClean="0">
+                          <a:solidFill>
+                            <a:schemeClr val="bg1">
+                              <a:lumMod val="65000"/>
+                            </a:schemeClr>
+                          </a:solidFill>
+                          <a:latin typeface="Consolas" pitchFamily="49" charset="0"/>
+                          <a:cs typeface="Consolas" pitchFamily="49" charset="0"/>
+                        </a:rPr>
+                        <a:t>&gt;</a:t>
+                      </a:r>
+                      <a:r>
+                        <a:rPr lang="en-US" sz="1100" b="0" baseline="0" dirty="0" smtClean="0">
+                          <a:solidFill>
+                            <a:schemeClr val="bg1">
+                              <a:lumMod val="65000"/>
+                            </a:schemeClr>
+                          </a:solidFill>
+                          <a:latin typeface="Consolas" pitchFamily="49" charset="0"/>
+                          <a:cs typeface="Consolas" pitchFamily="49" charset="0"/>
+                        </a:rPr>
+                        <a:t> </a:t>
+                      </a:r>
+                      <a:r>
+                        <a:rPr lang="en-US" sz="1100" b="0" baseline="0" dirty="0" smtClean="0">
+                          <a:solidFill>
+                            <a:schemeClr val="tx1">
+                              <a:lumMod val="50000"/>
+                              <a:lumOff val="50000"/>
+                            </a:schemeClr>
+                          </a:solidFill>
+                          <a:latin typeface="Consolas" pitchFamily="49" charset="0"/>
+                          <a:cs typeface="Consolas" pitchFamily="49" charset="0"/>
+                        </a:rPr>
+                        <a:t>{</a:t>
+                      </a:r>
+                      <a:r>
+                        <a:rPr lang="en-US" sz="1100" b="0" baseline="0" dirty="0" smtClean="0">
+                          <a:solidFill>
+                            <a:srgbClr val="C00000"/>
+                          </a:solidFill>
+                          <a:latin typeface="Consolas" pitchFamily="49" charset="0"/>
+                          <a:cs typeface="Consolas" pitchFamily="49" charset="0"/>
+                        </a:rPr>
+                        <a:t> </a:t>
+                      </a:r>
+                      <a:r>
+                        <a:rPr lang="en-US" sz="1100" b="0" dirty="0" err="1" smtClean="0">
+                          <a:solidFill>
+                            <a:srgbClr val="C00000"/>
+                          </a:solidFill>
+                          <a:latin typeface="Consolas" pitchFamily="49" charset="0"/>
+                          <a:cs typeface="Consolas" pitchFamily="49" charset="0"/>
+                        </a:rPr>
+                        <a:t>HappilBinaryExpression</a:t>
+                      </a:r>
+                      <a:r>
+                        <a:rPr lang="en-US" sz="1100" b="0" dirty="0" smtClean="0">
+                          <a:solidFill>
+                            <a:srgbClr val="C00000"/>
+                          </a:solidFill>
+                          <a:latin typeface="Consolas" pitchFamily="49" charset="0"/>
+                          <a:cs typeface="Consolas" pitchFamily="49" charset="0"/>
+                        </a:rPr>
+                        <a:t>&lt;</a:t>
+                      </a:r>
+                      <a:r>
+                        <a:rPr lang="en-US" sz="1100" b="0" dirty="0" err="1" smtClean="0">
+                          <a:solidFill>
+                            <a:srgbClr val="C00000"/>
+                          </a:solidFill>
+                          <a:latin typeface="Consolas" pitchFamily="49" charset="0"/>
+                          <a:cs typeface="Consolas" pitchFamily="49" charset="0"/>
+                        </a:rPr>
+                        <a:t>int,</a:t>
+                      </a:r>
+                      <a:r>
+                        <a:rPr lang="en-US" sz="1100" b="0" baseline="0" dirty="0" err="1" smtClean="0">
+                          <a:solidFill>
+                            <a:srgbClr val="C00000"/>
+                          </a:solidFill>
+                          <a:latin typeface="Consolas" pitchFamily="49" charset="0"/>
+                          <a:cs typeface="Consolas" pitchFamily="49" charset="0"/>
+                        </a:rPr>
+                        <a:t>int,int</a:t>
+                      </a:r>
+                      <a:r>
+                        <a:rPr lang="en-US" sz="1100" b="0" baseline="0" dirty="0" smtClean="0">
+                          <a:solidFill>
+                            <a:srgbClr val="C00000"/>
+                          </a:solidFill>
+                          <a:latin typeface="Consolas" pitchFamily="49" charset="0"/>
+                          <a:cs typeface="Consolas" pitchFamily="49" charset="0"/>
+                        </a:rPr>
+                        <a:t>&gt; </a:t>
+                      </a:r>
+                      <a:r>
+                        <a:rPr lang="en-US" sz="1100" b="0" baseline="0" dirty="0" smtClean="0">
+                          <a:solidFill>
+                            <a:schemeClr val="tx1">
+                              <a:lumMod val="50000"/>
+                              <a:lumOff val="50000"/>
+                            </a:schemeClr>
+                          </a:solidFill>
+                          <a:latin typeface="Consolas" pitchFamily="49" charset="0"/>
+                          <a:cs typeface="Consolas" pitchFamily="49" charset="0"/>
+                        </a:rPr>
+                        <a:t>}</a:t>
+                      </a:r>
+                      <a:endParaRPr lang="en-US" sz="1100" b="0" dirty="0">
+                        <a:solidFill>
+                          <a:schemeClr val="tx1">
+                            <a:lumMod val="50000"/>
+                            <a:lumOff val="50000"/>
+                          </a:schemeClr>
+                        </a:solidFill>
+                        <a:latin typeface="Consolas" pitchFamily="49" charset="0"/>
+                        <a:cs typeface="Consolas" pitchFamily="49" charset="0"/>
+                      </a:endParaRPr>
+                    </a:p>
+                  </a:txBody>
+                  <a:tcPr/>
+                </a:tc>
+                <a:tc>
+                  <a:txBody>
+                    <a:bodyPr/>
+                    <a:lstStyle/>
+                    <a:p>
+                      <a:r>
+                        <a:rPr lang="en-US" sz="1100" b="0" dirty="0" err="1" smtClean="0">
+                          <a:latin typeface="Consolas" pitchFamily="49" charset="0"/>
+                          <a:cs typeface="Consolas" pitchFamily="49" charset="0"/>
+                        </a:rPr>
+                        <a:t>EmitTarget</a:t>
+                      </a:r>
+                      <a:endParaRPr lang="en-US" sz="1100" b="0" dirty="0">
+                        <a:latin typeface="Consolas" pitchFamily="49" charset="0"/>
+                        <a:cs typeface="Consolas" pitchFamily="49" charset="0"/>
+                      </a:endParaRPr>
+                    </a:p>
+                  </a:txBody>
+                  <a:tcPr/>
+                </a:tc>
+                <a:tc>
+                  <a:txBody>
+                    <a:bodyPr/>
+                    <a:lstStyle/>
+                    <a:p>
+                      <a:r>
+                        <a:rPr lang="en-US" sz="1100" b="1" dirty="0" smtClean="0">
+                          <a:latin typeface="Consolas" pitchFamily="49" charset="0"/>
+                          <a:cs typeface="Consolas" pitchFamily="49" charset="0"/>
+                        </a:rPr>
+                        <a:t>-</a:t>
+                      </a:r>
+                      <a:endParaRPr lang="en-US" sz="1100" b="1" dirty="0">
+                        <a:latin typeface="Consolas" pitchFamily="49" charset="0"/>
+                        <a:cs typeface="Consolas" pitchFamily="49" charset="0"/>
+                      </a:endParaRPr>
+                    </a:p>
+                  </a:txBody>
+                  <a:tcPr/>
+                </a:tc>
+              </a:tr>
+              <a:tr h="274320">
+                <a:tc>
+                  <a:txBody>
+                    <a:bodyPr/>
+                    <a:lstStyle/>
+                    <a:p>
+                      <a:pPr lvl="0"/>
+                      <a:r>
+                        <a:rPr lang="en-US" sz="1100" b="0" dirty="0" smtClean="0">
+                          <a:solidFill>
+                            <a:schemeClr val="tx1"/>
+                          </a:solidFill>
+                          <a:latin typeface="+mj-lt"/>
+                          <a:cs typeface="Consolas" pitchFamily="49" charset="0"/>
+                        </a:rPr>
+                        <a:t>4</a:t>
+                      </a:r>
+                      <a:endParaRPr lang="en-US" sz="1100" b="0" dirty="0">
+                        <a:solidFill>
+                          <a:schemeClr val="tx1"/>
+                        </a:solidFill>
+                        <a:latin typeface="+mj-lt"/>
+                        <a:cs typeface="Consolas" pitchFamily="49" charset="0"/>
+                      </a:endParaRPr>
+                    </a:p>
+                  </a:txBody>
+                  <a:tcPr/>
+                </a:tc>
+                <a:tc>
+                  <a:txBody>
+                    <a:bodyPr/>
+                    <a:lstStyle/>
+                    <a:p>
+                      <a:pPr lvl="2"/>
+                      <a:r>
+                        <a:rPr lang="en-US" sz="1100" b="0" dirty="0" err="1" smtClean="0">
+                          <a:latin typeface="Consolas" pitchFamily="49" charset="0"/>
+                          <a:cs typeface="Consolas" pitchFamily="49" charset="0"/>
+                        </a:rPr>
+                        <a:t>ReturnValue</a:t>
+                      </a:r>
+                      <a:r>
+                        <a:rPr lang="en-US" sz="1100" b="0" dirty="0" smtClean="0">
+                          <a:latin typeface="Consolas" pitchFamily="49" charset="0"/>
+                          <a:cs typeface="Consolas" pitchFamily="49" charset="0"/>
+                        </a:rPr>
+                        <a:t> : </a:t>
+                      </a:r>
+                      <a:r>
+                        <a:rPr lang="en-US" sz="1100" b="0" dirty="0" err="1" smtClean="0">
+                          <a:solidFill>
+                            <a:schemeClr val="bg1">
+                              <a:lumMod val="65000"/>
+                            </a:schemeClr>
+                          </a:solidFill>
+                          <a:latin typeface="Consolas" pitchFamily="49" charset="0"/>
+                          <a:cs typeface="Consolas" pitchFamily="49" charset="0"/>
+                        </a:rPr>
+                        <a:t>IHappilOperand</a:t>
+                      </a:r>
+                      <a:r>
+                        <a:rPr lang="en-US" sz="1100" b="0" dirty="0" smtClean="0">
+                          <a:solidFill>
+                            <a:schemeClr val="bg1">
+                              <a:lumMod val="65000"/>
+                            </a:schemeClr>
+                          </a:solidFill>
+                          <a:latin typeface="Consolas" pitchFamily="49" charset="0"/>
+                          <a:cs typeface="Consolas" pitchFamily="49" charset="0"/>
+                        </a:rPr>
+                        <a:t>&lt;</a:t>
+                      </a:r>
+                      <a:r>
+                        <a:rPr lang="en-US" sz="1100" b="0" dirty="0" err="1" smtClean="0">
+                          <a:solidFill>
+                            <a:schemeClr val="bg1">
+                              <a:lumMod val="65000"/>
+                            </a:schemeClr>
+                          </a:solidFill>
+                          <a:latin typeface="Consolas" pitchFamily="49" charset="0"/>
+                          <a:cs typeface="Consolas" pitchFamily="49" charset="0"/>
+                        </a:rPr>
+                        <a:t>int</a:t>
+                      </a:r>
+                      <a:r>
+                        <a:rPr lang="en-US" sz="1100" b="0" dirty="0" smtClean="0">
+                          <a:solidFill>
+                            <a:schemeClr val="bg1">
+                              <a:lumMod val="65000"/>
+                            </a:schemeClr>
+                          </a:solidFill>
+                          <a:latin typeface="Consolas" pitchFamily="49" charset="0"/>
+                          <a:cs typeface="Consolas" pitchFamily="49" charset="0"/>
+                        </a:rPr>
+                        <a:t>&gt;</a:t>
+                      </a:r>
+                      <a:r>
+                        <a:rPr lang="en-US" sz="1100" b="0" baseline="0" dirty="0" smtClean="0">
+                          <a:solidFill>
+                            <a:schemeClr val="bg1">
+                              <a:lumMod val="65000"/>
+                            </a:schemeClr>
+                          </a:solidFill>
+                          <a:latin typeface="Consolas" pitchFamily="49" charset="0"/>
+                          <a:cs typeface="Consolas" pitchFamily="49" charset="0"/>
+                        </a:rPr>
+                        <a:t> </a:t>
+                      </a:r>
+                      <a:r>
+                        <a:rPr lang="en-US" sz="1100" b="0" baseline="0" dirty="0" smtClean="0">
+                          <a:solidFill>
+                            <a:schemeClr val="tx1">
+                              <a:lumMod val="50000"/>
+                              <a:lumOff val="50000"/>
+                            </a:schemeClr>
+                          </a:solidFill>
+                          <a:latin typeface="Consolas" pitchFamily="49" charset="0"/>
+                          <a:cs typeface="Consolas" pitchFamily="49" charset="0"/>
+                        </a:rPr>
+                        <a:t>{</a:t>
+                      </a:r>
+                      <a:r>
+                        <a:rPr lang="en-US" sz="1100" b="0" baseline="0" dirty="0" smtClean="0">
+                          <a:solidFill>
+                            <a:srgbClr val="C00000"/>
+                          </a:solidFill>
+                          <a:latin typeface="Consolas" pitchFamily="49" charset="0"/>
+                          <a:cs typeface="Consolas" pitchFamily="49" charset="0"/>
+                        </a:rPr>
+                        <a:t> </a:t>
+                      </a:r>
+                      <a:r>
+                        <a:rPr lang="en-US" sz="1100" b="0" dirty="0" err="1" smtClean="0">
+                          <a:solidFill>
+                            <a:srgbClr val="C00000"/>
+                          </a:solidFill>
+                          <a:latin typeface="Consolas" pitchFamily="49" charset="0"/>
+                          <a:cs typeface="Consolas" pitchFamily="49" charset="0"/>
+                        </a:rPr>
+                        <a:t>HappilBinaryExpression</a:t>
+                      </a:r>
+                      <a:r>
+                        <a:rPr lang="en-US" sz="1100" b="0" dirty="0" smtClean="0">
+                          <a:solidFill>
+                            <a:srgbClr val="C00000"/>
+                          </a:solidFill>
+                          <a:latin typeface="Consolas" pitchFamily="49" charset="0"/>
+                          <a:cs typeface="Consolas" pitchFamily="49" charset="0"/>
+                        </a:rPr>
+                        <a:t>&lt;</a:t>
+                      </a:r>
+                      <a:r>
+                        <a:rPr lang="en-US" sz="1100" b="0" dirty="0" err="1" smtClean="0">
+                          <a:solidFill>
+                            <a:srgbClr val="C00000"/>
+                          </a:solidFill>
+                          <a:latin typeface="Consolas" pitchFamily="49" charset="0"/>
+                          <a:cs typeface="Consolas" pitchFamily="49" charset="0"/>
+                        </a:rPr>
+                        <a:t>int,</a:t>
+                      </a:r>
+                      <a:r>
+                        <a:rPr lang="en-US" sz="1100" b="0" baseline="0" dirty="0" err="1" smtClean="0">
+                          <a:solidFill>
+                            <a:srgbClr val="C00000"/>
+                          </a:solidFill>
+                          <a:latin typeface="Consolas" pitchFamily="49" charset="0"/>
+                          <a:cs typeface="Consolas" pitchFamily="49" charset="0"/>
+                        </a:rPr>
+                        <a:t>int,int</a:t>
+                      </a:r>
+                      <a:r>
+                        <a:rPr lang="en-US" sz="1100" b="0" baseline="0" dirty="0" smtClean="0">
+                          <a:solidFill>
+                            <a:srgbClr val="C00000"/>
+                          </a:solidFill>
+                          <a:latin typeface="Consolas" pitchFamily="49" charset="0"/>
+                          <a:cs typeface="Consolas" pitchFamily="49" charset="0"/>
+                        </a:rPr>
+                        <a:t>&gt; </a:t>
+                      </a:r>
+                      <a:r>
+                        <a:rPr lang="en-US" sz="1100" b="0" baseline="0" dirty="0" smtClean="0">
+                          <a:solidFill>
+                            <a:schemeClr val="tx1">
+                              <a:lumMod val="50000"/>
+                              <a:lumOff val="50000"/>
+                            </a:schemeClr>
+                          </a:solidFill>
+                          <a:latin typeface="Consolas" pitchFamily="49" charset="0"/>
+                          <a:cs typeface="Consolas" pitchFamily="49" charset="0"/>
+                        </a:rPr>
+                        <a:t>}</a:t>
+                      </a:r>
+                      <a:endParaRPr lang="en-US" sz="1100" b="0" dirty="0">
+                        <a:solidFill>
+                          <a:schemeClr val="tx1">
+                            <a:lumMod val="50000"/>
+                            <a:lumOff val="50000"/>
+                          </a:schemeClr>
+                        </a:solidFill>
+                        <a:latin typeface="Consolas" pitchFamily="49" charset="0"/>
+                        <a:cs typeface="Consolas" pitchFamily="49" charset="0"/>
+                      </a:endParaRPr>
+                    </a:p>
+                  </a:txBody>
+                  <a:tcPr/>
+                </a:tc>
+                <a:tc>
+                  <a:txBody>
+                    <a:bodyPr/>
+                    <a:lstStyle/>
+                    <a:p>
+                      <a:r>
+                        <a:rPr lang="en-US" sz="1100" b="0" dirty="0" err="1" smtClean="0">
+                          <a:latin typeface="Consolas" pitchFamily="49" charset="0"/>
+                          <a:cs typeface="Consolas" pitchFamily="49" charset="0"/>
+                        </a:rPr>
+                        <a:t>EmitLoad</a:t>
+                      </a:r>
+                      <a:endParaRPr lang="en-US" sz="1100" b="0" dirty="0">
+                        <a:latin typeface="Consolas" pitchFamily="49" charset="0"/>
+                        <a:cs typeface="Consolas" pitchFamily="49" charset="0"/>
+                      </a:endParaRPr>
+                    </a:p>
+                  </a:txBody>
+                  <a:tcPr/>
+                </a:tc>
+                <a:tc>
+                  <a:txBody>
+                    <a:bodyPr/>
+                    <a:lstStyle/>
+                    <a:p>
+                      <a:r>
+                        <a:rPr lang="en-US" sz="1100" b="1" dirty="0" smtClean="0">
+                          <a:latin typeface="Consolas" pitchFamily="49" charset="0"/>
+                          <a:cs typeface="Consolas" pitchFamily="49" charset="0"/>
+                        </a:rPr>
+                        <a:t>-</a:t>
+                      </a:r>
+                      <a:endParaRPr lang="en-US" sz="1100" b="1" dirty="0">
+                        <a:latin typeface="Consolas" pitchFamily="49" charset="0"/>
+                        <a:cs typeface="Consolas" pitchFamily="49" charset="0"/>
+                      </a:endParaRPr>
+                    </a:p>
+                  </a:txBody>
+                  <a:tcPr/>
+                </a:tc>
+              </a:tr>
+              <a:tr h="274320">
+                <a:tc>
+                  <a:txBody>
+                    <a:bodyPr/>
+                    <a:lstStyle/>
+                    <a:p>
+                      <a:pPr lvl="0"/>
+                      <a:r>
+                        <a:rPr lang="en-US" sz="1100" b="0" dirty="0" smtClean="0">
+                          <a:solidFill>
+                            <a:schemeClr val="tx1"/>
+                          </a:solidFill>
+                          <a:latin typeface="+mj-lt"/>
+                          <a:cs typeface="Consolas" pitchFamily="49" charset="0"/>
+                        </a:rPr>
+                        <a:t>5</a:t>
+                      </a:r>
+                      <a:endParaRPr lang="en-US" sz="1100" b="0" dirty="0">
+                        <a:solidFill>
+                          <a:schemeClr val="tx1"/>
+                        </a:solidFill>
+                        <a:latin typeface="+mj-lt"/>
+                        <a:cs typeface="Consolas" pitchFamily="49" charset="0"/>
+                      </a:endParaRPr>
+                    </a:p>
+                  </a:txBody>
+                  <a:tcPr/>
+                </a:tc>
+                <a:tc>
+                  <a:txBody>
+                    <a:bodyPr/>
+                    <a:lstStyle/>
+                    <a:p>
+                      <a:pPr lvl="3"/>
+                      <a:r>
+                        <a:rPr lang="en-US" sz="1100" b="0" dirty="0" smtClean="0">
+                          <a:latin typeface="Consolas" pitchFamily="49" charset="0"/>
+                          <a:cs typeface="Consolas" pitchFamily="49" charset="0"/>
+                        </a:rPr>
+                        <a:t>Operator : </a:t>
+                      </a:r>
+                      <a:r>
+                        <a:rPr lang="en-US" sz="1100" b="0" dirty="0" err="1" smtClean="0">
+                          <a:solidFill>
+                            <a:schemeClr val="bg1">
+                              <a:lumMod val="65000"/>
+                            </a:schemeClr>
+                          </a:solidFill>
+                          <a:latin typeface="Consolas" pitchFamily="49" charset="0"/>
+                          <a:cs typeface="Consolas" pitchFamily="49" charset="0"/>
+                        </a:rPr>
+                        <a:t>IBinaryOperator</a:t>
+                      </a:r>
+                      <a:r>
+                        <a:rPr lang="en-US" sz="1100" b="0" dirty="0" smtClean="0">
+                          <a:solidFill>
+                            <a:schemeClr val="bg1">
+                              <a:lumMod val="65000"/>
+                            </a:schemeClr>
+                          </a:solidFill>
+                          <a:latin typeface="Consolas" pitchFamily="49" charset="0"/>
+                          <a:cs typeface="Consolas" pitchFamily="49" charset="0"/>
+                        </a:rPr>
+                        <a:t>&lt;</a:t>
+                      </a:r>
+                      <a:r>
+                        <a:rPr lang="en-US" sz="1100" b="0" dirty="0" err="1" smtClean="0">
+                          <a:solidFill>
+                            <a:schemeClr val="bg1">
+                              <a:lumMod val="65000"/>
+                            </a:schemeClr>
+                          </a:solidFill>
+                          <a:latin typeface="Consolas" pitchFamily="49" charset="0"/>
+                          <a:cs typeface="Consolas" pitchFamily="49" charset="0"/>
+                        </a:rPr>
+                        <a:t>int</a:t>
+                      </a:r>
+                      <a:r>
+                        <a:rPr lang="en-US" sz="1100" b="0" dirty="0" smtClean="0">
+                          <a:solidFill>
+                            <a:schemeClr val="bg1">
+                              <a:lumMod val="65000"/>
+                            </a:schemeClr>
+                          </a:solidFill>
+                          <a:latin typeface="Consolas" pitchFamily="49" charset="0"/>
+                          <a:cs typeface="Consolas" pitchFamily="49" charset="0"/>
+                        </a:rPr>
+                        <a:t>&gt; </a:t>
+                      </a:r>
+                      <a:r>
+                        <a:rPr lang="en-US" sz="1100" b="0" dirty="0" smtClean="0">
+                          <a:solidFill>
+                            <a:schemeClr val="tx1">
+                              <a:lumMod val="50000"/>
+                              <a:lumOff val="50000"/>
+                            </a:schemeClr>
+                          </a:solidFill>
+                          <a:latin typeface="Consolas" pitchFamily="49" charset="0"/>
+                          <a:cs typeface="Consolas" pitchFamily="49" charset="0"/>
+                        </a:rPr>
+                        <a:t>{</a:t>
+                      </a:r>
+                      <a:r>
+                        <a:rPr lang="en-US" sz="1100" b="0" dirty="0" smtClean="0">
+                          <a:solidFill>
+                            <a:srgbClr val="C00000"/>
+                          </a:solidFill>
+                          <a:latin typeface="Consolas" pitchFamily="49" charset="0"/>
+                          <a:cs typeface="Consolas" pitchFamily="49" charset="0"/>
+                        </a:rPr>
+                        <a:t> </a:t>
+                      </a:r>
+                      <a:r>
+                        <a:rPr lang="en-US" sz="1100" b="0" dirty="0" err="1" smtClean="0">
+                          <a:solidFill>
+                            <a:srgbClr val="C00000"/>
+                          </a:solidFill>
+                          <a:latin typeface="Consolas" pitchFamily="49" charset="0"/>
+                          <a:cs typeface="Consolas" pitchFamily="49" charset="0"/>
+                        </a:rPr>
+                        <a:t>BinaryOperators.OperatorAdd</a:t>
+                      </a:r>
+                      <a:r>
+                        <a:rPr lang="en-US" sz="1100" b="0" dirty="0" smtClean="0">
+                          <a:solidFill>
+                            <a:srgbClr val="C00000"/>
+                          </a:solidFill>
+                          <a:latin typeface="Consolas" pitchFamily="49" charset="0"/>
+                          <a:cs typeface="Consolas" pitchFamily="49" charset="0"/>
+                        </a:rPr>
+                        <a:t>&lt;</a:t>
+                      </a:r>
+                      <a:r>
+                        <a:rPr lang="en-US" sz="1100" b="0" dirty="0" err="1" smtClean="0">
+                          <a:solidFill>
+                            <a:srgbClr val="C00000"/>
+                          </a:solidFill>
+                          <a:latin typeface="Consolas" pitchFamily="49" charset="0"/>
+                          <a:cs typeface="Consolas" pitchFamily="49" charset="0"/>
+                        </a:rPr>
+                        <a:t>int</a:t>
+                      </a:r>
+                      <a:r>
+                        <a:rPr lang="en-US" sz="1100" b="0" dirty="0" smtClean="0">
+                          <a:solidFill>
+                            <a:srgbClr val="C00000"/>
+                          </a:solidFill>
+                          <a:latin typeface="Consolas" pitchFamily="49" charset="0"/>
+                          <a:cs typeface="Consolas" pitchFamily="49" charset="0"/>
+                        </a:rPr>
+                        <a:t>&gt; </a:t>
+                      </a:r>
+                      <a:r>
+                        <a:rPr lang="en-US" sz="1100" b="0" dirty="0" smtClean="0">
+                          <a:solidFill>
+                            <a:schemeClr val="tx1">
+                              <a:lumMod val="50000"/>
+                              <a:lumOff val="50000"/>
+                            </a:schemeClr>
+                          </a:solidFill>
+                          <a:latin typeface="Consolas" pitchFamily="49" charset="0"/>
+                          <a:cs typeface="Consolas" pitchFamily="49" charset="0"/>
+                        </a:rPr>
+                        <a:t>}</a:t>
+                      </a:r>
+                      <a:endParaRPr lang="en-US" sz="1100" b="0" dirty="0">
+                        <a:solidFill>
+                          <a:schemeClr val="tx1">
+                            <a:lumMod val="50000"/>
+                            <a:lumOff val="50000"/>
+                          </a:schemeClr>
+                        </a:solidFill>
+                        <a:latin typeface="Consolas" pitchFamily="49" charset="0"/>
+                        <a:cs typeface="Consolas" pitchFamily="49" charset="0"/>
+                      </a:endParaRPr>
+                    </a:p>
+                  </a:txBody>
+                  <a:tcPr/>
+                </a:tc>
+                <a:tc>
+                  <a:txBody>
+                    <a:bodyPr/>
+                    <a:lstStyle/>
+                    <a:p>
+                      <a:r>
+                        <a:rPr lang="en-US" sz="1100" b="0" dirty="0" smtClean="0">
+                          <a:latin typeface="Consolas" pitchFamily="49" charset="0"/>
+                          <a:cs typeface="Consolas" pitchFamily="49" charset="0"/>
+                        </a:rPr>
+                        <a:t>Emit </a:t>
+                      </a:r>
+                      <a:endParaRPr lang="en-US" sz="1100" b="0" dirty="0">
+                        <a:latin typeface="Consolas" pitchFamily="49" charset="0"/>
+                        <a:cs typeface="Consolas" pitchFamily="49" charset="0"/>
+                      </a:endParaRPr>
+                    </a:p>
+                  </a:txBody>
+                  <a:tcPr/>
+                </a:tc>
+                <a:tc>
+                  <a:txBody>
+                    <a:bodyPr/>
+                    <a:lstStyle/>
+                    <a:p>
+                      <a:r>
+                        <a:rPr lang="en-US" sz="1100" b="1" dirty="0" smtClean="0">
+                          <a:latin typeface="Consolas" pitchFamily="49" charset="0"/>
+                          <a:cs typeface="Consolas" pitchFamily="49" charset="0"/>
+                        </a:rPr>
+                        <a:t>-</a:t>
+                      </a:r>
+                      <a:endParaRPr lang="en-US" sz="1100" b="1" dirty="0">
+                        <a:latin typeface="Consolas" pitchFamily="49" charset="0"/>
+                        <a:cs typeface="Consolas" pitchFamily="49" charset="0"/>
+                      </a:endParaRPr>
+                    </a:p>
+                  </a:txBody>
+                  <a:tcPr/>
+                </a:tc>
+              </a:tr>
+              <a:tr h="274320">
+                <a:tc>
+                  <a:txBody>
+                    <a:bodyPr/>
+                    <a:lstStyle/>
+                    <a:p>
+                      <a:pPr lvl="0"/>
+                      <a:r>
+                        <a:rPr lang="en-US" sz="1100" b="0" dirty="0" smtClean="0">
+                          <a:solidFill>
+                            <a:schemeClr val="tx1"/>
+                          </a:solidFill>
+                          <a:latin typeface="+mj-lt"/>
+                          <a:cs typeface="Consolas" pitchFamily="49" charset="0"/>
+                        </a:rPr>
+                        <a:t>6</a:t>
+                      </a:r>
+                      <a:endParaRPr lang="en-US" sz="1100" b="0" dirty="0">
+                        <a:solidFill>
+                          <a:schemeClr val="tx1"/>
+                        </a:solidFill>
+                        <a:latin typeface="+mj-lt"/>
+                        <a:cs typeface="Consolas" pitchFamily="49" charset="0"/>
+                      </a:endParaRPr>
+                    </a:p>
+                  </a:txBody>
+                  <a:tcPr/>
+                </a:tc>
+                <a:tc>
+                  <a:txBody>
+                    <a:bodyPr/>
+                    <a:lstStyle/>
+                    <a:p>
+                      <a:pPr lvl="4"/>
+                      <a:r>
+                        <a:rPr lang="en-US" sz="1100" b="0" dirty="0" smtClean="0">
+                          <a:latin typeface="Consolas" pitchFamily="49" charset="0"/>
+                          <a:cs typeface="Consolas" pitchFamily="49" charset="0"/>
+                        </a:rPr>
+                        <a:t>Left : </a:t>
+                      </a:r>
+                      <a:r>
+                        <a:rPr lang="en-US" sz="1100" b="0" dirty="0" err="1" smtClean="0">
+                          <a:solidFill>
+                            <a:schemeClr val="bg1">
+                              <a:lumMod val="65000"/>
+                            </a:schemeClr>
+                          </a:solidFill>
+                          <a:latin typeface="Consolas" pitchFamily="49" charset="0"/>
+                          <a:cs typeface="Consolas" pitchFamily="49" charset="0"/>
+                        </a:rPr>
+                        <a:t>IHappilOperand</a:t>
+                      </a:r>
+                      <a:r>
+                        <a:rPr lang="en-US" sz="1100" b="0" dirty="0" smtClean="0">
+                          <a:solidFill>
+                            <a:schemeClr val="bg1">
+                              <a:lumMod val="65000"/>
+                            </a:schemeClr>
+                          </a:solidFill>
+                          <a:latin typeface="Consolas" pitchFamily="49" charset="0"/>
+                          <a:cs typeface="Consolas" pitchFamily="49" charset="0"/>
+                        </a:rPr>
+                        <a:t>&lt;</a:t>
+                      </a:r>
+                      <a:r>
+                        <a:rPr lang="en-US" sz="1100" b="0" dirty="0" err="1" smtClean="0">
+                          <a:solidFill>
+                            <a:schemeClr val="bg1">
+                              <a:lumMod val="65000"/>
+                            </a:schemeClr>
+                          </a:solidFill>
+                          <a:latin typeface="Consolas" pitchFamily="49" charset="0"/>
+                          <a:cs typeface="Consolas" pitchFamily="49" charset="0"/>
+                        </a:rPr>
+                        <a:t>int</a:t>
+                      </a:r>
+                      <a:r>
+                        <a:rPr lang="en-US" sz="1100" b="0" dirty="0" smtClean="0">
+                          <a:solidFill>
+                            <a:schemeClr val="bg1">
+                              <a:lumMod val="65000"/>
+                            </a:schemeClr>
+                          </a:solidFill>
+                          <a:latin typeface="Consolas" pitchFamily="49" charset="0"/>
+                          <a:cs typeface="Consolas" pitchFamily="49" charset="0"/>
+                        </a:rPr>
+                        <a:t>&gt;</a:t>
+                      </a:r>
+                      <a:r>
+                        <a:rPr lang="en-US" sz="1100" b="0" baseline="0" dirty="0" smtClean="0">
+                          <a:solidFill>
+                            <a:schemeClr val="bg1">
+                              <a:lumMod val="65000"/>
+                            </a:schemeClr>
+                          </a:solidFill>
+                          <a:latin typeface="Consolas" pitchFamily="49" charset="0"/>
+                          <a:cs typeface="Consolas" pitchFamily="49" charset="0"/>
+                        </a:rPr>
+                        <a:t> </a:t>
+                      </a:r>
+                      <a:r>
+                        <a:rPr lang="en-US" sz="1100" b="0" baseline="0" dirty="0" smtClean="0">
+                          <a:solidFill>
+                            <a:schemeClr val="tx1">
+                              <a:lumMod val="50000"/>
+                              <a:lumOff val="50000"/>
+                            </a:schemeClr>
+                          </a:solidFill>
+                          <a:latin typeface="Consolas" pitchFamily="49" charset="0"/>
+                          <a:cs typeface="Consolas" pitchFamily="49" charset="0"/>
+                        </a:rPr>
+                        <a:t>{</a:t>
+                      </a:r>
+                      <a:r>
+                        <a:rPr lang="en-US" sz="1100" b="0" baseline="0" dirty="0" smtClean="0">
+                          <a:solidFill>
+                            <a:srgbClr val="C00000"/>
+                          </a:solidFill>
+                          <a:latin typeface="Consolas" pitchFamily="49" charset="0"/>
+                          <a:cs typeface="Consolas" pitchFamily="49" charset="0"/>
+                        </a:rPr>
+                        <a:t> </a:t>
+                      </a:r>
+                      <a:r>
+                        <a:rPr lang="en-US" sz="1100" b="0" dirty="0" err="1" smtClean="0">
+                          <a:solidFill>
+                            <a:srgbClr val="C00000"/>
+                          </a:solidFill>
+                          <a:latin typeface="Consolas" pitchFamily="49" charset="0"/>
+                          <a:cs typeface="Consolas" pitchFamily="49" charset="0"/>
+                        </a:rPr>
+                        <a:t>HappilArgument</a:t>
+                      </a:r>
+                      <a:r>
+                        <a:rPr lang="en-US" sz="1100" b="0" dirty="0" smtClean="0">
+                          <a:solidFill>
+                            <a:srgbClr val="C00000"/>
+                          </a:solidFill>
+                          <a:latin typeface="Consolas" pitchFamily="49" charset="0"/>
+                          <a:cs typeface="Consolas" pitchFamily="49" charset="0"/>
+                        </a:rPr>
+                        <a:t>&lt;</a:t>
+                      </a:r>
+                      <a:r>
+                        <a:rPr lang="en-US" sz="1100" b="0" dirty="0" err="1" smtClean="0">
+                          <a:solidFill>
+                            <a:srgbClr val="C00000"/>
+                          </a:solidFill>
+                          <a:latin typeface="Consolas" pitchFamily="49" charset="0"/>
+                          <a:cs typeface="Consolas" pitchFamily="49" charset="0"/>
+                        </a:rPr>
+                        <a:t>int</a:t>
+                      </a:r>
+                      <a:r>
+                        <a:rPr lang="en-US" sz="1100" b="0" dirty="0" smtClean="0">
+                          <a:solidFill>
+                            <a:srgbClr val="C00000"/>
+                          </a:solidFill>
+                          <a:latin typeface="Consolas" pitchFamily="49" charset="0"/>
+                          <a:cs typeface="Consolas" pitchFamily="49" charset="0"/>
+                        </a:rPr>
+                        <a:t>&gt;</a:t>
+                      </a:r>
+                      <a:r>
+                        <a:rPr lang="en-US" sz="1100" b="0" baseline="0" dirty="0" smtClean="0">
+                          <a:solidFill>
+                            <a:srgbClr val="C00000"/>
+                          </a:solidFill>
+                          <a:latin typeface="Consolas" pitchFamily="49" charset="0"/>
+                          <a:cs typeface="Consolas" pitchFamily="49" charset="0"/>
+                        </a:rPr>
+                        <a:t> “x” </a:t>
+                      </a:r>
+                      <a:r>
+                        <a:rPr lang="en-US" sz="1100" b="0" baseline="0" dirty="0" smtClean="0">
+                          <a:solidFill>
+                            <a:schemeClr val="tx1">
+                              <a:lumMod val="50000"/>
+                              <a:lumOff val="50000"/>
+                            </a:schemeClr>
+                          </a:solidFill>
+                          <a:latin typeface="Consolas" pitchFamily="49" charset="0"/>
+                          <a:cs typeface="Consolas" pitchFamily="49" charset="0"/>
+                        </a:rPr>
+                        <a:t>}</a:t>
+                      </a:r>
+                      <a:endParaRPr lang="en-US" sz="1100" b="0" dirty="0">
+                        <a:solidFill>
+                          <a:schemeClr val="tx1">
+                            <a:lumMod val="50000"/>
+                            <a:lumOff val="50000"/>
+                          </a:schemeClr>
+                        </a:solidFill>
+                        <a:latin typeface="Consolas" pitchFamily="49" charset="0"/>
+                        <a:cs typeface="Consolas" pitchFamily="49" charset="0"/>
+                      </a:endParaRPr>
+                    </a:p>
+                  </a:txBody>
+                  <a:tcPr/>
+                </a:tc>
+                <a:tc>
+                  <a:txBody>
+                    <a:bodyPr/>
+                    <a:lstStyle/>
+                    <a:p>
+                      <a:r>
+                        <a:rPr lang="en-US" sz="1100" b="0" dirty="0" err="1" smtClean="0">
+                          <a:latin typeface="Consolas" pitchFamily="49" charset="0"/>
+                          <a:cs typeface="Consolas" pitchFamily="49" charset="0"/>
+                        </a:rPr>
+                        <a:t>EmitTarget</a:t>
+                      </a:r>
+                      <a:endParaRPr lang="en-US" sz="1100" b="0" dirty="0">
+                        <a:latin typeface="Consolas" pitchFamily="49" charset="0"/>
+                        <a:cs typeface="Consolas" pitchFamily="49" charset="0"/>
+                      </a:endParaRPr>
+                    </a:p>
+                  </a:txBody>
+                  <a:tcPr/>
+                </a:tc>
+                <a:tc>
+                  <a:txBody>
+                    <a:bodyPr/>
+                    <a:lstStyle/>
+                    <a:p>
+                      <a:r>
+                        <a:rPr lang="en-US" sz="1100" b="1" dirty="0" smtClean="0">
+                          <a:latin typeface="Consolas" pitchFamily="49" charset="0"/>
+                          <a:cs typeface="Consolas" pitchFamily="49" charset="0"/>
+                        </a:rPr>
+                        <a:t>-</a:t>
+                      </a:r>
+                      <a:endParaRPr lang="en-US" sz="1100" b="1" dirty="0">
+                        <a:latin typeface="Consolas" pitchFamily="49" charset="0"/>
+                        <a:cs typeface="Consolas" pitchFamily="49" charset="0"/>
+                      </a:endParaRPr>
+                    </a:p>
+                  </a:txBody>
+                  <a:tcPr/>
+                </a:tc>
+              </a:tr>
+              <a:tr h="274320">
+                <a:tc>
+                  <a:txBody>
+                    <a:bodyPr/>
+                    <a:lstStyle/>
+                    <a:p>
+                      <a:pPr lvl="0"/>
+                      <a:r>
+                        <a:rPr lang="en-US" sz="1100" b="0" dirty="0" smtClean="0">
+                          <a:solidFill>
+                            <a:schemeClr val="tx1"/>
+                          </a:solidFill>
+                          <a:latin typeface="+mj-lt"/>
+                          <a:cs typeface="Consolas" pitchFamily="49" charset="0"/>
+                        </a:rPr>
+                        <a:t>7</a:t>
+                      </a:r>
+                      <a:endParaRPr lang="en-US" sz="1100" b="0" dirty="0">
+                        <a:solidFill>
+                          <a:schemeClr val="tx1"/>
+                        </a:solidFill>
+                        <a:latin typeface="+mj-lt"/>
+                        <a:cs typeface="Consolas" pitchFamily="49" charset="0"/>
+                      </a:endParaRPr>
+                    </a:p>
+                  </a:txBody>
+                  <a:tcPr/>
+                </a:tc>
+                <a:tc>
+                  <a:txBody>
+                    <a:bodyPr/>
+                    <a:lstStyle/>
+                    <a:p>
+                      <a:pPr lvl="4"/>
+                      <a:r>
+                        <a:rPr lang="en-US" sz="1100" b="0" dirty="0" smtClean="0">
+                          <a:latin typeface="Consolas" pitchFamily="49" charset="0"/>
+                          <a:cs typeface="Consolas" pitchFamily="49" charset="0"/>
+                        </a:rPr>
+                        <a:t>Left : </a:t>
+                      </a:r>
+                      <a:r>
+                        <a:rPr lang="en-US" sz="1100" b="0" dirty="0" err="1" smtClean="0">
+                          <a:solidFill>
+                            <a:schemeClr val="bg1">
+                              <a:lumMod val="65000"/>
+                            </a:schemeClr>
+                          </a:solidFill>
+                          <a:latin typeface="Consolas" pitchFamily="49" charset="0"/>
+                          <a:cs typeface="Consolas" pitchFamily="49" charset="0"/>
+                        </a:rPr>
+                        <a:t>IHappilOperand</a:t>
+                      </a:r>
+                      <a:r>
+                        <a:rPr lang="en-US" sz="1100" b="0" dirty="0" smtClean="0">
+                          <a:solidFill>
+                            <a:schemeClr val="bg1">
+                              <a:lumMod val="65000"/>
+                            </a:schemeClr>
+                          </a:solidFill>
+                          <a:latin typeface="Consolas" pitchFamily="49" charset="0"/>
+                          <a:cs typeface="Consolas" pitchFamily="49" charset="0"/>
+                        </a:rPr>
+                        <a:t>&lt;</a:t>
+                      </a:r>
+                      <a:r>
+                        <a:rPr lang="en-US" sz="1100" b="0" dirty="0" err="1" smtClean="0">
+                          <a:solidFill>
+                            <a:schemeClr val="bg1">
+                              <a:lumMod val="65000"/>
+                            </a:schemeClr>
+                          </a:solidFill>
+                          <a:latin typeface="Consolas" pitchFamily="49" charset="0"/>
+                          <a:cs typeface="Consolas" pitchFamily="49" charset="0"/>
+                        </a:rPr>
+                        <a:t>int</a:t>
+                      </a:r>
+                      <a:r>
+                        <a:rPr lang="en-US" sz="1100" b="0" dirty="0" smtClean="0">
+                          <a:solidFill>
+                            <a:schemeClr val="bg1">
+                              <a:lumMod val="65000"/>
+                            </a:schemeClr>
+                          </a:solidFill>
+                          <a:latin typeface="Consolas" pitchFamily="49" charset="0"/>
+                          <a:cs typeface="Consolas" pitchFamily="49" charset="0"/>
+                        </a:rPr>
+                        <a:t>&gt; </a:t>
+                      </a:r>
+                      <a:r>
+                        <a:rPr lang="en-US" sz="1100" b="0" dirty="0" smtClean="0">
+                          <a:solidFill>
+                            <a:schemeClr val="tx1">
+                              <a:lumMod val="50000"/>
+                              <a:lumOff val="50000"/>
+                            </a:schemeClr>
+                          </a:solidFill>
+                          <a:latin typeface="Consolas" pitchFamily="49" charset="0"/>
+                          <a:cs typeface="Consolas" pitchFamily="49" charset="0"/>
+                        </a:rPr>
+                        <a:t>{</a:t>
+                      </a:r>
+                      <a:r>
+                        <a:rPr lang="en-US" sz="1100" b="0" dirty="0" smtClean="0">
+                          <a:solidFill>
+                            <a:srgbClr val="C00000"/>
+                          </a:solidFill>
+                          <a:latin typeface="Consolas" pitchFamily="49" charset="0"/>
+                          <a:cs typeface="Consolas" pitchFamily="49" charset="0"/>
+                        </a:rPr>
+                        <a:t> </a:t>
+                      </a:r>
+                      <a:r>
+                        <a:rPr lang="en-US" sz="1100" b="0" dirty="0" err="1" smtClean="0">
+                          <a:solidFill>
+                            <a:srgbClr val="C00000"/>
+                          </a:solidFill>
+                          <a:latin typeface="Consolas" pitchFamily="49" charset="0"/>
+                          <a:cs typeface="Consolas" pitchFamily="49" charset="0"/>
+                        </a:rPr>
+                        <a:t>HappilArgument</a:t>
+                      </a:r>
+                      <a:r>
+                        <a:rPr lang="en-US" sz="1100" b="0" dirty="0" smtClean="0">
+                          <a:solidFill>
+                            <a:srgbClr val="C00000"/>
+                          </a:solidFill>
+                          <a:latin typeface="Consolas" pitchFamily="49" charset="0"/>
+                          <a:cs typeface="Consolas" pitchFamily="49" charset="0"/>
+                        </a:rPr>
+                        <a:t>&lt;</a:t>
+                      </a:r>
+                      <a:r>
+                        <a:rPr lang="en-US" sz="1100" b="0" dirty="0" err="1" smtClean="0">
+                          <a:solidFill>
+                            <a:srgbClr val="C00000"/>
+                          </a:solidFill>
+                          <a:latin typeface="Consolas" pitchFamily="49" charset="0"/>
+                          <a:cs typeface="Consolas" pitchFamily="49" charset="0"/>
+                        </a:rPr>
+                        <a:t>int</a:t>
+                      </a:r>
+                      <a:r>
+                        <a:rPr lang="en-US" sz="1100" b="0" dirty="0" smtClean="0">
+                          <a:solidFill>
+                            <a:srgbClr val="C00000"/>
+                          </a:solidFill>
+                          <a:latin typeface="Consolas" pitchFamily="49" charset="0"/>
+                          <a:cs typeface="Consolas" pitchFamily="49" charset="0"/>
+                        </a:rPr>
+                        <a:t>&gt;</a:t>
+                      </a:r>
+                      <a:r>
+                        <a:rPr lang="en-US" sz="1100" b="0" baseline="0" dirty="0" smtClean="0">
+                          <a:solidFill>
+                            <a:srgbClr val="C00000"/>
+                          </a:solidFill>
+                          <a:latin typeface="Consolas" pitchFamily="49" charset="0"/>
+                          <a:cs typeface="Consolas" pitchFamily="49" charset="0"/>
+                        </a:rPr>
+                        <a:t> “x” </a:t>
+                      </a:r>
+                      <a:r>
+                        <a:rPr lang="en-US" sz="1100" b="0" baseline="0" dirty="0" smtClean="0">
+                          <a:solidFill>
+                            <a:schemeClr val="tx1">
+                              <a:lumMod val="50000"/>
+                              <a:lumOff val="50000"/>
+                            </a:schemeClr>
+                          </a:solidFill>
+                          <a:latin typeface="Consolas" pitchFamily="49" charset="0"/>
+                          <a:cs typeface="Consolas" pitchFamily="49" charset="0"/>
+                        </a:rPr>
+                        <a:t>}</a:t>
+                      </a:r>
+                      <a:endParaRPr lang="en-US" sz="1100" b="0" dirty="0">
+                        <a:solidFill>
+                          <a:schemeClr val="tx1">
+                            <a:lumMod val="50000"/>
+                            <a:lumOff val="50000"/>
+                          </a:schemeClr>
+                        </a:solidFill>
+                        <a:latin typeface="Consolas" pitchFamily="49" charset="0"/>
+                        <a:cs typeface="Consolas" pitchFamily="49" charset="0"/>
+                      </a:endParaRPr>
+                    </a:p>
+                  </a:txBody>
+                  <a:tcPr/>
+                </a:tc>
+                <a:tc>
+                  <a:txBody>
+                    <a:bodyPr/>
+                    <a:lstStyle/>
+                    <a:p>
+                      <a:r>
+                        <a:rPr lang="en-US" sz="1100" b="0" dirty="0" err="1" smtClean="0">
+                          <a:latin typeface="Consolas" pitchFamily="49" charset="0"/>
+                          <a:cs typeface="Consolas" pitchFamily="49" charset="0"/>
+                        </a:rPr>
+                        <a:t>EmitLoad</a:t>
+                      </a:r>
+                      <a:endParaRPr lang="en-US" sz="1100" b="0" dirty="0">
+                        <a:latin typeface="Consolas" pitchFamily="49" charset="0"/>
+                        <a:cs typeface="Consolas" pitchFamily="49" charset="0"/>
+                      </a:endParaRPr>
+                    </a:p>
+                  </a:txBody>
+                  <a:tcPr/>
+                </a:tc>
+                <a:tc>
+                  <a:txBody>
+                    <a:bodyPr/>
+                    <a:lstStyle/>
+                    <a:p>
+                      <a:r>
+                        <a:rPr lang="en-US" sz="1100" b="1" dirty="0" smtClean="0">
+                          <a:latin typeface="Consolas" pitchFamily="49" charset="0"/>
+                          <a:cs typeface="Consolas" pitchFamily="49" charset="0"/>
+                        </a:rPr>
+                        <a:t>ldarg.1</a:t>
+                      </a:r>
+                      <a:endParaRPr lang="en-US" sz="1100" b="1" dirty="0">
+                        <a:latin typeface="Consolas" pitchFamily="49" charset="0"/>
+                        <a:cs typeface="Consolas" pitchFamily="49" charset="0"/>
+                      </a:endParaRPr>
+                    </a:p>
+                  </a:txBody>
+                  <a:tcPr/>
+                </a:tc>
+              </a:tr>
+              <a:tr h="274320">
+                <a:tc>
+                  <a:txBody>
+                    <a:bodyPr/>
+                    <a:lstStyle/>
+                    <a:p>
+                      <a:pPr lvl="0"/>
+                      <a:r>
+                        <a:rPr lang="en-US" sz="1100" b="0" dirty="0" smtClean="0">
+                          <a:solidFill>
+                            <a:schemeClr val="tx1"/>
+                          </a:solidFill>
+                          <a:latin typeface="+mj-lt"/>
+                          <a:cs typeface="Consolas" pitchFamily="49" charset="0"/>
+                        </a:rPr>
+                        <a:t>8</a:t>
+                      </a:r>
+                      <a:endParaRPr lang="en-US" sz="1100" b="0" dirty="0">
+                        <a:solidFill>
+                          <a:schemeClr val="tx1"/>
+                        </a:solidFill>
+                        <a:latin typeface="+mj-lt"/>
+                        <a:cs typeface="Consolas" pitchFamily="49" charset="0"/>
+                      </a:endParaRPr>
+                    </a:p>
+                  </a:txBody>
+                  <a:tcPr/>
+                </a:tc>
+                <a:tc>
+                  <a:txBody>
+                    <a:bodyPr/>
+                    <a:lstStyle/>
+                    <a:p>
+                      <a:pPr lvl="4"/>
+                      <a:r>
+                        <a:rPr lang="en-US" sz="1100" b="0" dirty="0" smtClean="0">
+                          <a:latin typeface="Consolas" pitchFamily="49" charset="0"/>
+                          <a:cs typeface="Consolas" pitchFamily="49" charset="0"/>
+                        </a:rPr>
+                        <a:t>Right : </a:t>
+                      </a:r>
+                      <a:r>
+                        <a:rPr lang="en-US" sz="1100" b="0" dirty="0" err="1" smtClean="0">
+                          <a:solidFill>
+                            <a:schemeClr val="bg1">
+                              <a:lumMod val="65000"/>
+                            </a:schemeClr>
+                          </a:solidFill>
+                          <a:latin typeface="Consolas" pitchFamily="49" charset="0"/>
+                          <a:cs typeface="Consolas" pitchFamily="49" charset="0"/>
+                        </a:rPr>
+                        <a:t>IHappilOperand</a:t>
+                      </a:r>
+                      <a:r>
+                        <a:rPr lang="en-US" sz="1100" b="0" dirty="0" smtClean="0">
+                          <a:solidFill>
+                            <a:schemeClr val="bg1">
+                              <a:lumMod val="65000"/>
+                            </a:schemeClr>
+                          </a:solidFill>
+                          <a:latin typeface="Consolas" pitchFamily="49" charset="0"/>
+                          <a:cs typeface="Consolas" pitchFamily="49" charset="0"/>
+                        </a:rPr>
+                        <a:t>&lt;</a:t>
+                      </a:r>
+                      <a:r>
+                        <a:rPr lang="en-US" sz="1100" b="0" dirty="0" err="1" smtClean="0">
+                          <a:solidFill>
+                            <a:schemeClr val="bg1">
+                              <a:lumMod val="65000"/>
+                            </a:schemeClr>
+                          </a:solidFill>
+                          <a:latin typeface="Consolas" pitchFamily="49" charset="0"/>
+                          <a:cs typeface="Consolas" pitchFamily="49" charset="0"/>
+                        </a:rPr>
+                        <a:t>int</a:t>
+                      </a:r>
+                      <a:r>
+                        <a:rPr lang="en-US" sz="1100" b="0" dirty="0" smtClean="0">
+                          <a:solidFill>
+                            <a:schemeClr val="bg1">
+                              <a:lumMod val="65000"/>
+                            </a:schemeClr>
+                          </a:solidFill>
+                          <a:latin typeface="Consolas" pitchFamily="49" charset="0"/>
+                          <a:cs typeface="Consolas" pitchFamily="49" charset="0"/>
+                        </a:rPr>
+                        <a:t>&gt; </a:t>
+                      </a:r>
+                      <a:r>
+                        <a:rPr lang="en-US" sz="1100" b="0" dirty="0" smtClean="0">
+                          <a:solidFill>
+                            <a:schemeClr val="tx1">
+                              <a:lumMod val="50000"/>
+                              <a:lumOff val="50000"/>
+                            </a:schemeClr>
+                          </a:solidFill>
+                          <a:latin typeface="Consolas" pitchFamily="49" charset="0"/>
+                          <a:cs typeface="Consolas" pitchFamily="49" charset="0"/>
+                        </a:rPr>
+                        <a:t>{</a:t>
+                      </a:r>
+                      <a:r>
+                        <a:rPr lang="en-US" sz="1100" b="0" baseline="0" dirty="0" smtClean="0">
+                          <a:solidFill>
+                            <a:srgbClr val="C00000"/>
+                          </a:solidFill>
+                          <a:latin typeface="Consolas" pitchFamily="49" charset="0"/>
+                          <a:cs typeface="Consolas" pitchFamily="49" charset="0"/>
+                        </a:rPr>
+                        <a:t> </a:t>
+                      </a:r>
+                      <a:r>
+                        <a:rPr lang="en-US" sz="1100" b="0" dirty="0" err="1" smtClean="0">
+                          <a:solidFill>
+                            <a:srgbClr val="C00000"/>
+                          </a:solidFill>
+                          <a:latin typeface="Consolas" pitchFamily="49" charset="0"/>
+                          <a:cs typeface="Consolas" pitchFamily="49" charset="0"/>
+                        </a:rPr>
+                        <a:t>HappilArgument</a:t>
+                      </a:r>
+                      <a:r>
+                        <a:rPr lang="en-US" sz="1100" b="0" dirty="0" smtClean="0">
+                          <a:solidFill>
+                            <a:srgbClr val="C00000"/>
+                          </a:solidFill>
+                          <a:latin typeface="Consolas" pitchFamily="49" charset="0"/>
+                          <a:cs typeface="Consolas" pitchFamily="49" charset="0"/>
+                        </a:rPr>
+                        <a:t>&lt;</a:t>
+                      </a:r>
+                      <a:r>
+                        <a:rPr lang="en-US" sz="1100" b="0" dirty="0" err="1" smtClean="0">
+                          <a:solidFill>
+                            <a:srgbClr val="C00000"/>
+                          </a:solidFill>
+                          <a:latin typeface="Consolas" pitchFamily="49" charset="0"/>
+                          <a:cs typeface="Consolas" pitchFamily="49" charset="0"/>
+                        </a:rPr>
+                        <a:t>int</a:t>
+                      </a:r>
+                      <a:r>
+                        <a:rPr lang="en-US" sz="1100" b="0" dirty="0" smtClean="0">
+                          <a:solidFill>
+                            <a:srgbClr val="C00000"/>
+                          </a:solidFill>
+                          <a:latin typeface="Consolas" pitchFamily="49" charset="0"/>
+                          <a:cs typeface="Consolas" pitchFamily="49" charset="0"/>
+                        </a:rPr>
+                        <a:t>&gt;</a:t>
+                      </a:r>
+                      <a:r>
+                        <a:rPr lang="en-US" sz="1100" b="0" baseline="0" dirty="0" smtClean="0">
+                          <a:solidFill>
+                            <a:srgbClr val="C00000"/>
+                          </a:solidFill>
+                          <a:latin typeface="Consolas" pitchFamily="49" charset="0"/>
+                          <a:cs typeface="Consolas" pitchFamily="49" charset="0"/>
+                        </a:rPr>
+                        <a:t> </a:t>
+                      </a:r>
+                      <a:r>
+                        <a:rPr lang="en-US" sz="1100" b="0" baseline="0" dirty="0" smtClean="0">
+                          <a:solidFill>
+                            <a:srgbClr val="C00000"/>
+                          </a:solidFill>
+                          <a:latin typeface="Consolas" pitchFamily="49" charset="0"/>
+                          <a:cs typeface="Consolas" pitchFamily="49" charset="0"/>
+                        </a:rPr>
+                        <a:t>“y” </a:t>
+                      </a:r>
+                      <a:r>
+                        <a:rPr lang="en-US" sz="1100" b="0" baseline="0" dirty="0" smtClean="0">
+                          <a:solidFill>
+                            <a:schemeClr val="tx1">
+                              <a:lumMod val="50000"/>
+                              <a:lumOff val="50000"/>
+                            </a:schemeClr>
+                          </a:solidFill>
+                          <a:latin typeface="Consolas" pitchFamily="49" charset="0"/>
+                          <a:cs typeface="Consolas" pitchFamily="49" charset="0"/>
+                        </a:rPr>
+                        <a:t>}</a:t>
+                      </a:r>
+                      <a:endParaRPr lang="en-US" sz="1100" b="0" dirty="0">
+                        <a:solidFill>
+                          <a:schemeClr val="tx1">
+                            <a:lumMod val="50000"/>
+                            <a:lumOff val="50000"/>
+                          </a:schemeClr>
+                        </a:solidFill>
+                        <a:latin typeface="Consolas" pitchFamily="49" charset="0"/>
+                        <a:cs typeface="Consolas" pitchFamily="49" charset="0"/>
+                      </a:endParaRPr>
+                    </a:p>
+                  </a:txBody>
+                  <a:tcPr/>
+                </a:tc>
+                <a:tc>
+                  <a:txBody>
+                    <a:bodyPr/>
+                    <a:lstStyle/>
+                    <a:p>
+                      <a:r>
+                        <a:rPr lang="en-US" sz="1100" b="0" dirty="0" err="1" smtClean="0">
+                          <a:latin typeface="Consolas" pitchFamily="49" charset="0"/>
+                          <a:cs typeface="Consolas" pitchFamily="49" charset="0"/>
+                        </a:rPr>
+                        <a:t>EmitTarget</a:t>
+                      </a:r>
+                      <a:endParaRPr lang="en-US" sz="1100" b="0" dirty="0">
+                        <a:latin typeface="Consolas" pitchFamily="49" charset="0"/>
+                        <a:cs typeface="Consolas" pitchFamily="49" charset="0"/>
+                      </a:endParaRPr>
+                    </a:p>
+                  </a:txBody>
+                  <a:tcPr/>
+                </a:tc>
+                <a:tc>
+                  <a:txBody>
+                    <a:bodyPr/>
+                    <a:lstStyle/>
+                    <a:p>
+                      <a:r>
+                        <a:rPr lang="en-US" sz="1100" b="1" dirty="0" smtClean="0">
+                          <a:latin typeface="Consolas" pitchFamily="49" charset="0"/>
+                          <a:cs typeface="Consolas" pitchFamily="49" charset="0"/>
+                        </a:rPr>
+                        <a:t>-</a:t>
+                      </a:r>
+                      <a:endParaRPr lang="en-US" sz="1100" b="1" dirty="0">
+                        <a:latin typeface="Consolas" pitchFamily="49" charset="0"/>
+                        <a:cs typeface="Consolas" pitchFamily="49" charset="0"/>
+                      </a:endParaRPr>
+                    </a:p>
+                  </a:txBody>
+                  <a:tcPr/>
+                </a:tc>
+              </a:tr>
+              <a:tr h="274320">
+                <a:tc>
+                  <a:txBody>
+                    <a:bodyPr/>
+                    <a:lstStyle/>
+                    <a:p>
+                      <a:pPr lvl="0"/>
+                      <a:r>
+                        <a:rPr lang="en-US" sz="1100" b="0" dirty="0" smtClean="0">
+                          <a:solidFill>
+                            <a:schemeClr val="tx1"/>
+                          </a:solidFill>
+                          <a:latin typeface="+mj-lt"/>
+                          <a:cs typeface="Consolas" pitchFamily="49" charset="0"/>
+                        </a:rPr>
+                        <a:t>9</a:t>
+                      </a:r>
+                      <a:endParaRPr lang="en-US" sz="1100" b="0" dirty="0">
+                        <a:solidFill>
+                          <a:schemeClr val="tx1"/>
+                        </a:solidFill>
+                        <a:latin typeface="+mj-lt"/>
+                        <a:cs typeface="Consolas" pitchFamily="49" charset="0"/>
+                      </a:endParaRPr>
+                    </a:p>
+                  </a:txBody>
+                  <a:tcPr/>
+                </a:tc>
+                <a:tc>
+                  <a:txBody>
+                    <a:bodyPr/>
+                    <a:lstStyle/>
+                    <a:p>
+                      <a:pPr lvl="4"/>
+                      <a:r>
+                        <a:rPr lang="en-US" sz="1100" b="0" dirty="0" smtClean="0">
+                          <a:latin typeface="Consolas" pitchFamily="49" charset="0"/>
+                          <a:cs typeface="Consolas" pitchFamily="49" charset="0"/>
+                        </a:rPr>
+                        <a:t>Right : </a:t>
+                      </a:r>
+                      <a:r>
+                        <a:rPr lang="en-US" sz="1100" b="0" dirty="0" err="1" smtClean="0">
+                          <a:solidFill>
+                            <a:schemeClr val="bg1">
+                              <a:lumMod val="65000"/>
+                            </a:schemeClr>
+                          </a:solidFill>
+                          <a:latin typeface="Consolas" pitchFamily="49" charset="0"/>
+                          <a:cs typeface="Consolas" pitchFamily="49" charset="0"/>
+                        </a:rPr>
+                        <a:t>IHappilOperand</a:t>
+                      </a:r>
+                      <a:r>
+                        <a:rPr lang="en-US" sz="1100" b="0" dirty="0" smtClean="0">
+                          <a:solidFill>
+                            <a:schemeClr val="bg1">
+                              <a:lumMod val="65000"/>
+                            </a:schemeClr>
+                          </a:solidFill>
+                          <a:latin typeface="Consolas" pitchFamily="49" charset="0"/>
+                          <a:cs typeface="Consolas" pitchFamily="49" charset="0"/>
+                        </a:rPr>
+                        <a:t>&lt;</a:t>
+                      </a:r>
+                      <a:r>
+                        <a:rPr lang="en-US" sz="1100" b="0" dirty="0" err="1" smtClean="0">
+                          <a:solidFill>
+                            <a:schemeClr val="bg1">
+                              <a:lumMod val="65000"/>
+                            </a:schemeClr>
+                          </a:solidFill>
+                          <a:latin typeface="Consolas" pitchFamily="49" charset="0"/>
+                          <a:cs typeface="Consolas" pitchFamily="49" charset="0"/>
+                        </a:rPr>
+                        <a:t>int</a:t>
+                      </a:r>
+                      <a:r>
+                        <a:rPr lang="en-US" sz="1100" b="0" dirty="0" smtClean="0">
+                          <a:solidFill>
+                            <a:schemeClr val="bg1">
+                              <a:lumMod val="65000"/>
+                            </a:schemeClr>
+                          </a:solidFill>
+                          <a:latin typeface="Consolas" pitchFamily="49" charset="0"/>
+                          <a:cs typeface="Consolas" pitchFamily="49" charset="0"/>
+                        </a:rPr>
+                        <a:t>&gt; </a:t>
+                      </a:r>
+                      <a:r>
+                        <a:rPr lang="en-US" sz="1100" b="0" dirty="0" smtClean="0">
+                          <a:solidFill>
+                            <a:schemeClr val="tx1">
+                              <a:lumMod val="50000"/>
+                              <a:lumOff val="50000"/>
+                            </a:schemeClr>
+                          </a:solidFill>
+                          <a:latin typeface="Consolas" pitchFamily="49" charset="0"/>
+                          <a:cs typeface="Consolas" pitchFamily="49" charset="0"/>
+                        </a:rPr>
+                        <a:t>{</a:t>
+                      </a:r>
+                      <a:r>
+                        <a:rPr lang="en-US" sz="1100" b="0" dirty="0" smtClean="0">
+                          <a:solidFill>
+                            <a:srgbClr val="C00000"/>
+                          </a:solidFill>
+                          <a:latin typeface="Consolas" pitchFamily="49" charset="0"/>
+                          <a:cs typeface="Consolas" pitchFamily="49" charset="0"/>
+                        </a:rPr>
+                        <a:t> </a:t>
+                      </a:r>
+                      <a:r>
+                        <a:rPr lang="en-US" sz="1100" b="0" dirty="0" err="1" smtClean="0">
+                          <a:solidFill>
+                            <a:srgbClr val="C00000"/>
+                          </a:solidFill>
+                          <a:latin typeface="Consolas" pitchFamily="49" charset="0"/>
+                          <a:cs typeface="Consolas" pitchFamily="49" charset="0"/>
+                        </a:rPr>
+                        <a:t>HappilArgument</a:t>
+                      </a:r>
+                      <a:r>
+                        <a:rPr lang="en-US" sz="1100" b="0" dirty="0" smtClean="0">
+                          <a:solidFill>
+                            <a:srgbClr val="C00000"/>
+                          </a:solidFill>
+                          <a:latin typeface="Consolas" pitchFamily="49" charset="0"/>
+                          <a:cs typeface="Consolas" pitchFamily="49" charset="0"/>
+                        </a:rPr>
+                        <a:t>&lt;</a:t>
+                      </a:r>
+                      <a:r>
+                        <a:rPr lang="en-US" sz="1100" b="0" dirty="0" err="1" smtClean="0">
+                          <a:solidFill>
+                            <a:srgbClr val="C00000"/>
+                          </a:solidFill>
+                          <a:latin typeface="Consolas" pitchFamily="49" charset="0"/>
+                          <a:cs typeface="Consolas" pitchFamily="49" charset="0"/>
+                        </a:rPr>
+                        <a:t>int</a:t>
+                      </a:r>
+                      <a:r>
+                        <a:rPr lang="en-US" sz="1100" b="0" dirty="0" smtClean="0">
+                          <a:solidFill>
+                            <a:srgbClr val="C00000"/>
+                          </a:solidFill>
+                          <a:latin typeface="Consolas" pitchFamily="49" charset="0"/>
+                          <a:cs typeface="Consolas" pitchFamily="49" charset="0"/>
+                        </a:rPr>
+                        <a:t>&gt;</a:t>
+                      </a:r>
+                      <a:r>
+                        <a:rPr lang="en-US" sz="1100" b="0" baseline="0" dirty="0" smtClean="0">
+                          <a:solidFill>
+                            <a:srgbClr val="C00000"/>
+                          </a:solidFill>
+                          <a:latin typeface="Consolas" pitchFamily="49" charset="0"/>
+                          <a:cs typeface="Consolas" pitchFamily="49" charset="0"/>
+                        </a:rPr>
+                        <a:t> “y” </a:t>
+                      </a:r>
+                      <a:r>
+                        <a:rPr lang="en-US" sz="1100" b="0" baseline="0" dirty="0" smtClean="0">
+                          <a:solidFill>
+                            <a:schemeClr val="tx1">
+                              <a:lumMod val="50000"/>
+                              <a:lumOff val="50000"/>
+                            </a:schemeClr>
+                          </a:solidFill>
+                          <a:latin typeface="Consolas" pitchFamily="49" charset="0"/>
+                          <a:cs typeface="Consolas" pitchFamily="49" charset="0"/>
+                        </a:rPr>
+                        <a:t>}</a:t>
+                      </a:r>
+                      <a:endParaRPr lang="en-US" sz="1100" b="0" dirty="0">
+                        <a:solidFill>
+                          <a:schemeClr val="tx1">
+                            <a:lumMod val="50000"/>
+                            <a:lumOff val="50000"/>
+                          </a:schemeClr>
+                        </a:solidFill>
+                        <a:latin typeface="Consolas" pitchFamily="49" charset="0"/>
+                        <a:cs typeface="Consolas" pitchFamily="49" charset="0"/>
+                      </a:endParaRPr>
+                    </a:p>
+                  </a:txBody>
+                  <a:tcPr/>
+                </a:tc>
+                <a:tc>
+                  <a:txBody>
+                    <a:bodyPr/>
+                    <a:lstStyle/>
+                    <a:p>
+                      <a:r>
+                        <a:rPr lang="en-US" sz="1100" b="0" dirty="0" err="1" smtClean="0">
+                          <a:latin typeface="Consolas" pitchFamily="49" charset="0"/>
+                          <a:cs typeface="Consolas" pitchFamily="49" charset="0"/>
+                        </a:rPr>
+                        <a:t>EmitLoad</a:t>
+                      </a:r>
+                      <a:endParaRPr lang="en-US" sz="1100" b="0" dirty="0">
+                        <a:latin typeface="Consolas" pitchFamily="49" charset="0"/>
+                        <a:cs typeface="Consolas" pitchFamily="49" charset="0"/>
+                      </a:endParaRPr>
+                    </a:p>
+                  </a:txBody>
+                  <a:tcPr/>
+                </a:tc>
+                <a:tc>
+                  <a:txBody>
+                    <a:bodyPr/>
+                    <a:lstStyle/>
+                    <a:p>
+                      <a:r>
+                        <a:rPr lang="en-US" sz="1100" b="1" dirty="0" smtClean="0">
+                          <a:latin typeface="Consolas" pitchFamily="49" charset="0"/>
+                          <a:cs typeface="Consolas" pitchFamily="49" charset="0"/>
+                        </a:rPr>
+                        <a:t>ldarg.2</a:t>
+                      </a:r>
+                      <a:endParaRPr lang="en-US" sz="1100" b="1" dirty="0">
+                        <a:latin typeface="Consolas" pitchFamily="49" charset="0"/>
+                        <a:cs typeface="Consolas" pitchFamily="49" charset="0"/>
+                      </a:endParaRPr>
+                    </a:p>
+                  </a:txBody>
+                  <a:tcPr/>
+                </a:tc>
+              </a:tr>
+              <a:tr h="274320">
+                <a:tc>
+                  <a:txBody>
+                    <a:bodyPr/>
+                    <a:lstStyle/>
+                    <a:p>
+                      <a:pPr lvl="0"/>
+                      <a:r>
+                        <a:rPr lang="en-US" sz="1100" b="0" dirty="0" smtClean="0">
+                          <a:solidFill>
+                            <a:schemeClr val="tx1"/>
+                          </a:solidFill>
+                          <a:latin typeface="+mj-lt"/>
+                          <a:cs typeface="Consolas" pitchFamily="49" charset="0"/>
+                        </a:rPr>
+                        <a:t>10</a:t>
+                      </a:r>
+                      <a:endParaRPr lang="en-US" sz="1100" b="0" dirty="0">
+                        <a:solidFill>
+                          <a:schemeClr val="tx1"/>
+                        </a:solidFill>
+                        <a:latin typeface="+mj-lt"/>
+                        <a:cs typeface="Consolas" pitchFamily="49" charset="0"/>
+                      </a:endParaRPr>
+                    </a:p>
+                  </a:txBody>
+                  <a:tcPr/>
+                </a:tc>
+                <a:tc>
+                  <a:txBody>
+                    <a:bodyPr/>
+                    <a:lstStyle/>
+                    <a:p>
+                      <a:pPr lvl="4"/>
+                      <a:r>
+                        <a:rPr lang="en-US" sz="1100" b="0" dirty="0" err="1" smtClean="0">
+                          <a:solidFill>
+                            <a:srgbClr val="C00000"/>
+                          </a:solidFill>
+                          <a:latin typeface="Consolas" pitchFamily="49" charset="0"/>
+                          <a:cs typeface="Consolas" pitchFamily="49" charset="0"/>
+                        </a:rPr>
+                        <a:t>BinaryOperators.OperatorAdd</a:t>
+                      </a:r>
+                      <a:r>
+                        <a:rPr lang="en-US" sz="1100" b="0" dirty="0" smtClean="0">
+                          <a:solidFill>
+                            <a:srgbClr val="C00000"/>
+                          </a:solidFill>
+                          <a:latin typeface="Consolas" pitchFamily="49" charset="0"/>
+                          <a:cs typeface="Consolas" pitchFamily="49" charset="0"/>
+                        </a:rPr>
+                        <a:t>&lt;</a:t>
+                      </a:r>
+                      <a:r>
+                        <a:rPr lang="en-US" sz="1100" b="0" dirty="0" err="1" smtClean="0">
+                          <a:solidFill>
+                            <a:srgbClr val="C00000"/>
+                          </a:solidFill>
+                          <a:latin typeface="Consolas" pitchFamily="49" charset="0"/>
+                          <a:cs typeface="Consolas" pitchFamily="49" charset="0"/>
+                        </a:rPr>
+                        <a:t>int</a:t>
+                      </a:r>
+                      <a:r>
+                        <a:rPr lang="en-US" sz="1100" b="0" dirty="0" smtClean="0">
+                          <a:solidFill>
+                            <a:srgbClr val="C00000"/>
+                          </a:solidFill>
+                          <a:latin typeface="Consolas" pitchFamily="49" charset="0"/>
+                          <a:cs typeface="Consolas" pitchFamily="49" charset="0"/>
+                        </a:rPr>
+                        <a:t>&gt;</a:t>
+                      </a:r>
+                      <a:endParaRPr lang="en-US" sz="1100" b="0" dirty="0">
+                        <a:solidFill>
+                          <a:srgbClr val="C00000"/>
+                        </a:solidFill>
+                        <a:latin typeface="Consolas" pitchFamily="49" charset="0"/>
+                        <a:cs typeface="Consolas" pitchFamily="49" charset="0"/>
+                      </a:endParaRPr>
+                    </a:p>
+                  </a:txBody>
+                  <a:tcPr/>
+                </a:tc>
+                <a:tc>
+                  <a:txBody>
+                    <a:bodyPr/>
+                    <a:lstStyle/>
+                    <a:p>
+                      <a:endParaRPr lang="en-US" sz="1100" b="0" dirty="0">
+                        <a:latin typeface="Consolas" pitchFamily="49" charset="0"/>
+                        <a:cs typeface="Consolas" pitchFamily="49" charset="0"/>
+                      </a:endParaRPr>
+                    </a:p>
+                  </a:txBody>
+                  <a:tcPr/>
+                </a:tc>
+                <a:tc>
+                  <a:txBody>
+                    <a:bodyPr/>
+                    <a:lstStyle/>
+                    <a:p>
+                      <a:r>
+                        <a:rPr lang="en-US" sz="1100" b="1" dirty="0" smtClean="0">
+                          <a:latin typeface="Consolas" pitchFamily="49" charset="0"/>
+                          <a:cs typeface="Consolas" pitchFamily="49" charset="0"/>
+                        </a:rPr>
+                        <a:t>add</a:t>
+                      </a:r>
+                      <a:endParaRPr lang="en-US" sz="1100" b="1" dirty="0">
+                        <a:latin typeface="Consolas" pitchFamily="49" charset="0"/>
+                        <a:cs typeface="Consolas" pitchFamily="49" charset="0"/>
+                      </a:endParaRPr>
+                    </a:p>
+                  </a:txBody>
+                  <a:tcPr/>
+                </a:tc>
+              </a:tr>
+              <a:tr h="274320">
+                <a:tc>
+                  <a:txBody>
+                    <a:bodyPr/>
+                    <a:lstStyle/>
+                    <a:p>
+                      <a:pPr lvl="0"/>
+                      <a:r>
+                        <a:rPr lang="en-US" sz="1100" b="0" dirty="0" smtClean="0">
+                          <a:solidFill>
+                            <a:schemeClr val="tx1"/>
+                          </a:solidFill>
+                          <a:latin typeface="+mj-lt"/>
+                          <a:cs typeface="Consolas" pitchFamily="49" charset="0"/>
+                        </a:rPr>
+                        <a:t>11</a:t>
+                      </a:r>
+                      <a:endParaRPr lang="en-US" sz="1100" b="0" dirty="0">
+                        <a:solidFill>
+                          <a:schemeClr val="tx1"/>
+                        </a:solidFill>
+                        <a:latin typeface="+mj-lt"/>
+                        <a:cs typeface="Consolas" pitchFamily="49" charset="0"/>
+                      </a:endParaRPr>
+                    </a:p>
+                  </a:txBody>
+                  <a:tcPr/>
+                </a:tc>
+                <a:tc>
+                  <a:txBody>
+                    <a:bodyPr/>
+                    <a:lstStyle/>
+                    <a:p>
+                      <a:pPr lvl="2"/>
+                      <a:r>
+                        <a:rPr lang="en-US" sz="1100" b="0" dirty="0" err="1" smtClean="0">
+                          <a:solidFill>
+                            <a:srgbClr val="C00000"/>
+                          </a:solidFill>
+                          <a:latin typeface="Consolas" pitchFamily="49" charset="0"/>
+                          <a:cs typeface="Consolas" pitchFamily="49" charset="0"/>
+                        </a:rPr>
+                        <a:t>ReturnStatement</a:t>
+                      </a:r>
+                      <a:endParaRPr lang="en-US" sz="1100" b="0" dirty="0">
+                        <a:solidFill>
+                          <a:srgbClr val="C00000"/>
+                        </a:solidFill>
+                        <a:latin typeface="Consolas" pitchFamily="49" charset="0"/>
+                        <a:cs typeface="Consolas" pitchFamily="49" charset="0"/>
+                      </a:endParaRPr>
+                    </a:p>
+                  </a:txBody>
+                  <a:tcPr/>
+                </a:tc>
+                <a:tc>
+                  <a:txBody>
+                    <a:bodyPr/>
+                    <a:lstStyle/>
+                    <a:p>
+                      <a:endParaRPr lang="en-US" sz="1100" b="0" dirty="0">
+                        <a:latin typeface="Consolas" pitchFamily="49" charset="0"/>
+                        <a:cs typeface="Consolas" pitchFamily="49" charset="0"/>
+                      </a:endParaRPr>
+                    </a:p>
+                  </a:txBody>
+                  <a:tcPr/>
+                </a:tc>
+                <a:tc>
+                  <a:txBody>
+                    <a:bodyPr/>
+                    <a:lstStyle/>
+                    <a:p>
+                      <a:r>
+                        <a:rPr lang="en-US" sz="1100" b="1" dirty="0" smtClean="0">
+                          <a:latin typeface="Consolas" pitchFamily="49" charset="0"/>
+                          <a:cs typeface="Consolas" pitchFamily="49" charset="0"/>
+                        </a:rPr>
+                        <a:t>ret</a:t>
+                      </a:r>
+                      <a:endParaRPr lang="en-US" sz="1100" b="1" dirty="0">
+                        <a:latin typeface="Consolas" pitchFamily="49" charset="0"/>
+                        <a:cs typeface="Consolas" pitchFamily="49" charset="0"/>
+                      </a:endParaRPr>
                     </a:p>
                   </a:txBody>
                   <a:tcPr/>
@@ -6607,6 +8459,289 @@
           </a:graphicData>
         </a:graphic>
       </p:graphicFrame>
+      <p:sp>
+        <p:nvSpPr>
+          <p:cNvPr id="38" name="TextBox 37"/>
+          <p:cNvSpPr txBox="1"/>
+          <p:nvPr/>
+        </p:nvSpPr>
+        <p:spPr>
+          <a:xfrm>
+            <a:off x="10073896" y="6714705"/>
+            <a:ext cx="2499104" cy="1395413"/>
+          </a:xfrm>
+          <a:prstGeom prst="rect">
+            <a:avLst/>
+          </a:prstGeom>
+          <a:solidFill>
+            <a:srgbClr val="FFFFCC"/>
+          </a:solidFill>
+          <a:ln>
+            <a:solidFill>
+              <a:schemeClr val="accent3">
+                <a:lumMod val="40000"/>
+                <a:lumOff val="60000"/>
+              </a:schemeClr>
+            </a:solidFill>
+          </a:ln>
+        </p:spPr>
+        <p:txBody>
+          <a:bodyPr wrap="none" lIns="91440" rtlCol="0">
+            <a:noAutofit/>
+          </a:bodyPr>
+          <a:lstStyle/>
+          <a:p>
+            <a:r>
+              <a:rPr lang="en-US" sz="1200" dirty="0" smtClean="0">
+                <a:solidFill>
+                  <a:srgbClr val="0000CC"/>
+                </a:solidFill>
+                <a:latin typeface="Consolas" pitchFamily="49" charset="0"/>
+                <a:cs typeface="Consolas" pitchFamily="49" charset="0"/>
+              </a:rPr>
+              <a:t>.method public instance </a:t>
+            </a:r>
+            <a:r>
+              <a:rPr lang="en-US" sz="1200" dirty="0" smtClean="0">
+                <a:latin typeface="Consolas" pitchFamily="49" charset="0"/>
+                <a:cs typeface="Consolas" pitchFamily="49" charset="0"/>
+              </a:rPr>
+              <a:t/>
+            </a:r>
+            <a:br>
+              <a:rPr lang="en-US" sz="1200" dirty="0" smtClean="0">
+                <a:latin typeface="Consolas" pitchFamily="49" charset="0"/>
+                <a:cs typeface="Consolas" pitchFamily="49" charset="0"/>
+              </a:rPr>
+            </a:br>
+            <a:r>
+              <a:rPr lang="en-US" sz="1200" dirty="0" smtClean="0">
+                <a:latin typeface="Consolas" pitchFamily="49" charset="0"/>
+                <a:cs typeface="Consolas" pitchFamily="49" charset="0"/>
+              </a:rPr>
+              <a:t> </a:t>
+            </a:r>
+            <a:r>
+              <a:rPr lang="en-US" sz="1200" dirty="0" smtClean="0">
+                <a:solidFill>
+                  <a:srgbClr val="006600"/>
+                </a:solidFill>
+                <a:latin typeface="Consolas" pitchFamily="49" charset="0"/>
+                <a:cs typeface="Consolas" pitchFamily="49" charset="0"/>
+              </a:rPr>
+              <a:t>int32</a:t>
+            </a:r>
+            <a:r>
+              <a:rPr lang="en-US" sz="1200" dirty="0" smtClean="0">
+                <a:latin typeface="Consolas" pitchFamily="49" charset="0"/>
+                <a:cs typeface="Consolas" pitchFamily="49" charset="0"/>
+              </a:rPr>
+              <a:t> </a:t>
+            </a:r>
+            <a:r>
+              <a:rPr lang="en-US" sz="1200" b="1" dirty="0" smtClean="0">
+                <a:latin typeface="Consolas" pitchFamily="49" charset="0"/>
+                <a:cs typeface="Consolas" pitchFamily="49" charset="0"/>
+              </a:rPr>
+              <a:t>Add</a:t>
+            </a:r>
+            <a:r>
+              <a:rPr lang="en-US" sz="1200" dirty="0" smtClean="0">
+                <a:latin typeface="Consolas" pitchFamily="49" charset="0"/>
+                <a:cs typeface="Consolas" pitchFamily="49" charset="0"/>
+              </a:rPr>
+              <a:t>(</a:t>
+            </a:r>
+            <a:r>
+              <a:rPr lang="en-US" sz="1200" dirty="0" smtClean="0">
+                <a:solidFill>
+                  <a:srgbClr val="006600"/>
+                </a:solidFill>
+                <a:latin typeface="Consolas" pitchFamily="49" charset="0"/>
+                <a:cs typeface="Consolas" pitchFamily="49" charset="0"/>
+              </a:rPr>
+              <a:t>int32</a:t>
+            </a:r>
+            <a:r>
+              <a:rPr lang="en-US" sz="1200" dirty="0" smtClean="0">
+                <a:latin typeface="Consolas" pitchFamily="49" charset="0"/>
+                <a:cs typeface="Consolas" pitchFamily="49" charset="0"/>
+              </a:rPr>
+              <a:t> x, </a:t>
+            </a:r>
+            <a:r>
+              <a:rPr lang="en-US" sz="1200" dirty="0" smtClean="0">
+                <a:solidFill>
+                  <a:srgbClr val="006600"/>
+                </a:solidFill>
+                <a:latin typeface="Consolas" pitchFamily="49" charset="0"/>
+                <a:cs typeface="Consolas" pitchFamily="49" charset="0"/>
+              </a:rPr>
+              <a:t>int32</a:t>
+            </a:r>
+            <a:r>
+              <a:rPr lang="en-US" sz="1200" dirty="0" smtClean="0">
+                <a:latin typeface="Consolas" pitchFamily="49" charset="0"/>
+                <a:cs typeface="Consolas" pitchFamily="49" charset="0"/>
+              </a:rPr>
+              <a:t> y)</a:t>
+            </a:r>
+            <a:br>
+              <a:rPr lang="en-US" sz="1200" dirty="0" smtClean="0">
+                <a:latin typeface="Consolas" pitchFamily="49" charset="0"/>
+                <a:cs typeface="Consolas" pitchFamily="49" charset="0"/>
+              </a:rPr>
+            </a:br>
+            <a:endParaRPr lang="en-US" sz="1200" dirty="0" smtClean="0">
+              <a:latin typeface="Consolas" pitchFamily="49" charset="0"/>
+              <a:cs typeface="Consolas" pitchFamily="49" charset="0"/>
+            </a:endParaRPr>
+          </a:p>
+          <a:p>
+            <a:r>
+              <a:rPr lang="en-US" sz="1200" dirty="0" smtClean="0">
+                <a:latin typeface="Consolas" pitchFamily="49" charset="0"/>
+                <a:cs typeface="Consolas" pitchFamily="49" charset="0"/>
+              </a:rPr>
+              <a:t>L_0000: </a:t>
+            </a:r>
+            <a:r>
+              <a:rPr lang="en-US" sz="1200" dirty="0" smtClean="0">
+                <a:solidFill>
+                  <a:srgbClr val="006600"/>
+                </a:solidFill>
+                <a:latin typeface="Consolas" pitchFamily="49" charset="0"/>
+                <a:cs typeface="Consolas" pitchFamily="49" charset="0"/>
+              </a:rPr>
+              <a:t>ldarg.1</a:t>
+            </a:r>
+          </a:p>
+          <a:p>
+            <a:r>
+              <a:rPr lang="en-US" sz="1200" dirty="0" smtClean="0">
+                <a:latin typeface="Consolas" pitchFamily="49" charset="0"/>
+                <a:cs typeface="Consolas" pitchFamily="49" charset="0"/>
+              </a:rPr>
+              <a:t>L_0001: </a:t>
+            </a:r>
+            <a:r>
+              <a:rPr lang="en-US" sz="1200" dirty="0" smtClean="0">
+                <a:solidFill>
+                  <a:srgbClr val="006600"/>
+                </a:solidFill>
+                <a:latin typeface="Consolas" pitchFamily="49" charset="0"/>
+                <a:cs typeface="Consolas" pitchFamily="49" charset="0"/>
+              </a:rPr>
+              <a:t>ldarg.2</a:t>
+            </a:r>
+          </a:p>
+          <a:p>
+            <a:r>
+              <a:rPr lang="en-US" sz="1200" dirty="0" smtClean="0">
+                <a:latin typeface="Consolas" pitchFamily="49" charset="0"/>
+                <a:cs typeface="Consolas" pitchFamily="49" charset="0"/>
+              </a:rPr>
+              <a:t>L_0002: </a:t>
+            </a:r>
+            <a:r>
+              <a:rPr lang="en-US" sz="1200" dirty="0" smtClean="0">
+                <a:solidFill>
+                  <a:srgbClr val="006600"/>
+                </a:solidFill>
+                <a:latin typeface="Consolas" pitchFamily="49" charset="0"/>
+                <a:cs typeface="Consolas" pitchFamily="49" charset="0"/>
+              </a:rPr>
+              <a:t>add</a:t>
+            </a:r>
+          </a:p>
+          <a:p>
+            <a:r>
+              <a:rPr lang="en-US" sz="1200" dirty="0" smtClean="0">
+                <a:latin typeface="Consolas" pitchFamily="49" charset="0"/>
+                <a:cs typeface="Consolas" pitchFamily="49" charset="0"/>
+              </a:rPr>
+              <a:t>L_0003: </a:t>
+            </a:r>
+            <a:r>
+              <a:rPr lang="en-US" sz="1200" dirty="0" smtClean="0">
+                <a:solidFill>
+                  <a:srgbClr val="006600"/>
+                </a:solidFill>
+                <a:latin typeface="Consolas" pitchFamily="49" charset="0"/>
+                <a:cs typeface="Consolas" pitchFamily="49" charset="0"/>
+              </a:rPr>
+              <a:t>ret</a:t>
+            </a:r>
+            <a:endParaRPr lang="en-US" sz="1200" dirty="0">
+              <a:solidFill>
+                <a:srgbClr val="006600"/>
+              </a:solidFill>
+              <a:latin typeface="Consolas" pitchFamily="49" charset="0"/>
+              <a:cs typeface="Consolas" pitchFamily="49" charset="0"/>
+            </a:endParaRPr>
+          </a:p>
+        </p:txBody>
+      </p:sp>
+      <p:sp>
+        <p:nvSpPr>
+          <p:cNvPr id="39" name="TextBox 38"/>
+          <p:cNvSpPr txBox="1"/>
+          <p:nvPr/>
+        </p:nvSpPr>
+        <p:spPr>
+          <a:xfrm>
+            <a:off x="193596" y="4492109"/>
+            <a:ext cx="1749197" cy="369332"/>
+          </a:xfrm>
+          <a:prstGeom prst="rect">
+            <a:avLst/>
+          </a:prstGeom>
+          <a:noFill/>
+        </p:spPr>
+        <p:txBody>
+          <a:bodyPr wrap="none" rtlCol="0">
+            <a:spAutoFit/>
+          </a:bodyPr>
+          <a:lstStyle/>
+          <a:p>
+            <a:r>
+              <a:rPr lang="en-US" sz="1800" dirty="0" smtClean="0"/>
+              <a:t>Emit Sequence</a:t>
+            </a:r>
+            <a:endParaRPr lang="en-US" sz="1800" dirty="0"/>
+          </a:p>
+        </p:txBody>
+      </p:sp>
+      <p:sp>
+        <p:nvSpPr>
+          <p:cNvPr id="92" name="TextBox 91"/>
+          <p:cNvSpPr txBox="1"/>
+          <p:nvPr/>
+        </p:nvSpPr>
+        <p:spPr>
+          <a:xfrm>
+            <a:off x="9979580" y="6381750"/>
+            <a:ext cx="1402948" cy="369332"/>
+          </a:xfrm>
+          <a:prstGeom prst="rect">
+            <a:avLst/>
+          </a:prstGeom>
+          <a:noFill/>
+        </p:spPr>
+        <p:txBody>
+          <a:bodyPr wrap="none" rtlCol="0">
+            <a:spAutoFit/>
+          </a:bodyPr>
+          <a:lstStyle/>
+          <a:p>
+            <a:r>
+              <a:rPr lang="en-US" sz="1800" dirty="0" smtClean="0"/>
+              <a:t>Resulting IL</a:t>
+            </a:r>
+            <a:endParaRPr lang="en-US" sz="1800" dirty="0"/>
+          </a:p>
+        </p:txBody>
+      </p:sp>
     </p:spTree>
     <p:extLst>
       <p:ext uri="{BB962C8B-B14F-4D97-AF65-F5344CB8AC3E}">
